--- a/docs/CPU design.pptx
+++ b/docs/CPU design.pptx
@@ -5,7 +5,7 @@
     <p:sldMasterId id="2147483648" r:id="rId1"/>
   </p:sldMasterIdLst>
   <p:notesMasterIdLst>
-    <p:notesMasterId r:id="rId14"/>
+    <p:notesMasterId r:id="rId20"/>
   </p:notesMasterIdLst>
   <p:sldIdLst>
     <p:sldId id="256" r:id="rId2"/>
@@ -15,11 +15,17 @@
     <p:sldId id="264" r:id="rId6"/>
     <p:sldId id="265" r:id="rId7"/>
     <p:sldId id="260" r:id="rId8"/>
-    <p:sldId id="266" r:id="rId9"/>
-    <p:sldId id="257" r:id="rId10"/>
-    <p:sldId id="267" r:id="rId11"/>
-    <p:sldId id="269" r:id="rId12"/>
-    <p:sldId id="258" r:id="rId13"/>
+    <p:sldId id="279" r:id="rId9"/>
+    <p:sldId id="266" r:id="rId10"/>
+    <p:sldId id="257" r:id="rId11"/>
+    <p:sldId id="267" r:id="rId12"/>
+    <p:sldId id="269" r:id="rId13"/>
+    <p:sldId id="258" r:id="rId14"/>
+    <p:sldId id="270" r:id="rId15"/>
+    <p:sldId id="271" r:id="rId16"/>
+    <p:sldId id="272" r:id="rId17"/>
+    <p:sldId id="273" r:id="rId18"/>
+    <p:sldId id="278" r:id="rId19"/>
   </p:sldIdLst>
   <p:sldSz cx="12192000" cy="6858000"/>
   <p:notesSz cx="6858000" cy="9144000"/>
@@ -782,7 +788,7 @@
           <a:p>
             <a:fld id="{B61BEF0D-F0BB-DE4B-95CE-6DB70DBA9567}" type="datetimeFigureOut">
               <a:rPr lang="en-US" smtClean="0"/>
-              <a:t>11/15/2019</a:t>
+              <a:t>11/29/2019</a:t>
             </a:fld>
             <a:endParaRPr lang="en-US" dirty="0"/>
           </a:p>
@@ -987,7 +993,7 @@
           <a:p>
             <a:fld id="{B61BEF0D-F0BB-DE4B-95CE-6DB70DBA9567}" type="datetimeFigureOut">
               <a:rPr lang="en-US" smtClean="0"/>
-              <a:t>11/15/2019</a:t>
+              <a:t>11/29/2019</a:t>
             </a:fld>
             <a:endParaRPr lang="en-US" dirty="0"/>
           </a:p>
@@ -1238,7 +1244,7 @@
           <a:p>
             <a:fld id="{B61BEF0D-F0BB-DE4B-95CE-6DB70DBA9567}" type="datetimeFigureOut">
               <a:rPr lang="en-US" smtClean="0"/>
-              <a:t>11/15/2019</a:t>
+              <a:t>11/29/2019</a:t>
             </a:fld>
             <a:endParaRPr lang="en-US" dirty="0"/>
           </a:p>
@@ -1403,7 +1409,7 @@
           <a:p>
             <a:fld id="{B61BEF0D-F0BB-DE4B-95CE-6DB70DBA9567}" type="datetimeFigureOut">
               <a:rPr lang="en-US" smtClean="0"/>
-              <a:t>11/15/2019</a:t>
+              <a:t>11/29/2019</a:t>
             </a:fld>
             <a:endParaRPr lang="en-US" dirty="0"/>
           </a:p>
@@ -1741,7 +1747,7 @@
           <a:p>
             <a:fld id="{B61BEF0D-F0BB-DE4B-95CE-6DB70DBA9567}" type="datetimeFigureOut">
               <a:rPr lang="en-US" smtClean="0"/>
-              <a:t>11/15/2019</a:t>
+              <a:t>11/29/2019</a:t>
             </a:fld>
             <a:endParaRPr lang="en-US" dirty="0"/>
           </a:p>
@@ -2013,7 +2019,7 @@
           <a:p>
             <a:fld id="{B61BEF0D-F0BB-DE4B-95CE-6DB70DBA9567}" type="datetimeFigureOut">
               <a:rPr lang="en-US" smtClean="0"/>
-              <a:t>11/15/2019</a:t>
+              <a:t>11/29/2019</a:t>
             </a:fld>
             <a:endParaRPr lang="en-US" dirty="0"/>
           </a:p>
@@ -2387,7 +2393,7 @@
           <a:p>
             <a:fld id="{B61BEF0D-F0BB-DE4B-95CE-6DB70DBA9567}" type="datetimeFigureOut">
               <a:rPr lang="en-US" smtClean="0"/>
-              <a:t>11/15/2019</a:t>
+              <a:t>11/29/2019</a:t>
             </a:fld>
             <a:endParaRPr lang="en-US" dirty="0"/>
           </a:p>
@@ -2500,7 +2506,7 @@
           <a:p>
             <a:fld id="{B61BEF0D-F0BB-DE4B-95CE-6DB70DBA9567}" type="datetimeFigureOut">
               <a:rPr lang="en-US" smtClean="0"/>
-              <a:t>11/15/2019</a:t>
+              <a:t>11/29/2019</a:t>
             </a:fld>
             <a:endParaRPr lang="en-US" dirty="0"/>
           </a:p>
@@ -2666,7 +2672,7 @@
           <a:p>
             <a:fld id="{B61BEF0D-F0BB-DE4B-95CE-6DB70DBA9567}" type="datetimeFigureOut">
               <a:rPr lang="en-US" smtClean="0"/>
-              <a:t>11/15/2019</a:t>
+              <a:t>11/29/2019</a:t>
             </a:fld>
             <a:endParaRPr lang="en-US" dirty="0"/>
           </a:p>
@@ -3013,7 +3019,7 @@
           <a:p>
             <a:fld id="{B61BEF0D-F0BB-DE4B-95CE-6DB70DBA9567}" type="datetimeFigureOut">
               <a:rPr lang="en-US" smtClean="0"/>
-              <a:t>11/15/2019</a:t>
+              <a:t>11/29/2019</a:t>
             </a:fld>
             <a:endParaRPr lang="en-US" dirty="0"/>
           </a:p>
@@ -3385,7 +3391,7 @@
           <a:p>
             <a:fld id="{B61BEF0D-F0BB-DE4B-95CE-6DB70DBA9567}" type="datetimeFigureOut">
               <a:rPr lang="en-US" smtClean="0"/>
-              <a:t>11/15/2019</a:t>
+              <a:t>11/29/2019</a:t>
             </a:fld>
             <a:endParaRPr lang="en-US" dirty="0"/>
           </a:p>
@@ -3667,7 +3673,7 @@
           <a:p>
             <a:fld id="{B61BEF0D-F0BB-DE4B-95CE-6DB70DBA9567}" type="datetimeFigureOut">
               <a:rPr lang="en-US" smtClean="0"/>
-              <a:t>11/15/2019</a:t>
+              <a:t>11/29/2019</a:t>
             </a:fld>
             <a:endParaRPr lang="en-US" dirty="0"/>
           </a:p>
@@ -4312,6 +4318,211 @@
           <a:lstStyle/>
           <a:p>
             <a:r>
+              <a:rPr lang="zh-CN" altLang="en-US"/>
+              <a:t>设计</a:t>
+            </a:r>
+            <a:r>
+              <a:rPr lang="en-US" altLang="zh-CN"/>
+              <a:t>…? No these!</a:t>
+            </a:r>
+            <a:endParaRPr lang="zh-CN" altLang="en-US" dirty="0"/>
+          </a:p>
+        </p:txBody>
+      </p:sp>
+      <p:pic>
+        <p:nvPicPr>
+          <p:cNvPr id="61" name="图片 60">
+            <a:extLst>
+              <a:ext uri="{FF2B5EF4-FFF2-40B4-BE49-F238E27FC236}">
+                <a16:creationId xmlns:a16="http://schemas.microsoft.com/office/drawing/2014/main" id="{D5A6697C-52E0-4C03-AC3E-0902EC7E21E7}"/>
+              </a:ext>
+            </a:extLst>
+          </p:cNvPr>
+          <p:cNvPicPr>
+            <a:picLocks noChangeAspect="1"/>
+          </p:cNvPicPr>
+          <p:nvPr/>
+        </p:nvPicPr>
+        <p:blipFill>
+          <a:blip r:embed="rId2"/>
+          <a:stretch>
+            <a:fillRect/>
+          </a:stretch>
+        </p:blipFill>
+        <p:spPr>
+          <a:xfrm>
+            <a:off x="1371624" y="1855432"/>
+            <a:ext cx="6128501" cy="4175168"/>
+          </a:xfrm>
+          <a:prstGeom prst="rect">
+            <a:avLst/>
+          </a:prstGeom>
+        </p:spPr>
+      </p:pic>
+      <p:pic>
+        <p:nvPicPr>
+          <p:cNvPr id="4" name="图片 3">
+            <a:extLst>
+              <a:ext uri="{FF2B5EF4-FFF2-40B4-BE49-F238E27FC236}">
+                <a16:creationId xmlns:a16="http://schemas.microsoft.com/office/drawing/2014/main" id="{B1722A2B-230B-4826-9468-21966D363124}"/>
+              </a:ext>
+            </a:extLst>
+          </p:cNvPr>
+          <p:cNvPicPr>
+            <a:picLocks noChangeAspect="1"/>
+          </p:cNvPicPr>
+          <p:nvPr/>
+        </p:nvPicPr>
+        <p:blipFill rotWithShape="1">
+          <a:blip r:embed="rId3"/>
+          <a:srcRect l="25549" t="47378" r="35444" b="28415"/>
+          <a:stretch/>
+        </p:blipFill>
+        <p:spPr>
+          <a:xfrm>
+            <a:off x="7648138" y="2273128"/>
+            <a:ext cx="3368956" cy="2787589"/>
+          </a:xfrm>
+          <a:prstGeom prst="rect">
+            <a:avLst/>
+          </a:prstGeom>
+        </p:spPr>
+      </p:pic>
+      <p:sp>
+        <p:nvSpPr>
+          <p:cNvPr id="2" name="文本框 1">
+            <a:extLst>
+              <a:ext uri="{FF2B5EF4-FFF2-40B4-BE49-F238E27FC236}">
+                <a16:creationId xmlns:a16="http://schemas.microsoft.com/office/drawing/2014/main" id="{F5D56B06-5226-474B-BB43-71A6587EA6B2}"/>
+              </a:ext>
+            </a:extLst>
+          </p:cNvPr>
+          <p:cNvSpPr txBox="1"/>
+          <p:nvPr/>
+        </p:nvSpPr>
+        <p:spPr>
+          <a:xfrm>
+            <a:off x="3072064" y="5964006"/>
+            <a:ext cx="2279791" cy="369332"/>
+          </a:xfrm>
+          <a:prstGeom prst="rect">
+            <a:avLst/>
+          </a:prstGeom>
+          <a:noFill/>
+        </p:spPr>
+        <p:txBody>
+          <a:bodyPr wrap="none" rtlCol="0">
+            <a:spAutoFit/>
+          </a:bodyPr>
+          <a:lstStyle/>
+          <a:p>
+            <a:r>
+              <a:rPr lang="en-US" altLang="zh-CN"/>
+              <a:t>MIPS</a:t>
+            </a:r>
+            <a:r>
+              <a:rPr lang="zh-CN" altLang="en-US"/>
+              <a:t>经典五级流水线</a:t>
+            </a:r>
+          </a:p>
+        </p:txBody>
+      </p:sp>
+      <p:sp>
+        <p:nvSpPr>
+          <p:cNvPr id="6" name="文本框 5">
+            <a:extLst>
+              <a:ext uri="{FF2B5EF4-FFF2-40B4-BE49-F238E27FC236}">
+                <a16:creationId xmlns:a16="http://schemas.microsoft.com/office/drawing/2014/main" id="{193CB7E2-5753-48C9-8582-8F3B7C452FAB}"/>
+              </a:ext>
+            </a:extLst>
+          </p:cNvPr>
+          <p:cNvSpPr txBox="1"/>
+          <p:nvPr/>
+        </p:nvSpPr>
+        <p:spPr>
+          <a:xfrm>
+            <a:off x="7636478" y="5125005"/>
+            <a:ext cx="3392275" cy="646331"/>
+          </a:xfrm>
+          <a:prstGeom prst="rect">
+            <a:avLst/>
+          </a:prstGeom>
+          <a:noFill/>
+        </p:spPr>
+        <p:txBody>
+          <a:bodyPr wrap="none" rtlCol="0">
+            <a:spAutoFit/>
+          </a:bodyPr>
+          <a:lstStyle/>
+          <a:p>
+            <a:r>
+              <a:rPr lang="en-US" altLang="zh-CN"/>
+              <a:t>RISC-V </a:t>
+            </a:r>
+            <a:r>
+              <a:rPr lang="zh-CN" altLang="en-US"/>
+              <a:t>蜂鸟</a:t>
+            </a:r>
+            <a:r>
+              <a:rPr lang="en-US" altLang="zh-CN"/>
+              <a:t>E200</a:t>
+            </a:r>
+            <a:r>
+              <a:rPr lang="zh-CN" altLang="en-US"/>
+              <a:t>系列二级流水线</a:t>
+            </a:r>
+            <a:endParaRPr lang="en-US" altLang="zh-CN"/>
+          </a:p>
+          <a:p>
+            <a:r>
+              <a:rPr lang="en-US" altLang="zh-CN"/>
+              <a:t>(GitHub: e200_opensource)</a:t>
+            </a:r>
+            <a:endParaRPr lang="zh-CN" altLang="en-US"/>
+          </a:p>
+        </p:txBody>
+      </p:sp>
+    </p:spTree>
+  </p:cSld>
+  <p:clrMapOvr>
+    <a:masterClrMapping/>
+  </p:clrMapOvr>
+</p:sld>
+</file>
+
+<file path=ppt/slides/slide11.xml><?xml version="1.0" encoding="utf-8"?>
+<p:sld xmlns:a="http://schemas.openxmlformats.org/drawingml/2006/main" xmlns:r="http://schemas.openxmlformats.org/officeDocument/2006/relationships" xmlns:p="http://schemas.openxmlformats.org/presentationml/2006/main">
+  <p:cSld>
+    <p:spTree>
+      <p:nvGrpSpPr>
+        <p:cNvPr id="1" name=""/>
+        <p:cNvGrpSpPr/>
+        <p:nvPr/>
+      </p:nvGrpSpPr>
+      <p:grpSpPr>
+        <a:xfrm>
+          <a:off x="0" y="0"/>
+          <a:ext cx="0" cy="0"/>
+          <a:chOff x="0" y="0"/>
+          <a:chExt cx="0" cy="0"/>
+        </a:xfrm>
+      </p:grpSpPr>
+      <p:sp>
+        <p:nvSpPr>
+          <p:cNvPr id="1048597" name="标题 1"/>
+          <p:cNvSpPr>
+            <a:spLocks noGrp="1"/>
+          </p:cNvSpPr>
+          <p:nvPr>
+            <p:ph type="title"/>
+          </p:nvPr>
+        </p:nvSpPr>
+        <p:spPr/>
+        <p:txBody>
+          <a:bodyPr/>
+          <a:lstStyle/>
+          <a:p>
+            <a:r>
               <a:rPr lang="zh-CN" altLang="en-US" dirty="0"/>
               <a:t>设计</a:t>
             </a:r>
@@ -4972,6 +5183,14 @@
               <a:prstGeom prst="rect">
                 <a:avLst/>
               </a:prstGeom>
+              <a:solidFill>
+                <a:srgbClr val="7EC492"/>
+              </a:solidFill>
+              <a:ln>
+                <a:solidFill>
+                  <a:srgbClr val="318B71"/>
+                </a:solidFill>
+              </a:ln>
             </p:spPr>
             <p:style>
               <a:lnRef idx="2">
@@ -6288,7 +6507,7 @@
                 <a:pPr algn="ctr"/>
                 <a:r>
                   <a:rPr lang="en-US" altLang="zh-CN" sz="900"/>
-                  <a:t>BxxPredict</a:t>
+                  <a:t>Bxx</a:t>
                 </a:r>
               </a:p>
               <a:p>
@@ -6302,7 +6521,7 @@
                 <a:pPr algn="ctr"/>
                 <a:r>
                   <a:rPr lang="en-US" altLang="zh-CN" sz="900"/>
-                  <a:t>(BPRU)</a:t>
+                  <a:t>(BRU)</a:t>
                 </a:r>
                 <a:endParaRPr lang="zh-CN" altLang="en-US" sz="900"/>
               </a:p>
@@ -6494,7 +6713,7 @@
             <p:spPr>
               <a:xfrm>
                 <a:off x="5790594" y="1271856"/>
-                <a:ext cx="899630" cy="481324"/>
+                <a:ext cx="899630" cy="300827"/>
               </a:xfrm>
               <a:prstGeom prst="rect">
                 <a:avLst/>
@@ -6509,13 +6728,7 @@
               <a:p>
                 <a:r>
                   <a:rPr lang="en-US" altLang="zh-CN" sz="900"/>
-                  <a:t>Predict</a:t>
-                </a:r>
-              </a:p>
-              <a:p>
-                <a:r>
-                  <a:rPr lang="en-US" altLang="zh-CN" sz="900"/>
-                  <a:t>Failed</a:t>
+                  <a:t>go_branch</a:t>
                 </a:r>
                 <a:endParaRPr lang="zh-CN" altLang="en-US" sz="900"/>
               </a:p>
@@ -7195,7 +7408,7 @@
 </p:sld>
 </file>
 
-<file path=ppt/slides/slide11.xml><?xml version="1.0" encoding="utf-8"?>
+<file path=ppt/slides/slide12.xml><?xml version="1.0" encoding="utf-8"?>
 <p:sld xmlns:a="http://schemas.openxmlformats.org/drawingml/2006/main" xmlns:r="http://schemas.openxmlformats.org/officeDocument/2006/relationships" xmlns:p="http://schemas.openxmlformats.org/presentationml/2006/main">
   <p:cSld>
     <p:spTree>
@@ -7363,11 +7576,11 @@
             </a:r>
             <a:r>
               <a:rPr lang="en-US" altLang="zh-CN" sz="1200" b="1"/>
-              <a:t>BPRU</a:t>
+              <a:t>BRU</a:t>
             </a:r>
             <a:r>
               <a:rPr lang="en-US" altLang="zh-CN" sz="1200"/>
-              <a:t>: Branch Predict Result Unit</a:t>
+              <a:t>: Branch Result Unit</a:t>
             </a:r>
           </a:p>
           <a:p>
@@ -7412,15 +7625,58 @@
               <a:t>: Write back to regfile &amp; CSR</a:t>
             </a:r>
             <a:endParaRPr lang="zh-CN" altLang="en-US" sz="1200"/>
+          </a:p>
+        </p:txBody>
+      </p:sp>
+      <p:sp>
+        <p:nvSpPr>
+          <p:cNvPr id="61" name="矩形 60">
+            <a:extLst>
+              <a:ext uri="{FF2B5EF4-FFF2-40B4-BE49-F238E27FC236}">
+                <a16:creationId xmlns:a16="http://schemas.microsoft.com/office/drawing/2014/main" id="{7DF5A020-3A50-41F4-BC2A-A51E4B0793EE}"/>
+              </a:ext>
+            </a:extLst>
+          </p:cNvPr>
+          <p:cNvSpPr/>
+          <p:nvPr/>
+        </p:nvSpPr>
+        <p:spPr>
+          <a:xfrm>
+            <a:off x="881489" y="2091258"/>
+            <a:ext cx="2956259" cy="369332"/>
+          </a:xfrm>
+          <a:prstGeom prst="rect">
+            <a:avLst/>
+          </a:prstGeom>
+        </p:spPr>
+        <p:txBody>
+          <a:bodyPr wrap="none">
+            <a:spAutoFit/>
+          </a:bodyPr>
+          <a:lstStyle/>
+          <a:p>
+            <a:pPr algn="ctr"/>
+            <a:r>
+              <a:rPr lang="zh-CN" altLang="en-US"/>
+              <a:t>命名学习蜂鸟</a:t>
+            </a:r>
+            <a:r>
+              <a:rPr lang="en-US" altLang="zh-CN"/>
+              <a:t>E200</a:t>
+            </a:r>
+            <a:r>
+              <a:rPr lang="zh-CN" altLang="en-US"/>
+              <a:t>处理器核</a:t>
+            </a:r>
           </a:p>
         </p:txBody>
       </p:sp>
       <p:grpSp>
         <p:nvGrpSpPr>
-          <p:cNvPr id="69" name="组合 68">
+          <p:cNvPr id="57" name="组合 56">
             <a:extLst>
               <a:ext uri="{FF2B5EF4-FFF2-40B4-BE49-F238E27FC236}">
-                <a16:creationId xmlns:a16="http://schemas.microsoft.com/office/drawing/2014/main" id="{AA68FB3E-A1FF-4A1E-A913-F3260D071D5F}"/>
+                <a16:creationId xmlns:a16="http://schemas.microsoft.com/office/drawing/2014/main" id="{669D5C95-776C-45C8-96C0-E5750497B61A}"/>
               </a:ext>
             </a:extLst>
           </p:cNvPr>
@@ -7437,10 +7693,10 @@
         </p:grpSpPr>
         <p:grpSp>
           <p:nvGrpSpPr>
-            <p:cNvPr id="70" name="组合 69">
+            <p:cNvPr id="58" name="组合 57">
               <a:extLst>
                 <a:ext uri="{FF2B5EF4-FFF2-40B4-BE49-F238E27FC236}">
-                  <a16:creationId xmlns:a16="http://schemas.microsoft.com/office/drawing/2014/main" id="{8138042A-F769-4565-949E-F0B11A2A2783}"/>
+                  <a16:creationId xmlns:a16="http://schemas.microsoft.com/office/drawing/2014/main" id="{90CA1055-548F-4CD3-A4F1-21047895F246}"/>
                 </a:ext>
               </a:extLst>
             </p:cNvPr>
@@ -7457,10 +7713,10 @@
           </p:grpSpPr>
           <p:sp>
             <p:nvSpPr>
-              <p:cNvPr id="73" name="矩形 72">
+              <p:cNvPr id="62" name="矩形 61">
                 <a:extLst>
                   <a:ext uri="{FF2B5EF4-FFF2-40B4-BE49-F238E27FC236}">
-                    <a16:creationId xmlns:a16="http://schemas.microsoft.com/office/drawing/2014/main" id="{9440DFE7-6C93-456A-BBFB-61AEDDBB61EE}"/>
+                    <a16:creationId xmlns:a16="http://schemas.microsoft.com/office/drawing/2014/main" id="{8C9D3EAB-21B9-43C3-9E8B-718EB124E68A}"/>
                   </a:ext>
                 </a:extLst>
               </p:cNvPr>
@@ -7523,10 +7779,10 @@
           </p:sp>
           <p:sp>
             <p:nvSpPr>
-              <p:cNvPr id="74" name="矩形 73">
+              <p:cNvPr id="63" name="矩形 62">
                 <a:extLst>
                   <a:ext uri="{FF2B5EF4-FFF2-40B4-BE49-F238E27FC236}">
-                    <a16:creationId xmlns:a16="http://schemas.microsoft.com/office/drawing/2014/main" id="{9A0F9C64-8C08-4721-BD0F-CD1C128C5411}"/>
+                    <a16:creationId xmlns:a16="http://schemas.microsoft.com/office/drawing/2014/main" id="{953EF1E3-D573-4EE1-BC64-2184AE6D7812}"/>
                   </a:ext>
                 </a:extLst>
               </p:cNvPr>
@@ -7573,10 +7829,10 @@
           </p:sp>
           <p:sp>
             <p:nvSpPr>
-              <p:cNvPr id="75" name="矩形 74">
+              <p:cNvPr id="64" name="矩形 63">
                 <a:extLst>
                   <a:ext uri="{FF2B5EF4-FFF2-40B4-BE49-F238E27FC236}">
-                    <a16:creationId xmlns:a16="http://schemas.microsoft.com/office/drawing/2014/main" id="{82FDF555-D6C8-4BBF-AC24-A5858D13D6B8}"/>
+                    <a16:creationId xmlns:a16="http://schemas.microsoft.com/office/drawing/2014/main" id="{B9360BD6-4259-44C7-86B1-C6B9389389D0}"/>
                   </a:ext>
                 </a:extLst>
               </p:cNvPr>
@@ -7591,6 +7847,14 @@
               <a:prstGeom prst="rect">
                 <a:avLst/>
               </a:prstGeom>
+              <a:solidFill>
+                <a:srgbClr val="7EC492"/>
+              </a:solidFill>
+              <a:ln>
+                <a:solidFill>
+                  <a:srgbClr val="318B71"/>
+                </a:solidFill>
+              </a:ln>
             </p:spPr>
             <p:style>
               <a:lnRef idx="2">
@@ -7623,10 +7887,10 @@
           </p:sp>
           <p:sp>
             <p:nvSpPr>
-              <p:cNvPr id="76" name="矩形 75">
+              <p:cNvPr id="65" name="矩形 64">
                 <a:extLst>
                   <a:ext uri="{FF2B5EF4-FFF2-40B4-BE49-F238E27FC236}">
-                    <a16:creationId xmlns:a16="http://schemas.microsoft.com/office/drawing/2014/main" id="{C5D9561E-3045-43AE-9857-28416258E86B}"/>
+                    <a16:creationId xmlns:a16="http://schemas.microsoft.com/office/drawing/2014/main" id="{3645A37D-7047-4040-B84F-F980C6D45700}"/>
                   </a:ext>
                 </a:extLst>
               </p:cNvPr>
@@ -7673,10 +7937,10 @@
           </p:sp>
           <p:sp>
             <p:nvSpPr>
-              <p:cNvPr id="77" name="矩形 76">
+              <p:cNvPr id="66" name="矩形 65">
                 <a:extLst>
                   <a:ext uri="{FF2B5EF4-FFF2-40B4-BE49-F238E27FC236}">
-                    <a16:creationId xmlns:a16="http://schemas.microsoft.com/office/drawing/2014/main" id="{22728D80-9BD6-4D53-A16D-295326991C2E}"/>
+                    <a16:creationId xmlns:a16="http://schemas.microsoft.com/office/drawing/2014/main" id="{A302D037-75AD-426D-A270-62D0F182530B}"/>
                   </a:ext>
                 </a:extLst>
               </p:cNvPr>
@@ -7723,10 +7987,10 @@
           </p:sp>
           <p:sp>
             <p:nvSpPr>
-              <p:cNvPr id="78" name="矩形 77">
+              <p:cNvPr id="67" name="矩形 66">
                 <a:extLst>
                   <a:ext uri="{FF2B5EF4-FFF2-40B4-BE49-F238E27FC236}">
-                    <a16:creationId xmlns:a16="http://schemas.microsoft.com/office/drawing/2014/main" id="{F6571A7E-1829-468D-B871-BA51009FA74A}"/>
+                    <a16:creationId xmlns:a16="http://schemas.microsoft.com/office/drawing/2014/main" id="{FFC8E4FF-123F-4C7A-91C2-FDC898192E11}"/>
                   </a:ext>
                 </a:extLst>
               </p:cNvPr>
@@ -7769,10 +8033,10 @@
           </p:sp>
           <p:sp>
             <p:nvSpPr>
-              <p:cNvPr id="79" name="矩形 78">
+              <p:cNvPr id="68" name="矩形 67">
                 <a:extLst>
                   <a:ext uri="{FF2B5EF4-FFF2-40B4-BE49-F238E27FC236}">
-                    <a16:creationId xmlns:a16="http://schemas.microsoft.com/office/drawing/2014/main" id="{072F2516-AF40-4F42-BE3F-C6F0CB475542}"/>
+                    <a16:creationId xmlns:a16="http://schemas.microsoft.com/office/drawing/2014/main" id="{B3738DFD-F95C-4867-B81E-B82D9A4962DC}"/>
                   </a:ext>
                 </a:extLst>
               </p:cNvPr>
@@ -7815,10 +8079,10 @@
           </p:sp>
           <p:sp>
             <p:nvSpPr>
-              <p:cNvPr id="80" name="矩形 79">
+              <p:cNvPr id="121" name="矩形 120">
                 <a:extLst>
                   <a:ext uri="{FF2B5EF4-FFF2-40B4-BE49-F238E27FC236}">
-                    <a16:creationId xmlns:a16="http://schemas.microsoft.com/office/drawing/2014/main" id="{D15D4B8A-50A2-4D8B-98B7-008B068CFD90}"/>
+                    <a16:creationId xmlns:a16="http://schemas.microsoft.com/office/drawing/2014/main" id="{B167BF9C-011F-4565-96D5-4D2D3542950E}"/>
                   </a:ext>
                 </a:extLst>
               </p:cNvPr>
@@ -7885,10 +8149,10 @@
           </p:sp>
           <p:sp>
             <p:nvSpPr>
-              <p:cNvPr id="81" name="矩形 80">
+              <p:cNvPr id="122" name="矩形 121">
                 <a:extLst>
                   <a:ext uri="{FF2B5EF4-FFF2-40B4-BE49-F238E27FC236}">
-                    <a16:creationId xmlns:a16="http://schemas.microsoft.com/office/drawing/2014/main" id="{EB5B478E-F663-449D-BD06-16AB17C83355}"/>
+                    <a16:creationId xmlns:a16="http://schemas.microsoft.com/office/drawing/2014/main" id="{238C28B5-39A5-499D-8EF2-74F26DF18549}"/>
                   </a:ext>
                 </a:extLst>
               </p:cNvPr>
@@ -7935,10 +8199,10 @@
           </p:sp>
           <p:sp>
             <p:nvSpPr>
-              <p:cNvPr id="82" name="矩形 81">
+              <p:cNvPr id="123" name="矩形 122">
                 <a:extLst>
                   <a:ext uri="{FF2B5EF4-FFF2-40B4-BE49-F238E27FC236}">
-                    <a16:creationId xmlns:a16="http://schemas.microsoft.com/office/drawing/2014/main" id="{6C6842FB-0260-4780-AC5D-63B4FCFDAFB8}"/>
+                    <a16:creationId xmlns:a16="http://schemas.microsoft.com/office/drawing/2014/main" id="{3630EDD3-D294-45EE-99CB-A0797AE45C8B}"/>
                   </a:ext>
                 </a:extLst>
               </p:cNvPr>
@@ -7981,10 +8245,10 @@
           </p:sp>
           <p:sp>
             <p:nvSpPr>
-              <p:cNvPr id="83" name="矩形 82">
+              <p:cNvPr id="124" name="矩形 123">
                 <a:extLst>
                   <a:ext uri="{FF2B5EF4-FFF2-40B4-BE49-F238E27FC236}">
-                    <a16:creationId xmlns:a16="http://schemas.microsoft.com/office/drawing/2014/main" id="{46F39C44-683D-4A37-B170-0447FEDB0D69}"/>
+                    <a16:creationId xmlns:a16="http://schemas.microsoft.com/office/drawing/2014/main" id="{F31564B0-EBEA-47ED-B352-751EB23FC1E9}"/>
                   </a:ext>
                 </a:extLst>
               </p:cNvPr>
@@ -8027,10 +8291,10 @@
           </p:sp>
           <p:sp>
             <p:nvSpPr>
-              <p:cNvPr id="84" name="矩形 83">
+              <p:cNvPr id="125" name="矩形 124">
                 <a:extLst>
                   <a:ext uri="{FF2B5EF4-FFF2-40B4-BE49-F238E27FC236}">
-                    <a16:creationId xmlns:a16="http://schemas.microsoft.com/office/drawing/2014/main" id="{1158A8A6-9AAC-4452-81CC-2BEF460BE543}"/>
+                    <a16:creationId xmlns:a16="http://schemas.microsoft.com/office/drawing/2014/main" id="{1D60929A-3E55-40CA-986F-64B7EDB89732}"/>
                   </a:ext>
                 </a:extLst>
               </p:cNvPr>
@@ -8073,16 +8337,16 @@
           </p:sp>
           <p:cxnSp>
             <p:nvCxnSpPr>
-              <p:cNvPr id="85" name="直接箭头连接符 84">
+              <p:cNvPr id="126" name="直接箭头连接符 125">
                 <a:extLst>
                   <a:ext uri="{FF2B5EF4-FFF2-40B4-BE49-F238E27FC236}">
-                    <a16:creationId xmlns:a16="http://schemas.microsoft.com/office/drawing/2014/main" id="{58B58C53-4E0F-4AF3-B45D-15DA53B14C04}"/>
+                    <a16:creationId xmlns:a16="http://schemas.microsoft.com/office/drawing/2014/main" id="{26FBCE61-91CD-4599-94A2-2209B8E75A6E}"/>
                   </a:ext>
                 </a:extLst>
               </p:cNvPr>
               <p:cNvCxnSpPr>
-                <a:stCxn id="82" idx="1"/>
-                <a:endCxn id="74" idx="3"/>
+                <a:stCxn id="123" idx="1"/>
+                <a:endCxn id="63" idx="3"/>
               </p:cNvCxnSpPr>
               <p:nvPr/>
             </p:nvCxnSpPr>
@@ -8118,10 +8382,10 @@
           </p:cxnSp>
           <p:cxnSp>
             <p:nvCxnSpPr>
-              <p:cNvPr id="86" name="直接箭头连接符 85">
+              <p:cNvPr id="127" name="直接箭头连接符 126">
                 <a:extLst>
                   <a:ext uri="{FF2B5EF4-FFF2-40B4-BE49-F238E27FC236}">
-                    <a16:creationId xmlns:a16="http://schemas.microsoft.com/office/drawing/2014/main" id="{00EEBE79-0574-42A4-AAA2-9176234BD579}"/>
+                    <a16:creationId xmlns:a16="http://schemas.microsoft.com/office/drawing/2014/main" id="{F37045B3-8600-4FDA-9F10-13A4046BA8DE}"/>
                   </a:ext>
                 </a:extLst>
               </p:cNvPr>
@@ -8162,16 +8426,16 @@
           </p:cxnSp>
           <p:cxnSp>
             <p:nvCxnSpPr>
-              <p:cNvPr id="87" name="直接箭头连接符 86">
+              <p:cNvPr id="128" name="直接箭头连接符 127">
                 <a:extLst>
                   <a:ext uri="{FF2B5EF4-FFF2-40B4-BE49-F238E27FC236}">
-                    <a16:creationId xmlns:a16="http://schemas.microsoft.com/office/drawing/2014/main" id="{D6972089-E14D-4949-94CF-DA21666F0471}"/>
+                    <a16:creationId xmlns:a16="http://schemas.microsoft.com/office/drawing/2014/main" id="{66BC4643-EE7B-4448-8103-AA86915409E1}"/>
                   </a:ext>
                 </a:extLst>
               </p:cNvPr>
               <p:cNvCxnSpPr>
                 <a:cxnSpLocks/>
-                <a:stCxn id="77" idx="2"/>
+                <a:stCxn id="66" idx="2"/>
               </p:cNvCxnSpPr>
               <p:nvPr/>
             </p:nvCxnSpPr>
@@ -8207,10 +8471,10 @@
           </p:cxnSp>
           <p:cxnSp>
             <p:nvCxnSpPr>
-              <p:cNvPr id="88" name="直接箭头连接符 87">
+              <p:cNvPr id="129" name="直接箭头连接符 128">
                 <a:extLst>
                   <a:ext uri="{FF2B5EF4-FFF2-40B4-BE49-F238E27FC236}">
-                    <a16:creationId xmlns:a16="http://schemas.microsoft.com/office/drawing/2014/main" id="{22887F1F-3953-46B7-9320-AA40554720C4}"/>
+                    <a16:creationId xmlns:a16="http://schemas.microsoft.com/office/drawing/2014/main" id="{DA86DC66-9C26-428C-AB15-67998EB9CBD8}"/>
                   </a:ext>
                 </a:extLst>
               </p:cNvPr>
@@ -8251,17 +8515,17 @@
           </p:cxnSp>
           <p:cxnSp>
             <p:nvCxnSpPr>
-              <p:cNvPr id="89" name="连接符: 肘形 88">
+              <p:cNvPr id="130" name="连接符: 肘形 129">
                 <a:extLst>
                   <a:ext uri="{FF2B5EF4-FFF2-40B4-BE49-F238E27FC236}">
-                    <a16:creationId xmlns:a16="http://schemas.microsoft.com/office/drawing/2014/main" id="{949E0B58-4F3A-4013-8075-497D77EFFCEA}"/>
+                    <a16:creationId xmlns:a16="http://schemas.microsoft.com/office/drawing/2014/main" id="{DAFBB2E5-5FD4-4F72-9FAE-2477CF93FCD6}"/>
                   </a:ext>
                 </a:extLst>
               </p:cNvPr>
               <p:cNvCxnSpPr>
                 <a:cxnSpLocks/>
-                <a:stCxn id="80" idx="2"/>
-                <a:endCxn id="76" idx="1"/>
+                <a:stCxn id="121" idx="2"/>
+                <a:endCxn id="65" idx="1"/>
               </p:cNvCxnSpPr>
               <p:nvPr/>
             </p:nvCxnSpPr>
@@ -8300,17 +8564,17 @@
           </p:cxnSp>
           <p:cxnSp>
             <p:nvCxnSpPr>
-              <p:cNvPr id="90" name="直接箭头连接符 89">
+              <p:cNvPr id="131" name="直接箭头连接符 130">
                 <a:extLst>
                   <a:ext uri="{FF2B5EF4-FFF2-40B4-BE49-F238E27FC236}">
-                    <a16:creationId xmlns:a16="http://schemas.microsoft.com/office/drawing/2014/main" id="{A4B47066-E08A-4C65-81C3-17F40C4CE671}"/>
+                    <a16:creationId xmlns:a16="http://schemas.microsoft.com/office/drawing/2014/main" id="{989B0386-F077-4C2A-9810-386E4B184D65}"/>
                   </a:ext>
                 </a:extLst>
               </p:cNvPr>
               <p:cNvCxnSpPr>
                 <a:cxnSpLocks/>
-                <a:stCxn id="75" idx="2"/>
-                <a:endCxn id="78" idx="0"/>
+                <a:stCxn id="64" idx="2"/>
+                <a:endCxn id="67" idx="0"/>
               </p:cNvCxnSpPr>
               <p:nvPr/>
             </p:nvCxnSpPr>
@@ -8346,17 +8610,17 @@
           </p:cxnSp>
           <p:cxnSp>
             <p:nvCxnSpPr>
-              <p:cNvPr id="91" name="直接箭头连接符 90">
+              <p:cNvPr id="132" name="直接箭头连接符 131">
                 <a:extLst>
                   <a:ext uri="{FF2B5EF4-FFF2-40B4-BE49-F238E27FC236}">
-                    <a16:creationId xmlns:a16="http://schemas.microsoft.com/office/drawing/2014/main" id="{BD74B2B5-0326-40C1-BF78-E72802AAEBBA}"/>
+                    <a16:creationId xmlns:a16="http://schemas.microsoft.com/office/drawing/2014/main" id="{9FB4C27F-AC3A-47CF-AC5E-07E24C57B244}"/>
                   </a:ext>
                 </a:extLst>
               </p:cNvPr>
               <p:cNvCxnSpPr>
                 <a:cxnSpLocks/>
-                <a:stCxn id="79" idx="2"/>
-                <a:endCxn id="75" idx="0"/>
+                <a:stCxn id="68" idx="2"/>
+                <a:endCxn id="64" idx="0"/>
               </p:cNvCxnSpPr>
               <p:nvPr/>
             </p:nvCxnSpPr>
@@ -8392,10 +8656,10 @@
           </p:cxnSp>
           <p:cxnSp>
             <p:nvCxnSpPr>
-              <p:cNvPr id="92" name="直接箭头连接符 91">
+              <p:cNvPr id="133" name="直接箭头连接符 132">
                 <a:extLst>
                   <a:ext uri="{FF2B5EF4-FFF2-40B4-BE49-F238E27FC236}">
-                    <a16:creationId xmlns:a16="http://schemas.microsoft.com/office/drawing/2014/main" id="{3C5230CC-8198-403F-ACD6-38285523AE02}"/>
+                    <a16:creationId xmlns:a16="http://schemas.microsoft.com/office/drawing/2014/main" id="{9ECD8A04-75BB-439C-A217-31A2D5760BC4}"/>
                   </a:ext>
                 </a:extLst>
               </p:cNvPr>
@@ -8436,10 +8700,10 @@
           </p:cxnSp>
           <p:sp>
             <p:nvSpPr>
-              <p:cNvPr id="93" name="文本框 92">
+              <p:cNvPr id="134" name="文本框 133">
                 <a:extLst>
                   <a:ext uri="{FF2B5EF4-FFF2-40B4-BE49-F238E27FC236}">
-                    <a16:creationId xmlns:a16="http://schemas.microsoft.com/office/drawing/2014/main" id="{89A54555-BE12-4528-91AF-5A101ECDCCC0}"/>
+                    <a16:creationId xmlns:a16="http://schemas.microsoft.com/office/drawing/2014/main" id="{ED4E8EFA-6AB0-4D2C-88FD-017AAD0BA2AC}"/>
                   </a:ext>
                 </a:extLst>
               </p:cNvPr>
@@ -8472,10 +8736,10 @@
           </p:sp>
           <p:sp>
             <p:nvSpPr>
-              <p:cNvPr id="94" name="文本框 93">
+              <p:cNvPr id="135" name="文本框 134">
                 <a:extLst>
                   <a:ext uri="{FF2B5EF4-FFF2-40B4-BE49-F238E27FC236}">
-                    <a16:creationId xmlns:a16="http://schemas.microsoft.com/office/drawing/2014/main" id="{9A232795-068A-4E63-A769-13C90D5F24CC}"/>
+                    <a16:creationId xmlns:a16="http://schemas.microsoft.com/office/drawing/2014/main" id="{926AB4E5-AF40-4028-9647-16C8F579939B}"/>
                   </a:ext>
                 </a:extLst>
               </p:cNvPr>
@@ -8508,10 +8772,10 @@
           </p:sp>
           <p:sp>
             <p:nvSpPr>
-              <p:cNvPr id="95" name="文本框 94">
+              <p:cNvPr id="136" name="文本框 135">
                 <a:extLst>
                   <a:ext uri="{FF2B5EF4-FFF2-40B4-BE49-F238E27FC236}">
-                    <a16:creationId xmlns:a16="http://schemas.microsoft.com/office/drawing/2014/main" id="{78C8E0FD-5C8F-4879-BF5A-D1FBB57C6A12}"/>
+                    <a16:creationId xmlns:a16="http://schemas.microsoft.com/office/drawing/2014/main" id="{E10238C1-80B8-4C38-A8DC-DDA304E706CE}"/>
                   </a:ext>
                 </a:extLst>
               </p:cNvPr>
@@ -8544,10 +8808,10 @@
           </p:sp>
           <p:sp>
             <p:nvSpPr>
-              <p:cNvPr id="96" name="文本框 95">
+              <p:cNvPr id="137" name="文本框 136">
                 <a:extLst>
                   <a:ext uri="{FF2B5EF4-FFF2-40B4-BE49-F238E27FC236}">
-                    <a16:creationId xmlns:a16="http://schemas.microsoft.com/office/drawing/2014/main" id="{3FFBC4BD-3383-49A9-AE82-A0EC0D6E6D71}"/>
+                    <a16:creationId xmlns:a16="http://schemas.microsoft.com/office/drawing/2014/main" id="{A751B063-F1C8-4812-A934-4D8BB4B34977}"/>
                   </a:ext>
                 </a:extLst>
               </p:cNvPr>
@@ -8580,10 +8844,10 @@
           </p:sp>
           <p:cxnSp>
             <p:nvCxnSpPr>
-              <p:cNvPr id="97" name="直接箭头连接符 96">
+              <p:cNvPr id="138" name="直接箭头连接符 137">
                 <a:extLst>
                   <a:ext uri="{FF2B5EF4-FFF2-40B4-BE49-F238E27FC236}">
-                    <a16:creationId xmlns:a16="http://schemas.microsoft.com/office/drawing/2014/main" id="{FD75ECA0-AD5C-42FC-B80D-607A1C91E755}"/>
+                    <a16:creationId xmlns:a16="http://schemas.microsoft.com/office/drawing/2014/main" id="{25CD6489-00A1-4779-A550-FE18DFEDE5F1}"/>
                   </a:ext>
                 </a:extLst>
               </p:cNvPr>
@@ -8625,16 +8889,16 @@
           </p:cxnSp>
           <p:cxnSp>
             <p:nvCxnSpPr>
-              <p:cNvPr id="98" name="直接箭头连接符 97">
+              <p:cNvPr id="139" name="直接箭头连接符 138">
                 <a:extLst>
                   <a:ext uri="{FF2B5EF4-FFF2-40B4-BE49-F238E27FC236}">
-                    <a16:creationId xmlns:a16="http://schemas.microsoft.com/office/drawing/2014/main" id="{8AC95D3E-F300-4FF2-A42A-B66D408C9E16}"/>
+                    <a16:creationId xmlns:a16="http://schemas.microsoft.com/office/drawing/2014/main" id="{2854B349-3E80-4657-958E-8ABBDE0289DB}"/>
                   </a:ext>
                 </a:extLst>
               </p:cNvPr>
               <p:cNvCxnSpPr>
-                <a:stCxn id="74" idx="2"/>
-                <a:endCxn id="79" idx="0"/>
+                <a:stCxn id="63" idx="2"/>
+                <a:endCxn id="68" idx="0"/>
               </p:cNvCxnSpPr>
               <p:nvPr/>
             </p:nvCxnSpPr>
@@ -8670,15 +8934,15 @@
           </p:cxnSp>
           <p:cxnSp>
             <p:nvCxnSpPr>
-              <p:cNvPr id="99" name="直接箭头连接符 98">
+              <p:cNvPr id="140" name="直接箭头连接符 139">
                 <a:extLst>
                   <a:ext uri="{FF2B5EF4-FFF2-40B4-BE49-F238E27FC236}">
-                    <a16:creationId xmlns:a16="http://schemas.microsoft.com/office/drawing/2014/main" id="{ABD65CCE-C04D-4569-A0C5-91DC34297661}"/>
+                    <a16:creationId xmlns:a16="http://schemas.microsoft.com/office/drawing/2014/main" id="{841432F5-0154-4E16-BD1A-67DB86B6B678}"/>
                   </a:ext>
                 </a:extLst>
               </p:cNvPr>
               <p:cNvCxnSpPr>
-                <a:stCxn id="82" idx="3"/>
+                <a:stCxn id="123" idx="3"/>
               </p:cNvCxnSpPr>
               <p:nvPr/>
             </p:nvCxnSpPr>
@@ -8715,15 +8979,15 @@
           </p:cxnSp>
           <p:cxnSp>
             <p:nvCxnSpPr>
-              <p:cNvPr id="100" name="直接箭头连接符 99">
+              <p:cNvPr id="141" name="直接箭头连接符 140">
                 <a:extLst>
                   <a:ext uri="{FF2B5EF4-FFF2-40B4-BE49-F238E27FC236}">
-                    <a16:creationId xmlns:a16="http://schemas.microsoft.com/office/drawing/2014/main" id="{2336F17A-37B5-4C0B-BF18-F49FF6D88103}"/>
+                    <a16:creationId xmlns:a16="http://schemas.microsoft.com/office/drawing/2014/main" id="{C505CA9D-4B19-44C1-AFD8-694F33F82D88}"/>
                   </a:ext>
                 </a:extLst>
               </p:cNvPr>
               <p:cNvCxnSpPr>
-                <a:stCxn id="83" idx="3"/>
+                <a:stCxn id="124" idx="3"/>
               </p:cNvCxnSpPr>
               <p:nvPr/>
             </p:nvCxnSpPr>
@@ -8760,15 +9024,15 @@
           </p:cxnSp>
           <p:cxnSp>
             <p:nvCxnSpPr>
-              <p:cNvPr id="101" name="直接箭头连接符 100">
+              <p:cNvPr id="142" name="直接箭头连接符 141">
                 <a:extLst>
                   <a:ext uri="{FF2B5EF4-FFF2-40B4-BE49-F238E27FC236}">
-                    <a16:creationId xmlns:a16="http://schemas.microsoft.com/office/drawing/2014/main" id="{B0658945-0B5D-4A32-9B28-2C2458E96293}"/>
+                    <a16:creationId xmlns:a16="http://schemas.microsoft.com/office/drawing/2014/main" id="{84893A2E-A228-49AF-9323-D8EAD61F8651}"/>
                   </a:ext>
                 </a:extLst>
               </p:cNvPr>
               <p:cNvCxnSpPr>
-                <a:stCxn id="84" idx="1"/>
+                <a:stCxn id="125" idx="1"/>
               </p:cNvCxnSpPr>
               <p:nvPr/>
             </p:nvCxnSpPr>
@@ -8805,17 +9069,17 @@
           </p:cxnSp>
           <p:cxnSp>
             <p:nvCxnSpPr>
-              <p:cNvPr id="102" name="直接箭头连接符 101">
+              <p:cNvPr id="143" name="直接箭头连接符 142">
                 <a:extLst>
                   <a:ext uri="{FF2B5EF4-FFF2-40B4-BE49-F238E27FC236}">
-                    <a16:creationId xmlns:a16="http://schemas.microsoft.com/office/drawing/2014/main" id="{1B766ED0-B85B-4321-BED2-3A988F423F7C}"/>
+                    <a16:creationId xmlns:a16="http://schemas.microsoft.com/office/drawing/2014/main" id="{E00AD692-5C46-4A11-BE8E-34685F94DD00}"/>
                   </a:ext>
                 </a:extLst>
               </p:cNvPr>
               <p:cNvCxnSpPr>
                 <a:cxnSpLocks/>
-                <a:stCxn id="84" idx="3"/>
-                <a:endCxn id="81" idx="1"/>
+                <a:stCxn id="125" idx="3"/>
+                <a:endCxn id="122" idx="1"/>
               </p:cNvCxnSpPr>
               <p:nvPr/>
             </p:nvCxnSpPr>
@@ -8852,10 +9116,10 @@
           </p:cxnSp>
           <p:sp>
             <p:nvSpPr>
-              <p:cNvPr id="103" name="矩形 102">
+              <p:cNvPr id="144" name="矩形 143">
                 <a:extLst>
                   <a:ext uri="{FF2B5EF4-FFF2-40B4-BE49-F238E27FC236}">
-                    <a16:creationId xmlns:a16="http://schemas.microsoft.com/office/drawing/2014/main" id="{AC6EBE14-552F-4022-A0A6-5B14AC6157D0}"/>
+                    <a16:creationId xmlns:a16="http://schemas.microsoft.com/office/drawing/2014/main" id="{F19EAAF8-F876-4745-B387-5F87E2F2FB39}"/>
                   </a:ext>
                 </a:extLst>
               </p:cNvPr>
@@ -8907,7 +9171,7 @@
                 <a:pPr algn="ctr"/>
                 <a:r>
                   <a:rPr lang="en-US" altLang="zh-CN" sz="900"/>
-                  <a:t>BxxPredict</a:t>
+                  <a:t>Bxx</a:t>
                 </a:r>
               </a:p>
               <a:p>
@@ -8921,7 +9185,7 @@
                 <a:pPr algn="ctr"/>
                 <a:r>
                   <a:rPr lang="en-US" altLang="zh-CN" sz="900"/>
-                  <a:t>(BPRU)</a:t>
+                  <a:t>(BRU)</a:t>
                 </a:r>
                 <a:endParaRPr lang="zh-CN" altLang="en-US" sz="900"/>
               </a:p>
@@ -8929,10 +9193,10 @@
           </p:sp>
           <p:sp>
             <p:nvSpPr>
-              <p:cNvPr id="104" name="文本框 103">
+              <p:cNvPr id="145" name="文本框 144">
                 <a:extLst>
                   <a:ext uri="{FF2B5EF4-FFF2-40B4-BE49-F238E27FC236}">
-                    <a16:creationId xmlns:a16="http://schemas.microsoft.com/office/drawing/2014/main" id="{A3B60D15-47FF-4D56-A4FD-4BDEEE1155E3}"/>
+                    <a16:creationId xmlns:a16="http://schemas.microsoft.com/office/drawing/2014/main" id="{E5C1ADB0-BB2B-4960-9BE2-7A4340B0AFAB}"/>
                   </a:ext>
                 </a:extLst>
               </p:cNvPr>
@@ -8965,17 +9229,17 @@
           </p:sp>
           <p:cxnSp>
             <p:nvCxnSpPr>
-              <p:cNvPr id="105" name="连接符: 肘形 104">
+              <p:cNvPr id="146" name="连接符: 肘形 145">
                 <a:extLst>
                   <a:ext uri="{FF2B5EF4-FFF2-40B4-BE49-F238E27FC236}">
-                    <a16:creationId xmlns:a16="http://schemas.microsoft.com/office/drawing/2014/main" id="{E9D8213B-CCE0-4757-A2F7-EB41A560DDED}"/>
+                    <a16:creationId xmlns:a16="http://schemas.microsoft.com/office/drawing/2014/main" id="{DB4D01B8-20A9-4A61-956F-22DE6CAF48D6}"/>
                   </a:ext>
                 </a:extLst>
               </p:cNvPr>
               <p:cNvCxnSpPr>
                 <a:cxnSpLocks/>
-                <a:stCxn id="75" idx="3"/>
-                <a:endCxn id="103" idx="2"/>
+                <a:stCxn id="64" idx="3"/>
+                <a:endCxn id="144" idx="2"/>
               </p:cNvCxnSpPr>
               <p:nvPr/>
             </p:nvCxnSpPr>
@@ -9011,16 +9275,16 @@
           </p:cxnSp>
           <p:cxnSp>
             <p:nvCxnSpPr>
-              <p:cNvPr id="106" name="连接符: 肘形 105">
+              <p:cNvPr id="147" name="连接符: 肘形 146">
                 <a:extLst>
                   <a:ext uri="{FF2B5EF4-FFF2-40B4-BE49-F238E27FC236}">
-                    <a16:creationId xmlns:a16="http://schemas.microsoft.com/office/drawing/2014/main" id="{7EA700EE-38D9-4C6B-813A-C1C0A8D6A41D}"/>
+                    <a16:creationId xmlns:a16="http://schemas.microsoft.com/office/drawing/2014/main" id="{BA95BB88-2EA5-4BF7-8766-CF586CF18567}"/>
                   </a:ext>
                 </a:extLst>
               </p:cNvPr>
               <p:cNvCxnSpPr>
                 <a:cxnSpLocks/>
-                <a:stCxn id="103" idx="0"/>
+                <a:stCxn id="144" idx="0"/>
               </p:cNvCxnSpPr>
               <p:nvPr/>
             </p:nvCxnSpPr>
@@ -9056,15 +9320,15 @@
           </p:cxnSp>
           <p:cxnSp>
             <p:nvCxnSpPr>
-              <p:cNvPr id="107" name="连接符: 肘形 106">
+              <p:cNvPr id="148" name="连接符: 肘形 147">
                 <a:extLst>
                   <a:ext uri="{FF2B5EF4-FFF2-40B4-BE49-F238E27FC236}">
-                    <a16:creationId xmlns:a16="http://schemas.microsoft.com/office/drawing/2014/main" id="{353E7C40-F7DD-4D5C-954F-3DFF16835484}"/>
+                    <a16:creationId xmlns:a16="http://schemas.microsoft.com/office/drawing/2014/main" id="{638F8EEF-1E96-450D-8A6E-7CFA96FC4E22}"/>
                   </a:ext>
                 </a:extLst>
               </p:cNvPr>
               <p:cNvCxnSpPr>
-                <a:endCxn id="77" idx="0"/>
+                <a:endCxn id="66" idx="0"/>
               </p:cNvCxnSpPr>
               <p:nvPr/>
             </p:nvCxnSpPr>
@@ -9100,10 +9364,10 @@
           </p:cxnSp>
           <p:sp>
             <p:nvSpPr>
-              <p:cNvPr id="108" name="文本框 107">
+              <p:cNvPr id="149" name="文本框 148">
                 <a:extLst>
                   <a:ext uri="{FF2B5EF4-FFF2-40B4-BE49-F238E27FC236}">
-                    <a16:creationId xmlns:a16="http://schemas.microsoft.com/office/drawing/2014/main" id="{714B4A73-14E3-45BB-BDE8-9AC34A44CD77}"/>
+                    <a16:creationId xmlns:a16="http://schemas.microsoft.com/office/drawing/2014/main" id="{3B3AB7D9-7FCE-49E6-A04A-B22F57D88F1F}"/>
                   </a:ext>
                 </a:extLst>
               </p:cNvPr>
@@ -9113,7 +9377,7 @@
             <p:spPr>
               <a:xfrm>
                 <a:off x="5790594" y="1271856"/>
-                <a:ext cx="899630" cy="481324"/>
+                <a:ext cx="899630" cy="300827"/>
               </a:xfrm>
               <a:prstGeom prst="rect">
                 <a:avLst/>
@@ -9128,13 +9392,7 @@
               <a:p>
                 <a:r>
                   <a:rPr lang="en-US" altLang="zh-CN" sz="900"/>
-                  <a:t>Predict</a:t>
-                </a:r>
-              </a:p>
-              <a:p>
-                <a:r>
-                  <a:rPr lang="en-US" altLang="zh-CN" sz="900"/>
-                  <a:t>Failed</a:t>
+                  <a:t>go_branch</a:t>
                 </a:r>
                 <a:endParaRPr lang="zh-CN" altLang="en-US" sz="900"/>
               </a:p>
@@ -9142,10 +9400,10 @@
           </p:sp>
           <p:sp>
             <p:nvSpPr>
-              <p:cNvPr id="109" name="梯形 108">
+              <p:cNvPr id="150" name="梯形 149">
                 <a:extLst>
                   <a:ext uri="{FF2B5EF4-FFF2-40B4-BE49-F238E27FC236}">
-                    <a16:creationId xmlns:a16="http://schemas.microsoft.com/office/drawing/2014/main" id="{9DBBDD0A-A86E-4F3D-A22D-C8127BD311DC}"/>
+                    <a16:creationId xmlns:a16="http://schemas.microsoft.com/office/drawing/2014/main" id="{5FCF7056-4B27-4BB9-9FA3-F6E8ECAA58EA}"/>
                   </a:ext>
                 </a:extLst>
               </p:cNvPr>
@@ -9203,16 +9461,16 @@
           </p:sp>
           <p:cxnSp>
             <p:nvCxnSpPr>
-              <p:cNvPr id="110" name="连接符: 肘形 109">
+              <p:cNvPr id="151" name="连接符: 肘形 150">
                 <a:extLst>
                   <a:ext uri="{FF2B5EF4-FFF2-40B4-BE49-F238E27FC236}">
-                    <a16:creationId xmlns:a16="http://schemas.microsoft.com/office/drawing/2014/main" id="{890B5829-AC43-466C-B45E-0304985BB714}"/>
+                    <a16:creationId xmlns:a16="http://schemas.microsoft.com/office/drawing/2014/main" id="{838F41AB-8401-41E8-873A-CAD5271FEBD1}"/>
                   </a:ext>
                 </a:extLst>
               </p:cNvPr>
               <p:cNvCxnSpPr>
-                <a:stCxn id="109" idx="0"/>
-                <a:endCxn id="74" idx="1"/>
+                <a:stCxn id="150" idx="0"/>
+                <a:endCxn id="63" idx="1"/>
               </p:cNvCxnSpPr>
               <p:nvPr/>
             </p:nvCxnSpPr>
@@ -9248,10 +9506,10 @@
           </p:cxnSp>
           <p:sp>
             <p:nvSpPr>
-              <p:cNvPr id="111" name="文本框 110">
+              <p:cNvPr id="152" name="文本框 151">
                 <a:extLst>
                   <a:ext uri="{FF2B5EF4-FFF2-40B4-BE49-F238E27FC236}">
-                    <a16:creationId xmlns:a16="http://schemas.microsoft.com/office/drawing/2014/main" id="{20B43884-9EE1-43E5-94A0-32F66F130E4F}"/>
+                    <a16:creationId xmlns:a16="http://schemas.microsoft.com/office/drawing/2014/main" id="{BB101D7F-4D5F-43CE-BB8D-BD43359BBD42}"/>
                   </a:ext>
                 </a:extLst>
               </p:cNvPr>
@@ -9284,16 +9542,16 @@
           </p:sp>
           <p:cxnSp>
             <p:nvCxnSpPr>
-              <p:cNvPr id="112" name="直接箭头连接符 111">
+              <p:cNvPr id="153" name="直接箭头连接符 152">
                 <a:extLst>
                   <a:ext uri="{FF2B5EF4-FFF2-40B4-BE49-F238E27FC236}">
-                    <a16:creationId xmlns:a16="http://schemas.microsoft.com/office/drawing/2014/main" id="{593C57FA-D323-426D-AC8D-92BF234C87C9}"/>
+                    <a16:creationId xmlns:a16="http://schemas.microsoft.com/office/drawing/2014/main" id="{A52F8BE3-C819-4DA2-A332-5EA7A647324B}"/>
                   </a:ext>
                 </a:extLst>
               </p:cNvPr>
               <p:cNvCxnSpPr>
                 <a:cxnSpLocks/>
-                <a:endCxn id="79" idx="3"/>
+                <a:endCxn id="68" idx="3"/>
               </p:cNvCxnSpPr>
               <p:nvPr/>
             </p:nvCxnSpPr>
@@ -9329,10 +9587,10 @@
           </p:cxnSp>
           <p:sp>
             <p:nvSpPr>
-              <p:cNvPr id="113" name="矩形 112">
+              <p:cNvPr id="154" name="矩形 153">
                 <a:extLst>
                   <a:ext uri="{FF2B5EF4-FFF2-40B4-BE49-F238E27FC236}">
-                    <a16:creationId xmlns:a16="http://schemas.microsoft.com/office/drawing/2014/main" id="{EA66123D-AC95-474E-90FD-42EC3F757ECF}"/>
+                    <a16:creationId xmlns:a16="http://schemas.microsoft.com/office/drawing/2014/main" id="{5AE3FAEB-0035-4D9A-884D-4B094DDA712B}"/>
                   </a:ext>
                 </a:extLst>
               </p:cNvPr>
@@ -9392,10 +9650,10 @@
           </p:sp>
           <p:sp>
             <p:nvSpPr>
-              <p:cNvPr id="114" name="矩形 113">
+              <p:cNvPr id="155" name="矩形 154">
                 <a:extLst>
                   <a:ext uri="{FF2B5EF4-FFF2-40B4-BE49-F238E27FC236}">
-                    <a16:creationId xmlns:a16="http://schemas.microsoft.com/office/drawing/2014/main" id="{45D3B372-2E62-421A-AE96-0E6D85229F2F}"/>
+                    <a16:creationId xmlns:a16="http://schemas.microsoft.com/office/drawing/2014/main" id="{CA99A62F-73F7-46F4-A7A3-E3654CB8C70B}"/>
                   </a:ext>
                 </a:extLst>
               </p:cNvPr>
@@ -9442,16 +9700,16 @@
           </p:sp>
           <p:cxnSp>
             <p:nvCxnSpPr>
-              <p:cNvPr id="115" name="连接符: 肘形 114">
+              <p:cNvPr id="156" name="连接符: 肘形 155">
                 <a:extLst>
                   <a:ext uri="{FF2B5EF4-FFF2-40B4-BE49-F238E27FC236}">
-                    <a16:creationId xmlns:a16="http://schemas.microsoft.com/office/drawing/2014/main" id="{E6DB5242-472A-4C5D-89D2-DF8275DC3BC9}"/>
+                    <a16:creationId xmlns:a16="http://schemas.microsoft.com/office/drawing/2014/main" id="{9A3033AC-411D-4743-8528-67BA2C8B456D}"/>
                   </a:ext>
                 </a:extLst>
               </p:cNvPr>
               <p:cNvCxnSpPr>
                 <a:cxnSpLocks/>
-                <a:stCxn id="76" idx="2"/>
+                <a:stCxn id="65" idx="2"/>
               </p:cNvCxnSpPr>
               <p:nvPr/>
             </p:nvCxnSpPr>
@@ -9489,16 +9747,16 @@
           </p:cxnSp>
           <p:cxnSp>
             <p:nvCxnSpPr>
-              <p:cNvPr id="116" name="连接符: 肘形 115">
+              <p:cNvPr id="157" name="连接符: 肘形 156">
                 <a:extLst>
                   <a:ext uri="{FF2B5EF4-FFF2-40B4-BE49-F238E27FC236}">
-                    <a16:creationId xmlns:a16="http://schemas.microsoft.com/office/drawing/2014/main" id="{6968CC66-C304-45FE-AE2C-AF99C3283F03}"/>
+                    <a16:creationId xmlns:a16="http://schemas.microsoft.com/office/drawing/2014/main" id="{87A4259F-2AB4-431A-A2BB-C697647B0948}"/>
                   </a:ext>
                 </a:extLst>
               </p:cNvPr>
               <p:cNvCxnSpPr>
                 <a:cxnSpLocks/>
-                <a:stCxn id="114" idx="2"/>
+                <a:stCxn id="155" idx="2"/>
               </p:cNvCxnSpPr>
               <p:nvPr/>
             </p:nvCxnSpPr>
@@ -9534,17 +9792,17 @@
           </p:cxnSp>
           <p:cxnSp>
             <p:nvCxnSpPr>
-              <p:cNvPr id="117" name="连接符: 肘形 116">
+              <p:cNvPr id="158" name="连接符: 肘形 157">
                 <a:extLst>
                   <a:ext uri="{FF2B5EF4-FFF2-40B4-BE49-F238E27FC236}">
-                    <a16:creationId xmlns:a16="http://schemas.microsoft.com/office/drawing/2014/main" id="{17241231-C978-44E8-B172-08BE668E9FEF}"/>
+                    <a16:creationId xmlns:a16="http://schemas.microsoft.com/office/drawing/2014/main" id="{8B135ED4-341D-48BD-9914-CD34D7EF1FD1}"/>
                   </a:ext>
                 </a:extLst>
               </p:cNvPr>
               <p:cNvCxnSpPr>
                 <a:cxnSpLocks/>
-                <a:stCxn id="80" idx="2"/>
-                <a:endCxn id="114" idx="1"/>
+                <a:stCxn id="121" idx="2"/>
+                <a:endCxn id="155" idx="1"/>
               </p:cNvCxnSpPr>
               <p:nvPr/>
             </p:nvCxnSpPr>
@@ -9583,16 +9841,16 @@
           </p:cxnSp>
           <p:cxnSp>
             <p:nvCxnSpPr>
-              <p:cNvPr id="118" name="直接箭头连接符 117">
+              <p:cNvPr id="159" name="直接箭头连接符 158">
                 <a:extLst>
                   <a:ext uri="{FF2B5EF4-FFF2-40B4-BE49-F238E27FC236}">
-                    <a16:creationId xmlns:a16="http://schemas.microsoft.com/office/drawing/2014/main" id="{FB3EE3D6-BF1E-4978-9C84-4956A367CDE0}"/>
+                    <a16:creationId xmlns:a16="http://schemas.microsoft.com/office/drawing/2014/main" id="{B703E6BE-8AE9-4D1B-9F4E-2491502A4CBA}"/>
                   </a:ext>
                 </a:extLst>
               </p:cNvPr>
               <p:cNvCxnSpPr>
                 <a:cxnSpLocks/>
-                <a:endCxn id="109" idx="2"/>
+                <a:endCxn id="150" idx="2"/>
               </p:cNvCxnSpPr>
               <p:nvPr/>
             </p:nvCxnSpPr>
@@ -9628,10 +9886,10 @@
           </p:cxnSp>
           <p:cxnSp>
             <p:nvCxnSpPr>
-              <p:cNvPr id="119" name="直接连接符 118">
+              <p:cNvPr id="160" name="直接连接符 159">
                 <a:extLst>
                   <a:ext uri="{FF2B5EF4-FFF2-40B4-BE49-F238E27FC236}">
-                    <a16:creationId xmlns:a16="http://schemas.microsoft.com/office/drawing/2014/main" id="{FACB3CFB-3BCE-40E9-8CFB-209746DD0428}"/>
+                    <a16:creationId xmlns:a16="http://schemas.microsoft.com/office/drawing/2014/main" id="{8F443F5B-C4E7-4614-A507-C6D6C3460627}"/>
                   </a:ext>
                 </a:extLst>
               </p:cNvPr>
@@ -9669,10 +9927,10 @@
           </p:cxnSp>
           <p:cxnSp>
             <p:nvCxnSpPr>
-              <p:cNvPr id="120" name="直接连接符 119">
+              <p:cNvPr id="161" name="直接连接符 160">
                 <a:extLst>
                   <a:ext uri="{FF2B5EF4-FFF2-40B4-BE49-F238E27FC236}">
-                    <a16:creationId xmlns:a16="http://schemas.microsoft.com/office/drawing/2014/main" id="{6E477ADE-0104-4A52-95A9-1AE996A48D87}"/>
+                    <a16:creationId xmlns:a16="http://schemas.microsoft.com/office/drawing/2014/main" id="{5B5AE035-56AC-4197-ADB9-3B02E8455A2E}"/>
                   </a:ext>
                 </a:extLst>
               </p:cNvPr>
@@ -9711,16 +9969,16 @@
         </p:grpSp>
         <p:cxnSp>
           <p:nvCxnSpPr>
-            <p:cNvPr id="71" name="直接箭头连接符 70">
+            <p:cNvPr id="59" name="直接箭头连接符 58">
               <a:extLst>
                 <a:ext uri="{FF2B5EF4-FFF2-40B4-BE49-F238E27FC236}">
-                  <a16:creationId xmlns:a16="http://schemas.microsoft.com/office/drawing/2014/main" id="{4253F933-C8DA-4208-ADD1-3CD48BB8B755}"/>
+                  <a16:creationId xmlns:a16="http://schemas.microsoft.com/office/drawing/2014/main" id="{097D227E-090E-4751-882F-3E80034933A8}"/>
                 </a:ext>
               </a:extLst>
             </p:cNvPr>
             <p:cNvCxnSpPr>
-              <a:stCxn id="113" idx="2"/>
-              <a:endCxn id="76" idx="0"/>
+              <a:stCxn id="154" idx="2"/>
+              <a:endCxn id="65" idx="0"/>
             </p:cNvCxnSpPr>
             <p:nvPr/>
           </p:nvCxnSpPr>
@@ -9756,17 +10014,17 @@
         </p:cxnSp>
         <p:cxnSp>
           <p:nvCxnSpPr>
-            <p:cNvPr id="72" name="直接箭头连接符 71">
+            <p:cNvPr id="60" name="直接箭头连接符 59">
               <a:extLst>
                 <a:ext uri="{FF2B5EF4-FFF2-40B4-BE49-F238E27FC236}">
-                  <a16:creationId xmlns:a16="http://schemas.microsoft.com/office/drawing/2014/main" id="{3520AC35-D98D-445D-A8E9-767C6A42180B}"/>
+                  <a16:creationId xmlns:a16="http://schemas.microsoft.com/office/drawing/2014/main" id="{5ECB9798-860A-492D-9A23-29475780ECC9}"/>
                 </a:ext>
               </a:extLst>
             </p:cNvPr>
             <p:cNvCxnSpPr>
               <a:cxnSpLocks/>
-              <a:stCxn id="113" idx="2"/>
-              <a:endCxn id="114" idx="0"/>
+              <a:stCxn id="154" idx="2"/>
+              <a:endCxn id="155" idx="0"/>
             </p:cNvCxnSpPr>
             <p:nvPr/>
           </p:nvCxnSpPr>
@@ -9801,49 +10059,6 @@
           </p:style>
         </p:cxnSp>
       </p:grpSp>
-      <p:sp>
-        <p:nvSpPr>
-          <p:cNvPr id="61" name="矩形 60">
-            <a:extLst>
-              <a:ext uri="{FF2B5EF4-FFF2-40B4-BE49-F238E27FC236}">
-                <a16:creationId xmlns:a16="http://schemas.microsoft.com/office/drawing/2014/main" id="{7DF5A020-3A50-41F4-BC2A-A51E4B0793EE}"/>
-              </a:ext>
-            </a:extLst>
-          </p:cNvPr>
-          <p:cNvSpPr/>
-          <p:nvPr/>
-        </p:nvSpPr>
-        <p:spPr>
-          <a:xfrm>
-            <a:off x="881489" y="2091258"/>
-            <a:ext cx="2956259" cy="369332"/>
-          </a:xfrm>
-          <a:prstGeom prst="rect">
-            <a:avLst/>
-          </a:prstGeom>
-        </p:spPr>
-        <p:txBody>
-          <a:bodyPr wrap="none">
-            <a:spAutoFit/>
-          </a:bodyPr>
-          <a:lstStyle/>
-          <a:p>
-            <a:pPr algn="ctr"/>
-            <a:r>
-              <a:rPr lang="zh-CN" altLang="en-US"/>
-              <a:t>命名学习蜂鸟</a:t>
-            </a:r>
-            <a:r>
-              <a:rPr lang="en-US" altLang="zh-CN"/>
-              <a:t>E200</a:t>
-            </a:r>
-            <a:r>
-              <a:rPr lang="zh-CN" altLang="en-US"/>
-              <a:t>处理器核</a:t>
-            </a:r>
-          </a:p>
-        </p:txBody>
-      </p:sp>
     </p:spTree>
     <p:extLst>
       <p:ext uri="{BB962C8B-B14F-4D97-AF65-F5344CB8AC3E}">
@@ -9857,7 +10072,7 @@
 </p:sld>
 </file>
 
-<file path=ppt/slides/slide12.xml><?xml version="1.0" encoding="utf-8"?>
+<file path=ppt/slides/slide13.xml><?xml version="1.0" encoding="utf-8"?>
 <p:sld xmlns:a="http://schemas.openxmlformats.org/drawingml/2006/main" xmlns:r="http://schemas.openxmlformats.org/officeDocument/2006/relationships" xmlns:p="http://schemas.openxmlformats.org/presentationml/2006/main">
   <p:cSld>
     <p:spTree>
@@ -10967,6 +11182,3501 @@
         </p:txBody>
       </p:sp>
     </p:spTree>
+  </p:cSld>
+  <p:clrMapOvr>
+    <a:masterClrMapping/>
+  </p:clrMapOvr>
+</p:sld>
+</file>
+
+<file path=ppt/slides/slide14.xml><?xml version="1.0" encoding="utf-8"?>
+<p:sld xmlns:a="http://schemas.openxmlformats.org/drawingml/2006/main" xmlns:r="http://schemas.openxmlformats.org/officeDocument/2006/relationships" xmlns:p="http://schemas.openxmlformats.org/presentationml/2006/main">
+  <p:cSld>
+    <p:spTree>
+      <p:nvGrpSpPr>
+        <p:cNvPr id="1" name=""/>
+        <p:cNvGrpSpPr/>
+        <p:nvPr/>
+      </p:nvGrpSpPr>
+      <p:grpSpPr>
+        <a:xfrm>
+          <a:off x="0" y="0"/>
+          <a:ext cx="0" cy="0"/>
+          <a:chOff x="0" y="0"/>
+          <a:chExt cx="0" cy="0"/>
+        </a:xfrm>
+      </p:grpSpPr>
+      <p:sp>
+        <p:nvSpPr>
+          <p:cNvPr id="1048597" name="标题 1"/>
+          <p:cNvSpPr>
+            <a:spLocks noGrp="1"/>
+          </p:cNvSpPr>
+          <p:nvPr>
+            <p:ph type="title"/>
+          </p:nvPr>
+        </p:nvSpPr>
+        <p:spPr/>
+        <p:txBody>
+          <a:bodyPr>
+            <a:normAutofit/>
+          </a:bodyPr>
+          <a:lstStyle/>
+          <a:p>
+            <a:r>
+              <a:rPr lang="en-US" altLang="zh-CN" sz="4400"/>
+              <a:t>CSR——Machine Mode(highest level:11) CSR</a:t>
+            </a:r>
+            <a:endParaRPr lang="zh-CN" altLang="en-US" sz="4400" dirty="0"/>
+          </a:p>
+        </p:txBody>
+      </p:sp>
+      <p:grpSp>
+        <p:nvGrpSpPr>
+          <p:cNvPr id="2" name="组合 1">
+            <a:extLst>
+              <a:ext uri="{FF2B5EF4-FFF2-40B4-BE49-F238E27FC236}">
+                <a16:creationId xmlns:a16="http://schemas.microsoft.com/office/drawing/2014/main" id="{5F9B6CBD-F408-4F23-AC9F-10840104537E}"/>
+              </a:ext>
+            </a:extLst>
+          </p:cNvPr>
+          <p:cNvGrpSpPr/>
+          <p:nvPr/>
+        </p:nvGrpSpPr>
+        <p:grpSpPr>
+          <a:xfrm>
+            <a:off x="1097280" y="1811787"/>
+            <a:ext cx="5109880" cy="3912757"/>
+            <a:chOff x="1097280" y="1956165"/>
+            <a:chExt cx="5109880" cy="3912757"/>
+          </a:xfrm>
+        </p:grpSpPr>
+        <p:pic>
+          <p:nvPicPr>
+            <p:cNvPr id="4" name="图片 3">
+              <a:extLst>
+                <a:ext uri="{FF2B5EF4-FFF2-40B4-BE49-F238E27FC236}">
+                  <a16:creationId xmlns:a16="http://schemas.microsoft.com/office/drawing/2014/main" id="{5B039D33-15D6-44FF-997A-FDB248316E9D}"/>
+                </a:ext>
+              </a:extLst>
+            </p:cNvPr>
+            <p:cNvPicPr>
+              <a:picLocks noChangeAspect="1"/>
+            </p:cNvPicPr>
+            <p:nvPr/>
+          </p:nvPicPr>
+          <p:blipFill>
+            <a:blip r:embed="rId2"/>
+            <a:stretch>
+              <a:fillRect/>
+            </a:stretch>
+          </p:blipFill>
+          <p:spPr>
+            <a:xfrm>
+              <a:off x="1097280" y="1956165"/>
+              <a:ext cx="4084320" cy="3912757"/>
+            </a:xfrm>
+            <a:prstGeom prst="rect">
+              <a:avLst/>
+            </a:prstGeom>
+          </p:spPr>
+        </p:pic>
+        <p:sp>
+          <p:nvSpPr>
+            <p:cNvPr id="62" name="矩形 61">
+              <a:extLst>
+                <a:ext uri="{FF2B5EF4-FFF2-40B4-BE49-F238E27FC236}">
+                  <a16:creationId xmlns:a16="http://schemas.microsoft.com/office/drawing/2014/main" id="{C6F55CC1-F7D1-49F3-ADD5-2C95282294AF}"/>
+                </a:ext>
+              </a:extLst>
+            </p:cNvPr>
+            <p:cNvSpPr/>
+            <p:nvPr/>
+          </p:nvSpPr>
+          <p:spPr>
+            <a:xfrm>
+              <a:off x="1256289" y="2192913"/>
+              <a:ext cx="3764890" cy="582372"/>
+            </a:xfrm>
+            <a:prstGeom prst="rect">
+              <a:avLst/>
+            </a:prstGeom>
+            <a:noFill/>
+            <a:ln w="38100">
+              <a:solidFill>
+                <a:srgbClr val="FF0000"/>
+              </a:solidFill>
+            </a:ln>
+          </p:spPr>
+          <p:style>
+            <a:lnRef idx="2">
+              <a:schemeClr val="accent1">
+                <a:shade val="50000"/>
+              </a:schemeClr>
+            </a:lnRef>
+            <a:fillRef idx="1">
+              <a:schemeClr val="accent1"/>
+            </a:fillRef>
+            <a:effectRef idx="0">
+              <a:schemeClr val="accent1"/>
+            </a:effectRef>
+            <a:fontRef idx="minor">
+              <a:schemeClr val="lt1"/>
+            </a:fontRef>
+          </p:style>
+          <p:txBody>
+            <a:bodyPr rtlCol="0" anchor="ctr"/>
+            <a:lstStyle/>
+            <a:p>
+              <a:pPr algn="ctr"/>
+              <a:endParaRPr lang="zh-CN" altLang="en-US"/>
+            </a:p>
+          </p:txBody>
+        </p:sp>
+        <p:sp>
+          <p:nvSpPr>
+            <p:cNvPr id="63" name="文本框 62">
+              <a:extLst>
+                <a:ext uri="{FF2B5EF4-FFF2-40B4-BE49-F238E27FC236}">
+                  <a16:creationId xmlns:a16="http://schemas.microsoft.com/office/drawing/2014/main" id="{425B9609-38B5-443B-A2DA-4135C84B43E3}"/>
+                </a:ext>
+              </a:extLst>
+            </p:cNvPr>
+            <p:cNvSpPr txBox="1"/>
+            <p:nvPr/>
+          </p:nvSpPr>
+          <p:spPr>
+            <a:xfrm>
+              <a:off x="5027029" y="2376377"/>
+              <a:ext cx="898003" cy="261610"/>
+            </a:xfrm>
+            <a:prstGeom prst="rect">
+              <a:avLst/>
+            </a:prstGeom>
+            <a:noFill/>
+          </p:spPr>
+          <p:txBody>
+            <a:bodyPr wrap="none" rtlCol="0">
+              <a:spAutoFit/>
+            </a:bodyPr>
+            <a:lstStyle/>
+            <a:p>
+              <a:r>
+                <a:rPr lang="en-US" altLang="zh-CN" sz="1100" b="1">
+                  <a:solidFill>
+                    <a:srgbClr val="FF0000"/>
+                  </a:solidFill>
+                  <a:latin typeface="Arial" panose="020B0604020202020204" pitchFamily="34" charset="0"/>
+                  <a:cs typeface="Arial" panose="020B0604020202020204" pitchFamily="34" charset="0"/>
+                </a:rPr>
+                <a:t>MInfo CSR</a:t>
+              </a:r>
+              <a:endParaRPr lang="zh-CN" altLang="en-US" sz="1100" b="1">
+                <a:solidFill>
+                  <a:srgbClr val="FF0000"/>
+                </a:solidFill>
+                <a:latin typeface="Arial" panose="020B0604020202020204" pitchFamily="34" charset="0"/>
+                <a:cs typeface="Arial" panose="020B0604020202020204" pitchFamily="34" charset="0"/>
+              </a:endParaRPr>
+            </a:p>
+          </p:txBody>
+        </p:sp>
+        <p:sp>
+          <p:nvSpPr>
+            <p:cNvPr id="64" name="矩形 63">
+              <a:extLst>
+                <a:ext uri="{FF2B5EF4-FFF2-40B4-BE49-F238E27FC236}">
+                  <a16:creationId xmlns:a16="http://schemas.microsoft.com/office/drawing/2014/main" id="{617E8BD1-6FF9-41AD-8BAD-73005631F1D4}"/>
+                </a:ext>
+              </a:extLst>
+            </p:cNvPr>
+            <p:cNvSpPr/>
+            <p:nvPr/>
+          </p:nvSpPr>
+          <p:spPr>
+            <a:xfrm>
+              <a:off x="1256289" y="2778450"/>
+              <a:ext cx="3764890" cy="1609066"/>
+            </a:xfrm>
+            <a:prstGeom prst="rect">
+              <a:avLst/>
+            </a:prstGeom>
+            <a:noFill/>
+            <a:ln w="38100">
+              <a:solidFill>
+                <a:srgbClr val="FF0000"/>
+              </a:solidFill>
+            </a:ln>
+          </p:spPr>
+          <p:style>
+            <a:lnRef idx="2">
+              <a:schemeClr val="accent1">
+                <a:shade val="50000"/>
+              </a:schemeClr>
+            </a:lnRef>
+            <a:fillRef idx="1">
+              <a:schemeClr val="accent1"/>
+            </a:fillRef>
+            <a:effectRef idx="0">
+              <a:schemeClr val="accent1"/>
+            </a:effectRef>
+            <a:fontRef idx="minor">
+              <a:schemeClr val="lt1"/>
+            </a:fontRef>
+          </p:style>
+          <p:txBody>
+            <a:bodyPr rtlCol="0" anchor="ctr"/>
+            <a:lstStyle/>
+            <a:p>
+              <a:pPr algn="ctr"/>
+              <a:endParaRPr lang="zh-CN" altLang="en-US"/>
+            </a:p>
+          </p:txBody>
+        </p:sp>
+        <p:sp>
+          <p:nvSpPr>
+            <p:cNvPr id="65" name="文本框 64">
+              <a:extLst>
+                <a:ext uri="{FF2B5EF4-FFF2-40B4-BE49-F238E27FC236}">
+                  <a16:creationId xmlns:a16="http://schemas.microsoft.com/office/drawing/2014/main" id="{C9FC45FF-D5FC-44CE-BBCD-36658FCB66DC}"/>
+                </a:ext>
+              </a:extLst>
+            </p:cNvPr>
+            <p:cNvSpPr txBox="1"/>
+            <p:nvPr/>
+          </p:nvSpPr>
+          <p:spPr>
+            <a:xfrm>
+              <a:off x="5027029" y="3582983"/>
+              <a:ext cx="946093" cy="261610"/>
+            </a:xfrm>
+            <a:prstGeom prst="rect">
+              <a:avLst/>
+            </a:prstGeom>
+            <a:noFill/>
+          </p:spPr>
+          <p:txBody>
+            <a:bodyPr wrap="none" rtlCol="0">
+              <a:spAutoFit/>
+            </a:bodyPr>
+            <a:lstStyle/>
+            <a:p>
+              <a:r>
+                <a:rPr lang="en-US" altLang="zh-CN" sz="1100" b="1">
+                  <a:solidFill>
+                    <a:srgbClr val="FF0000"/>
+                  </a:solidFill>
+                  <a:latin typeface="Arial" panose="020B0604020202020204" pitchFamily="34" charset="0"/>
+                  <a:cs typeface="Arial" panose="020B0604020202020204" pitchFamily="34" charset="0"/>
+                </a:rPr>
+                <a:t>MTrap CSR</a:t>
+              </a:r>
+              <a:endParaRPr lang="zh-CN" altLang="en-US" sz="1100" b="1">
+                <a:solidFill>
+                  <a:srgbClr val="FF0000"/>
+                </a:solidFill>
+                <a:latin typeface="Arial" panose="020B0604020202020204" pitchFamily="34" charset="0"/>
+                <a:cs typeface="Arial" panose="020B0604020202020204" pitchFamily="34" charset="0"/>
+              </a:endParaRPr>
+            </a:p>
+          </p:txBody>
+        </p:sp>
+        <p:sp>
+          <p:nvSpPr>
+            <p:cNvPr id="66" name="矩形 65">
+              <a:extLst>
+                <a:ext uri="{FF2B5EF4-FFF2-40B4-BE49-F238E27FC236}">
+                  <a16:creationId xmlns:a16="http://schemas.microsoft.com/office/drawing/2014/main" id="{38B884E6-C6DF-414B-B3C0-F0512A15E65E}"/>
+                </a:ext>
+              </a:extLst>
+            </p:cNvPr>
+            <p:cNvSpPr/>
+            <p:nvPr/>
+          </p:nvSpPr>
+          <p:spPr>
+            <a:xfrm>
+              <a:off x="1256289" y="4387515"/>
+              <a:ext cx="3764890" cy="1090863"/>
+            </a:xfrm>
+            <a:prstGeom prst="rect">
+              <a:avLst/>
+            </a:prstGeom>
+            <a:noFill/>
+            <a:ln w="38100">
+              <a:solidFill>
+                <a:srgbClr val="FF0000"/>
+              </a:solidFill>
+            </a:ln>
+          </p:spPr>
+          <p:style>
+            <a:lnRef idx="2">
+              <a:schemeClr val="accent1">
+                <a:shade val="50000"/>
+              </a:schemeClr>
+            </a:lnRef>
+            <a:fillRef idx="1">
+              <a:schemeClr val="accent1"/>
+            </a:fillRef>
+            <a:effectRef idx="0">
+              <a:schemeClr val="accent1"/>
+            </a:effectRef>
+            <a:fontRef idx="minor">
+              <a:schemeClr val="lt1"/>
+            </a:fontRef>
+          </p:style>
+          <p:txBody>
+            <a:bodyPr rtlCol="0" anchor="ctr"/>
+            <a:lstStyle/>
+            <a:p>
+              <a:pPr algn="ctr"/>
+              <a:endParaRPr lang="zh-CN" altLang="en-US"/>
+            </a:p>
+          </p:txBody>
+        </p:sp>
+        <p:sp>
+          <p:nvSpPr>
+            <p:cNvPr id="67" name="文本框 66">
+              <a:extLst>
+                <a:ext uri="{FF2B5EF4-FFF2-40B4-BE49-F238E27FC236}">
+                  <a16:creationId xmlns:a16="http://schemas.microsoft.com/office/drawing/2014/main" id="{07A81B09-1CC3-4AE0-BA79-8642A7B87A07}"/>
+                </a:ext>
+              </a:extLst>
+            </p:cNvPr>
+            <p:cNvSpPr txBox="1"/>
+            <p:nvPr/>
+          </p:nvSpPr>
+          <p:spPr>
+            <a:xfrm>
+              <a:off x="5027029" y="4885706"/>
+              <a:ext cx="1180131" cy="261610"/>
+            </a:xfrm>
+            <a:prstGeom prst="rect">
+              <a:avLst/>
+            </a:prstGeom>
+            <a:noFill/>
+          </p:spPr>
+          <p:txBody>
+            <a:bodyPr wrap="none" rtlCol="0">
+              <a:spAutoFit/>
+            </a:bodyPr>
+            <a:lstStyle/>
+            <a:p>
+              <a:r>
+                <a:rPr lang="en-US" altLang="zh-CN" sz="1100" b="1">
+                  <a:solidFill>
+                    <a:srgbClr val="FF0000"/>
+                  </a:solidFill>
+                  <a:latin typeface="Arial" panose="020B0604020202020204" pitchFamily="34" charset="0"/>
+                  <a:cs typeface="Arial" panose="020B0604020202020204" pitchFamily="34" charset="0"/>
+                </a:rPr>
+                <a:t>MMemory CSR</a:t>
+              </a:r>
+              <a:endParaRPr lang="zh-CN" altLang="en-US" sz="1100" b="1">
+                <a:solidFill>
+                  <a:srgbClr val="FF0000"/>
+                </a:solidFill>
+                <a:latin typeface="Arial" panose="020B0604020202020204" pitchFamily="34" charset="0"/>
+                <a:cs typeface="Arial" panose="020B0604020202020204" pitchFamily="34" charset="0"/>
+              </a:endParaRPr>
+            </a:p>
+          </p:txBody>
+        </p:sp>
+      </p:grpSp>
+      <p:grpSp>
+        <p:nvGrpSpPr>
+          <p:cNvPr id="15" name="组合 14">
+            <a:extLst>
+              <a:ext uri="{FF2B5EF4-FFF2-40B4-BE49-F238E27FC236}">
+                <a16:creationId xmlns:a16="http://schemas.microsoft.com/office/drawing/2014/main" id="{A65AEE47-6FA1-4B45-9E94-EECBE773EE3F}"/>
+              </a:ext>
+            </a:extLst>
+          </p:cNvPr>
+          <p:cNvGrpSpPr/>
+          <p:nvPr/>
+        </p:nvGrpSpPr>
+        <p:grpSpPr>
+          <a:xfrm>
+            <a:off x="6649453" y="1811787"/>
+            <a:ext cx="5168197" cy="4109712"/>
+            <a:chOff x="6649453" y="1956165"/>
+            <a:chExt cx="5168197" cy="4109712"/>
+          </a:xfrm>
+        </p:grpSpPr>
+        <p:pic>
+          <p:nvPicPr>
+            <p:cNvPr id="5" name="图片 4">
+              <a:extLst>
+                <a:ext uri="{FF2B5EF4-FFF2-40B4-BE49-F238E27FC236}">
+                  <a16:creationId xmlns:a16="http://schemas.microsoft.com/office/drawing/2014/main" id="{B16E0760-6AAD-438F-B41D-342A3DDF5E5A}"/>
+                </a:ext>
+              </a:extLst>
+            </p:cNvPr>
+            <p:cNvPicPr>
+              <a:picLocks noChangeAspect="1"/>
+            </p:cNvPicPr>
+            <p:nvPr/>
+          </p:nvPicPr>
+          <p:blipFill>
+            <a:blip r:embed="rId3"/>
+            <a:stretch>
+              <a:fillRect/>
+            </a:stretch>
+          </p:blipFill>
+          <p:spPr>
+            <a:xfrm>
+              <a:off x="6649453" y="1956165"/>
+              <a:ext cx="4251614" cy="4109712"/>
+            </a:xfrm>
+            <a:prstGeom prst="rect">
+              <a:avLst/>
+            </a:prstGeom>
+          </p:spPr>
+        </p:pic>
+        <p:sp>
+          <p:nvSpPr>
+            <p:cNvPr id="68" name="矩形 67">
+              <a:extLst>
+                <a:ext uri="{FF2B5EF4-FFF2-40B4-BE49-F238E27FC236}">
+                  <a16:creationId xmlns:a16="http://schemas.microsoft.com/office/drawing/2014/main" id="{76A9B2B0-1E18-4699-9A83-E17583E84279}"/>
+                </a:ext>
+              </a:extLst>
+            </p:cNvPr>
+            <p:cNvSpPr/>
+            <p:nvPr/>
+          </p:nvSpPr>
+          <p:spPr>
+            <a:xfrm>
+              <a:off x="6959257" y="2192913"/>
+              <a:ext cx="3668638" cy="2282834"/>
+            </a:xfrm>
+            <a:prstGeom prst="rect">
+              <a:avLst/>
+            </a:prstGeom>
+            <a:noFill/>
+            <a:ln w="38100">
+              <a:solidFill>
+                <a:srgbClr val="FF0000"/>
+              </a:solidFill>
+            </a:ln>
+          </p:spPr>
+          <p:style>
+            <a:lnRef idx="2">
+              <a:schemeClr val="accent1">
+                <a:shade val="50000"/>
+              </a:schemeClr>
+            </a:lnRef>
+            <a:fillRef idx="1">
+              <a:schemeClr val="accent1"/>
+            </a:fillRef>
+            <a:effectRef idx="0">
+              <a:schemeClr val="accent1"/>
+            </a:effectRef>
+            <a:fontRef idx="minor">
+              <a:schemeClr val="lt1"/>
+            </a:fontRef>
+          </p:style>
+          <p:txBody>
+            <a:bodyPr rtlCol="0" anchor="ctr"/>
+            <a:lstStyle/>
+            <a:p>
+              <a:pPr algn="ctr"/>
+              <a:endParaRPr lang="zh-CN" altLang="en-US"/>
+            </a:p>
+          </p:txBody>
+        </p:sp>
+        <p:sp>
+          <p:nvSpPr>
+            <p:cNvPr id="121" name="文本框 120">
+              <a:extLst>
+                <a:ext uri="{FF2B5EF4-FFF2-40B4-BE49-F238E27FC236}">
+                  <a16:creationId xmlns:a16="http://schemas.microsoft.com/office/drawing/2014/main" id="{852BE37E-C305-43ED-89A3-F184FAB410FC}"/>
+                </a:ext>
+              </a:extLst>
+            </p:cNvPr>
+            <p:cNvSpPr txBox="1"/>
+            <p:nvPr/>
+          </p:nvSpPr>
+          <p:spPr>
+            <a:xfrm>
+              <a:off x="10635916" y="3203811"/>
+              <a:ext cx="1181734" cy="261610"/>
+            </a:xfrm>
+            <a:prstGeom prst="rect">
+              <a:avLst/>
+            </a:prstGeom>
+            <a:noFill/>
+          </p:spPr>
+          <p:txBody>
+            <a:bodyPr wrap="none" rtlCol="0">
+              <a:spAutoFit/>
+            </a:bodyPr>
+            <a:lstStyle/>
+            <a:p>
+              <a:r>
+                <a:rPr lang="en-US" altLang="zh-CN" sz="1100" b="1">
+                  <a:solidFill>
+                    <a:srgbClr val="FF0000"/>
+                  </a:solidFill>
+                  <a:latin typeface="Arial" panose="020B0604020202020204" pitchFamily="34" charset="0"/>
+                  <a:cs typeface="Arial" panose="020B0604020202020204" pitchFamily="34" charset="0"/>
+                </a:rPr>
+                <a:t>MCounter CSR</a:t>
+              </a:r>
+              <a:endParaRPr lang="zh-CN" altLang="en-US" sz="1100" b="1">
+                <a:solidFill>
+                  <a:srgbClr val="FF0000"/>
+                </a:solidFill>
+                <a:latin typeface="Arial" panose="020B0604020202020204" pitchFamily="34" charset="0"/>
+                <a:cs typeface="Arial" panose="020B0604020202020204" pitchFamily="34" charset="0"/>
+              </a:endParaRPr>
+            </a:p>
+          </p:txBody>
+        </p:sp>
+        <p:sp>
+          <p:nvSpPr>
+            <p:cNvPr id="122" name="文本框 121">
+              <a:extLst>
+                <a:ext uri="{FF2B5EF4-FFF2-40B4-BE49-F238E27FC236}">
+                  <a16:creationId xmlns:a16="http://schemas.microsoft.com/office/drawing/2014/main" id="{BA52A92C-320A-44A5-8AF8-50E4914B9209}"/>
+                </a:ext>
+              </a:extLst>
+            </p:cNvPr>
+            <p:cNvSpPr txBox="1"/>
+            <p:nvPr/>
+          </p:nvSpPr>
+          <p:spPr>
+            <a:xfrm>
+              <a:off x="10635916" y="4921476"/>
+              <a:ext cx="1080745" cy="261610"/>
+            </a:xfrm>
+            <a:prstGeom prst="rect">
+              <a:avLst/>
+            </a:prstGeom>
+            <a:noFill/>
+          </p:spPr>
+          <p:txBody>
+            <a:bodyPr wrap="none" rtlCol="0">
+              <a:spAutoFit/>
+            </a:bodyPr>
+            <a:lstStyle/>
+            <a:p>
+              <a:r>
+                <a:rPr lang="en-US" altLang="zh-CN" sz="1100" b="1">
+                  <a:solidFill>
+                    <a:srgbClr val="FF0000"/>
+                  </a:solidFill>
+                  <a:latin typeface="Arial" panose="020B0604020202020204" pitchFamily="34" charset="0"/>
+                  <a:cs typeface="Arial" panose="020B0604020202020204" pitchFamily="34" charset="0"/>
+                </a:rPr>
+                <a:t>MDebug CSR</a:t>
+              </a:r>
+              <a:endParaRPr lang="zh-CN" altLang="en-US" sz="1100" b="1">
+                <a:solidFill>
+                  <a:srgbClr val="FF0000"/>
+                </a:solidFill>
+                <a:latin typeface="Arial" panose="020B0604020202020204" pitchFamily="34" charset="0"/>
+                <a:cs typeface="Arial" panose="020B0604020202020204" pitchFamily="34" charset="0"/>
+              </a:endParaRPr>
+            </a:p>
+          </p:txBody>
+        </p:sp>
+        <p:sp>
+          <p:nvSpPr>
+            <p:cNvPr id="123" name="矩形 122">
+              <a:extLst>
+                <a:ext uri="{FF2B5EF4-FFF2-40B4-BE49-F238E27FC236}">
+                  <a16:creationId xmlns:a16="http://schemas.microsoft.com/office/drawing/2014/main" id="{5A96CE93-1234-4FBB-A185-AA895092133F}"/>
+                </a:ext>
+              </a:extLst>
+            </p:cNvPr>
+            <p:cNvSpPr/>
+            <p:nvPr/>
+          </p:nvSpPr>
+          <p:spPr>
+            <a:xfrm>
+              <a:off x="6967277" y="4486934"/>
+              <a:ext cx="3660617" cy="1135824"/>
+            </a:xfrm>
+            <a:prstGeom prst="rect">
+              <a:avLst/>
+            </a:prstGeom>
+            <a:noFill/>
+            <a:ln w="38100">
+              <a:solidFill>
+                <a:srgbClr val="FF0000"/>
+              </a:solidFill>
+            </a:ln>
+          </p:spPr>
+          <p:style>
+            <a:lnRef idx="2">
+              <a:schemeClr val="accent1">
+                <a:shade val="50000"/>
+              </a:schemeClr>
+            </a:lnRef>
+            <a:fillRef idx="1">
+              <a:schemeClr val="accent1"/>
+            </a:fillRef>
+            <a:effectRef idx="0">
+              <a:schemeClr val="accent1"/>
+            </a:effectRef>
+            <a:fontRef idx="minor">
+              <a:schemeClr val="lt1"/>
+            </a:fontRef>
+          </p:style>
+          <p:txBody>
+            <a:bodyPr rtlCol="0" anchor="ctr"/>
+            <a:lstStyle/>
+            <a:p>
+              <a:pPr algn="ctr"/>
+              <a:endParaRPr lang="zh-CN" altLang="en-US"/>
+            </a:p>
+          </p:txBody>
+        </p:sp>
+      </p:grpSp>
+      <p:sp>
+        <p:nvSpPr>
+          <p:cNvPr id="14" name="文本框 13">
+            <a:extLst>
+              <a:ext uri="{FF2B5EF4-FFF2-40B4-BE49-F238E27FC236}">
+                <a16:creationId xmlns:a16="http://schemas.microsoft.com/office/drawing/2014/main" id="{6EB497C7-47B7-4667-B9E5-454A1D26046A}"/>
+              </a:ext>
+            </a:extLst>
+          </p:cNvPr>
+          <p:cNvSpPr txBox="1"/>
+          <p:nvPr/>
+        </p:nvSpPr>
+        <p:spPr>
+          <a:xfrm>
+            <a:off x="353102" y="5868464"/>
+            <a:ext cx="6127911" cy="461665"/>
+          </a:xfrm>
+          <a:prstGeom prst="rect">
+            <a:avLst/>
+          </a:prstGeom>
+          <a:noFill/>
+        </p:spPr>
+        <p:txBody>
+          <a:bodyPr wrap="square" rtlCol="0">
+            <a:spAutoFit/>
+          </a:bodyPr>
+          <a:lstStyle/>
+          <a:p>
+            <a:r>
+              <a:rPr lang="en-US" altLang="zh-CN" sz="1200">
+                <a:latin typeface="Arial" panose="020B0604020202020204" pitchFamily="34" charset="0"/>
+                <a:cs typeface="Arial" panose="020B0604020202020204" pitchFamily="34" charset="0"/>
+              </a:rPr>
+              <a:t>NOTE1: </a:t>
+            </a:r>
+            <a:r>
+              <a:rPr lang="zh-CN" altLang="en-US" sz="1200">
+                <a:latin typeface="Arial" panose="020B0604020202020204" pitchFamily="34" charset="0"/>
+                <a:cs typeface="Arial" panose="020B0604020202020204" pitchFamily="34" charset="0"/>
+              </a:rPr>
+              <a:t>计时器中断的</a:t>
+            </a:r>
+            <a:r>
+              <a:rPr lang="en-US" altLang="zh-CN" sz="1200">
+                <a:latin typeface="Arial" panose="020B0604020202020204" pitchFamily="34" charset="0"/>
+                <a:cs typeface="Arial" panose="020B0604020202020204" pitchFamily="34" charset="0"/>
+              </a:rPr>
+              <a:t>mtime</a:t>
+            </a:r>
+            <a:r>
+              <a:rPr lang="zh-CN" altLang="en-US" sz="1200">
+                <a:latin typeface="Arial" panose="020B0604020202020204" pitchFamily="34" charset="0"/>
+                <a:cs typeface="Arial" panose="020B0604020202020204" pitchFamily="34" charset="0"/>
+              </a:rPr>
+              <a:t>和</a:t>
+            </a:r>
+            <a:r>
+              <a:rPr lang="en-US" altLang="zh-CN" sz="1200">
+                <a:latin typeface="Arial" panose="020B0604020202020204" pitchFamily="34" charset="0"/>
+                <a:cs typeface="Arial" panose="020B0604020202020204" pitchFamily="34" charset="0"/>
+              </a:rPr>
+              <a:t>mtimecmp</a:t>
+            </a:r>
+            <a:r>
+              <a:rPr lang="zh-CN" altLang="en-US" sz="1200">
+                <a:latin typeface="Arial" panose="020B0604020202020204" pitchFamily="34" charset="0"/>
+                <a:cs typeface="Arial" panose="020B0604020202020204" pitchFamily="34" charset="0"/>
+              </a:rPr>
+              <a:t>不在</a:t>
+            </a:r>
+            <a:r>
+              <a:rPr lang="en-US" altLang="zh-CN" sz="1200">
+                <a:latin typeface="Arial" panose="020B0604020202020204" pitchFamily="34" charset="0"/>
+                <a:cs typeface="Arial" panose="020B0604020202020204" pitchFamily="34" charset="0"/>
+              </a:rPr>
+              <a:t>CSR</a:t>
+            </a:r>
+            <a:r>
+              <a:rPr lang="zh-CN" altLang="en-US" sz="1200">
+                <a:latin typeface="Arial" panose="020B0604020202020204" pitchFamily="34" charset="0"/>
+                <a:cs typeface="Arial" panose="020B0604020202020204" pitchFamily="34" charset="0"/>
+              </a:rPr>
+              <a:t>列表</a:t>
+            </a:r>
+            <a:r>
+              <a:rPr lang="en-US" altLang="zh-CN" sz="1200">
+                <a:latin typeface="Arial" panose="020B0604020202020204" pitchFamily="34" charset="0"/>
+                <a:cs typeface="Arial" panose="020B0604020202020204" pitchFamily="34" charset="0"/>
+              </a:rPr>
+              <a:t>(section3.1.10 of privileged spec),</a:t>
+            </a:r>
+          </a:p>
+          <a:p>
+            <a:r>
+              <a:rPr lang="zh-CN" altLang="en-US" sz="1200">
+                <a:latin typeface="Arial" panose="020B0604020202020204" pitchFamily="34" charset="0"/>
+                <a:cs typeface="Arial" panose="020B0604020202020204" pitchFamily="34" charset="0"/>
+              </a:rPr>
+              <a:t>映射在内存地址空间</a:t>
+            </a:r>
+            <a:r>
+              <a:rPr lang="en-US" altLang="zh-CN" sz="1200">
+                <a:latin typeface="Arial" panose="020B0604020202020204" pitchFamily="34" charset="0"/>
+                <a:cs typeface="Arial" panose="020B0604020202020204" pitchFamily="34" charset="0"/>
+              </a:rPr>
+              <a:t>(</a:t>
+            </a:r>
+            <a:r>
+              <a:rPr lang="zh-CN" altLang="en-US" sz="1200">
+                <a:latin typeface="Arial" panose="020B0604020202020204" pitchFamily="34" charset="0"/>
+                <a:cs typeface="Arial" panose="020B0604020202020204" pitchFamily="34" charset="0"/>
+              </a:rPr>
+              <a:t>从而所有中断源</a:t>
+            </a:r>
+            <a:r>
+              <a:rPr lang="en-US" altLang="zh-CN" sz="1200">
+                <a:latin typeface="Arial" panose="020B0604020202020204" pitchFamily="34" charset="0"/>
+                <a:cs typeface="Arial" panose="020B0604020202020204" pitchFamily="34" charset="0"/>
+              </a:rPr>
+              <a:t>)</a:t>
+            </a:r>
+            <a:r>
+              <a:rPr lang="zh-CN" altLang="en-US" sz="1200">
+                <a:latin typeface="Arial" panose="020B0604020202020204" pitchFamily="34" charset="0"/>
+                <a:cs typeface="Arial" panose="020B0604020202020204" pitchFamily="34" charset="0"/>
+              </a:rPr>
+              <a:t>，需要特别实现</a:t>
+            </a:r>
+            <a:endParaRPr lang="en-US" altLang="zh-CN" sz="1200">
+              <a:latin typeface="Arial" panose="020B0604020202020204" pitchFamily="34" charset="0"/>
+              <a:cs typeface="Arial" panose="020B0604020202020204" pitchFamily="34" charset="0"/>
+            </a:endParaRPr>
+          </a:p>
+        </p:txBody>
+      </p:sp>
+      <p:sp>
+        <p:nvSpPr>
+          <p:cNvPr id="3" name="矩形 2">
+            <a:extLst>
+              <a:ext uri="{FF2B5EF4-FFF2-40B4-BE49-F238E27FC236}">
+                <a16:creationId xmlns:a16="http://schemas.microsoft.com/office/drawing/2014/main" id="{7FEB58F1-B6F2-40F8-983B-52BDDD84A62D}"/>
+              </a:ext>
+            </a:extLst>
+          </p:cNvPr>
+          <p:cNvSpPr/>
+          <p:nvPr/>
+        </p:nvSpPr>
+        <p:spPr>
+          <a:xfrm>
+            <a:off x="7291758" y="5892527"/>
+            <a:ext cx="4862774" cy="276999"/>
+          </a:xfrm>
+          <a:prstGeom prst="rect">
+            <a:avLst/>
+          </a:prstGeom>
+        </p:spPr>
+        <p:txBody>
+          <a:bodyPr wrap="square">
+            <a:spAutoFit/>
+          </a:bodyPr>
+          <a:lstStyle/>
+          <a:p>
+            <a:r>
+              <a:rPr lang="en-US" altLang="zh-CN" sz="1200">
+                <a:latin typeface="Arial" panose="020B0604020202020204" pitchFamily="34" charset="0"/>
+                <a:cs typeface="Arial" panose="020B0604020202020204" pitchFamily="34" charset="0"/>
+              </a:rPr>
+              <a:t>NOTE2: M-mode code can access all CSRs at lower privilege levels</a:t>
+            </a:r>
+            <a:endParaRPr lang="zh-CN" altLang="en-US" sz="1200">
+              <a:latin typeface="Arial" panose="020B0604020202020204" pitchFamily="34" charset="0"/>
+              <a:cs typeface="Arial" panose="020B0604020202020204" pitchFamily="34" charset="0"/>
+            </a:endParaRPr>
+          </a:p>
+        </p:txBody>
+      </p:sp>
+    </p:spTree>
+    <p:extLst>
+      <p:ext uri="{BB962C8B-B14F-4D97-AF65-F5344CB8AC3E}">
+        <p14:creationId xmlns:p14="http://schemas.microsoft.com/office/powerpoint/2010/main" val="931607379"/>
+      </p:ext>
+    </p:extLst>
+  </p:cSld>
+  <p:clrMapOvr>
+    <a:masterClrMapping/>
+  </p:clrMapOvr>
+</p:sld>
+</file>
+
+<file path=ppt/slides/slide15.xml><?xml version="1.0" encoding="utf-8"?>
+<p:sld xmlns:a="http://schemas.openxmlformats.org/drawingml/2006/main" xmlns:r="http://schemas.openxmlformats.org/officeDocument/2006/relationships" xmlns:p="http://schemas.openxmlformats.org/presentationml/2006/main">
+  <p:cSld>
+    <p:spTree>
+      <p:nvGrpSpPr>
+        <p:cNvPr id="1" name=""/>
+        <p:cNvGrpSpPr/>
+        <p:nvPr/>
+      </p:nvGrpSpPr>
+      <p:grpSpPr>
+        <a:xfrm>
+          <a:off x="0" y="0"/>
+          <a:ext cx="0" cy="0"/>
+          <a:chOff x="0" y="0"/>
+          <a:chExt cx="0" cy="0"/>
+        </a:xfrm>
+      </p:grpSpPr>
+      <p:sp>
+        <p:nvSpPr>
+          <p:cNvPr id="1048597" name="标题 1"/>
+          <p:cNvSpPr>
+            <a:spLocks noGrp="1"/>
+          </p:cNvSpPr>
+          <p:nvPr>
+            <p:ph type="title"/>
+          </p:nvPr>
+        </p:nvSpPr>
+        <p:spPr/>
+        <p:txBody>
+          <a:bodyPr>
+            <a:normAutofit/>
+          </a:bodyPr>
+          <a:lstStyle/>
+          <a:p>
+            <a:r>
+              <a:rPr lang="en-US" altLang="zh-CN" sz="4400"/>
+              <a:t>CSR——Supervisor Mode(level:01) CSR</a:t>
+            </a:r>
+            <a:endParaRPr lang="zh-CN" altLang="en-US" sz="4400" dirty="0"/>
+          </a:p>
+        </p:txBody>
+      </p:sp>
+      <p:grpSp>
+        <p:nvGrpSpPr>
+          <p:cNvPr id="3" name="组合 2">
+            <a:extLst>
+              <a:ext uri="{FF2B5EF4-FFF2-40B4-BE49-F238E27FC236}">
+                <a16:creationId xmlns:a16="http://schemas.microsoft.com/office/drawing/2014/main" id="{54FBF9B0-F535-44F3-B438-97BDD015277F}"/>
+              </a:ext>
+            </a:extLst>
+          </p:cNvPr>
+          <p:cNvGrpSpPr/>
+          <p:nvPr/>
+        </p:nvGrpSpPr>
+        <p:grpSpPr>
+          <a:xfrm>
+            <a:off x="3234434" y="2197918"/>
+            <a:ext cx="5610183" cy="2997319"/>
+            <a:chOff x="3696792" y="2398444"/>
+            <a:chExt cx="4842552" cy="2587201"/>
+          </a:xfrm>
+        </p:grpSpPr>
+        <p:pic>
+          <p:nvPicPr>
+            <p:cNvPr id="2" name="图片 1">
+              <a:extLst>
+                <a:ext uri="{FF2B5EF4-FFF2-40B4-BE49-F238E27FC236}">
+                  <a16:creationId xmlns:a16="http://schemas.microsoft.com/office/drawing/2014/main" id="{5D4F563F-AF98-45FF-9FAE-14011AE8A7B8}"/>
+                </a:ext>
+              </a:extLst>
+            </p:cNvPr>
+            <p:cNvPicPr>
+              <a:picLocks noChangeAspect="1"/>
+            </p:cNvPicPr>
+            <p:nvPr/>
+          </p:nvPicPr>
+          <p:blipFill>
+            <a:blip r:embed="rId2"/>
+            <a:stretch>
+              <a:fillRect/>
+            </a:stretch>
+          </p:blipFill>
+          <p:spPr>
+            <a:xfrm>
+              <a:off x="3696792" y="2398444"/>
+              <a:ext cx="4251614" cy="2587201"/>
+            </a:xfrm>
+            <a:prstGeom prst="rect">
+              <a:avLst/>
+            </a:prstGeom>
+          </p:spPr>
+        </p:pic>
+        <p:sp>
+          <p:nvSpPr>
+            <p:cNvPr id="21" name="矩形 20">
+              <a:extLst>
+                <a:ext uri="{FF2B5EF4-FFF2-40B4-BE49-F238E27FC236}">
+                  <a16:creationId xmlns:a16="http://schemas.microsoft.com/office/drawing/2014/main" id="{B55E5188-89E2-4414-B48D-6F9B9904ED0F}"/>
+                </a:ext>
+              </a:extLst>
+            </p:cNvPr>
+            <p:cNvSpPr/>
+            <p:nvPr/>
+          </p:nvSpPr>
+          <p:spPr>
+            <a:xfrm>
+              <a:off x="3951362" y="2577925"/>
+              <a:ext cx="3548322" cy="1673233"/>
+            </a:xfrm>
+            <a:prstGeom prst="rect">
+              <a:avLst/>
+            </a:prstGeom>
+            <a:noFill/>
+            <a:ln w="38100">
+              <a:solidFill>
+                <a:srgbClr val="FF0000"/>
+              </a:solidFill>
+            </a:ln>
+          </p:spPr>
+          <p:style>
+            <a:lnRef idx="2">
+              <a:schemeClr val="accent1">
+                <a:shade val="50000"/>
+              </a:schemeClr>
+            </a:lnRef>
+            <a:fillRef idx="1">
+              <a:schemeClr val="accent1"/>
+            </a:fillRef>
+            <a:effectRef idx="0">
+              <a:schemeClr val="accent1"/>
+            </a:effectRef>
+            <a:fontRef idx="minor">
+              <a:schemeClr val="lt1"/>
+            </a:fontRef>
+          </p:style>
+          <p:txBody>
+            <a:bodyPr rtlCol="0" anchor="ctr"/>
+            <a:lstStyle/>
+            <a:p>
+              <a:pPr algn="ctr"/>
+              <a:endParaRPr lang="zh-CN" altLang="en-US"/>
+            </a:p>
+          </p:txBody>
+        </p:sp>
+        <p:sp>
+          <p:nvSpPr>
+            <p:cNvPr id="22" name="文本框 21">
+              <a:extLst>
+                <a:ext uri="{FF2B5EF4-FFF2-40B4-BE49-F238E27FC236}">
+                  <a16:creationId xmlns:a16="http://schemas.microsoft.com/office/drawing/2014/main" id="{6FE0F1FA-22EF-4DE3-A3FD-EB11B52EBA1E}"/>
+                </a:ext>
+              </a:extLst>
+            </p:cNvPr>
+            <p:cNvSpPr txBox="1"/>
+            <p:nvPr/>
+          </p:nvSpPr>
+          <p:spPr>
+            <a:xfrm>
+              <a:off x="7517921" y="3308085"/>
+              <a:ext cx="923651" cy="261610"/>
+            </a:xfrm>
+            <a:prstGeom prst="rect">
+              <a:avLst/>
+            </a:prstGeom>
+            <a:noFill/>
+          </p:spPr>
+          <p:txBody>
+            <a:bodyPr wrap="none" rtlCol="0">
+              <a:spAutoFit/>
+            </a:bodyPr>
+            <a:lstStyle/>
+            <a:p>
+              <a:r>
+                <a:rPr lang="en-US" altLang="zh-CN" sz="1100" b="1">
+                  <a:solidFill>
+                    <a:srgbClr val="FF0000"/>
+                  </a:solidFill>
+                  <a:latin typeface="Arial" panose="020B0604020202020204" pitchFamily="34" charset="0"/>
+                  <a:cs typeface="Arial" panose="020B0604020202020204" pitchFamily="34" charset="0"/>
+                </a:rPr>
+                <a:t>STrap CSR</a:t>
+              </a:r>
+              <a:endParaRPr lang="zh-CN" altLang="en-US" sz="1100" b="1">
+                <a:solidFill>
+                  <a:srgbClr val="FF0000"/>
+                </a:solidFill>
+                <a:latin typeface="Arial" panose="020B0604020202020204" pitchFamily="34" charset="0"/>
+                <a:cs typeface="Arial" panose="020B0604020202020204" pitchFamily="34" charset="0"/>
+              </a:endParaRPr>
+            </a:p>
+          </p:txBody>
+        </p:sp>
+        <p:sp>
+          <p:nvSpPr>
+            <p:cNvPr id="23" name="文本框 22">
+              <a:extLst>
+                <a:ext uri="{FF2B5EF4-FFF2-40B4-BE49-F238E27FC236}">
+                  <a16:creationId xmlns:a16="http://schemas.microsoft.com/office/drawing/2014/main" id="{5994A20D-F419-44A7-B463-23362AA6F935}"/>
+                </a:ext>
+              </a:extLst>
+            </p:cNvPr>
+            <p:cNvSpPr txBox="1"/>
+            <p:nvPr/>
+          </p:nvSpPr>
+          <p:spPr>
+            <a:xfrm>
+              <a:off x="7517921" y="4251158"/>
+              <a:ext cx="1021423" cy="225814"/>
+            </a:xfrm>
+            <a:prstGeom prst="rect">
+              <a:avLst/>
+            </a:prstGeom>
+            <a:noFill/>
+          </p:spPr>
+          <p:txBody>
+            <a:bodyPr wrap="none" rtlCol="0">
+              <a:spAutoFit/>
+            </a:bodyPr>
+            <a:lstStyle/>
+            <a:p>
+              <a:r>
+                <a:rPr lang="en-US" altLang="zh-CN" sz="1100" b="1">
+                  <a:solidFill>
+                    <a:srgbClr val="FF0000"/>
+                  </a:solidFill>
+                  <a:latin typeface="Arial" panose="020B0604020202020204" pitchFamily="34" charset="0"/>
+                  <a:cs typeface="Arial" panose="020B0604020202020204" pitchFamily="34" charset="0"/>
+                </a:rPr>
+                <a:t>SAddress CSR</a:t>
+              </a:r>
+              <a:endParaRPr lang="zh-CN" altLang="en-US" sz="1100" b="1">
+                <a:solidFill>
+                  <a:srgbClr val="FF0000"/>
+                </a:solidFill>
+                <a:latin typeface="Arial" panose="020B0604020202020204" pitchFamily="34" charset="0"/>
+                <a:cs typeface="Arial" panose="020B0604020202020204" pitchFamily="34" charset="0"/>
+              </a:endParaRPr>
+            </a:p>
+          </p:txBody>
+        </p:sp>
+        <p:sp>
+          <p:nvSpPr>
+            <p:cNvPr id="24" name="矩形 23">
+              <a:extLst>
+                <a:ext uri="{FF2B5EF4-FFF2-40B4-BE49-F238E27FC236}">
+                  <a16:creationId xmlns:a16="http://schemas.microsoft.com/office/drawing/2014/main" id="{D190FB1B-4A77-43E4-B49E-63A47E716B81}"/>
+                </a:ext>
+              </a:extLst>
+            </p:cNvPr>
+            <p:cNvSpPr/>
+            <p:nvPr/>
+          </p:nvSpPr>
+          <p:spPr>
+            <a:xfrm>
+              <a:off x="3943340" y="4246304"/>
+              <a:ext cx="3556343" cy="269549"/>
+            </a:xfrm>
+            <a:prstGeom prst="rect">
+              <a:avLst/>
+            </a:prstGeom>
+            <a:noFill/>
+            <a:ln w="38100">
+              <a:solidFill>
+                <a:srgbClr val="FF0000"/>
+              </a:solidFill>
+            </a:ln>
+          </p:spPr>
+          <p:style>
+            <a:lnRef idx="2">
+              <a:schemeClr val="accent1">
+                <a:shade val="50000"/>
+              </a:schemeClr>
+            </a:lnRef>
+            <a:fillRef idx="1">
+              <a:schemeClr val="accent1"/>
+            </a:fillRef>
+            <a:effectRef idx="0">
+              <a:schemeClr val="accent1"/>
+            </a:effectRef>
+            <a:fontRef idx="minor">
+              <a:schemeClr val="lt1"/>
+            </a:fontRef>
+          </p:style>
+          <p:txBody>
+            <a:bodyPr rtlCol="0" anchor="ctr"/>
+            <a:lstStyle/>
+            <a:p>
+              <a:pPr algn="ctr"/>
+              <a:endParaRPr lang="zh-CN" altLang="en-US"/>
+            </a:p>
+          </p:txBody>
+        </p:sp>
+      </p:grpSp>
+    </p:spTree>
+    <p:extLst>
+      <p:ext uri="{BB962C8B-B14F-4D97-AF65-F5344CB8AC3E}">
+        <p14:creationId xmlns:p14="http://schemas.microsoft.com/office/powerpoint/2010/main" val="2501920888"/>
+      </p:ext>
+    </p:extLst>
+  </p:cSld>
+  <p:clrMapOvr>
+    <a:masterClrMapping/>
+  </p:clrMapOvr>
+</p:sld>
+</file>
+
+<file path=ppt/slides/slide16.xml><?xml version="1.0" encoding="utf-8"?>
+<p:sld xmlns:a="http://schemas.openxmlformats.org/drawingml/2006/main" xmlns:r="http://schemas.openxmlformats.org/officeDocument/2006/relationships" xmlns:p="http://schemas.openxmlformats.org/presentationml/2006/main">
+  <p:cSld>
+    <p:spTree>
+      <p:nvGrpSpPr>
+        <p:cNvPr id="1" name=""/>
+        <p:cNvGrpSpPr/>
+        <p:nvPr/>
+      </p:nvGrpSpPr>
+      <p:grpSpPr>
+        <a:xfrm>
+          <a:off x="0" y="0"/>
+          <a:ext cx="0" cy="0"/>
+          <a:chOff x="0" y="0"/>
+          <a:chExt cx="0" cy="0"/>
+        </a:xfrm>
+      </p:grpSpPr>
+      <p:sp>
+        <p:nvSpPr>
+          <p:cNvPr id="1048597" name="标题 1"/>
+          <p:cNvSpPr>
+            <a:spLocks noGrp="1"/>
+          </p:cNvSpPr>
+          <p:nvPr>
+            <p:ph type="title"/>
+          </p:nvPr>
+        </p:nvSpPr>
+        <p:spPr/>
+        <p:txBody>
+          <a:bodyPr>
+            <a:normAutofit/>
+          </a:bodyPr>
+          <a:lstStyle/>
+          <a:p>
+            <a:r>
+              <a:rPr lang="en-US" altLang="zh-CN" sz="4400"/>
+              <a:t>CSR——User Mode(lowest level:00) CSR</a:t>
+            </a:r>
+            <a:endParaRPr lang="zh-CN" altLang="en-US" sz="4400" dirty="0"/>
+          </a:p>
+        </p:txBody>
+      </p:sp>
+      <p:grpSp>
+        <p:nvGrpSpPr>
+          <p:cNvPr id="3" name="组合 2">
+            <a:extLst>
+              <a:ext uri="{FF2B5EF4-FFF2-40B4-BE49-F238E27FC236}">
+                <a16:creationId xmlns:a16="http://schemas.microsoft.com/office/drawing/2014/main" id="{1E258588-E5BD-4875-86A5-A0C9346895CF}"/>
+              </a:ext>
+            </a:extLst>
+          </p:cNvPr>
+          <p:cNvGrpSpPr/>
+          <p:nvPr/>
+        </p:nvGrpSpPr>
+        <p:grpSpPr>
+          <a:xfrm>
+            <a:off x="3700450" y="1980229"/>
+            <a:ext cx="5489716" cy="4065223"/>
+            <a:chOff x="2240619" y="1956165"/>
+            <a:chExt cx="5489716" cy="4065223"/>
+          </a:xfrm>
+        </p:grpSpPr>
+        <p:pic>
+          <p:nvPicPr>
+            <p:cNvPr id="2" name="图片 1">
+              <a:extLst>
+                <a:ext uri="{FF2B5EF4-FFF2-40B4-BE49-F238E27FC236}">
+                  <a16:creationId xmlns:a16="http://schemas.microsoft.com/office/drawing/2014/main" id="{EB5E8DE3-A4C1-4743-90C4-884080999F0F}"/>
+                </a:ext>
+              </a:extLst>
+            </p:cNvPr>
+            <p:cNvPicPr>
+              <a:picLocks noChangeAspect="1"/>
+            </p:cNvPicPr>
+            <p:nvPr/>
+          </p:nvPicPr>
+          <p:blipFill>
+            <a:blip r:embed="rId2"/>
+            <a:stretch>
+              <a:fillRect/>
+            </a:stretch>
+          </p:blipFill>
+          <p:spPr>
+            <a:xfrm>
+              <a:off x="2240619" y="1956165"/>
+              <a:ext cx="4445465" cy="4065223"/>
+            </a:xfrm>
+            <a:prstGeom prst="rect">
+              <a:avLst/>
+            </a:prstGeom>
+          </p:spPr>
+        </p:pic>
+        <p:sp>
+          <p:nvSpPr>
+            <p:cNvPr id="21" name="矩形 20">
+              <a:extLst>
+                <a:ext uri="{FF2B5EF4-FFF2-40B4-BE49-F238E27FC236}">
+                  <a16:creationId xmlns:a16="http://schemas.microsoft.com/office/drawing/2014/main" id="{80804AC2-24C1-4EFE-A4BC-B9399D55AE33}"/>
+                </a:ext>
+              </a:extLst>
+            </p:cNvPr>
+            <p:cNvSpPr/>
+            <p:nvPr/>
+          </p:nvSpPr>
+          <p:spPr>
+            <a:xfrm>
+              <a:off x="2339130" y="2152808"/>
+              <a:ext cx="4230112" cy="1208013"/>
+            </a:xfrm>
+            <a:prstGeom prst="rect">
+              <a:avLst/>
+            </a:prstGeom>
+            <a:noFill/>
+            <a:ln w="38100">
+              <a:solidFill>
+                <a:srgbClr val="FF0000"/>
+              </a:solidFill>
+            </a:ln>
+          </p:spPr>
+          <p:style>
+            <a:lnRef idx="2">
+              <a:schemeClr val="accent1">
+                <a:shade val="50000"/>
+              </a:schemeClr>
+            </a:lnRef>
+            <a:fillRef idx="1">
+              <a:schemeClr val="accent1"/>
+            </a:fillRef>
+            <a:effectRef idx="0">
+              <a:schemeClr val="accent1"/>
+            </a:effectRef>
+            <a:fontRef idx="minor">
+              <a:schemeClr val="lt1"/>
+            </a:fontRef>
+          </p:style>
+          <p:txBody>
+            <a:bodyPr rtlCol="0" anchor="ctr"/>
+            <a:lstStyle/>
+            <a:p>
+              <a:pPr algn="ctr"/>
+              <a:endParaRPr lang="zh-CN" altLang="en-US"/>
+            </a:p>
+          </p:txBody>
+        </p:sp>
+        <p:sp>
+          <p:nvSpPr>
+            <p:cNvPr id="22" name="矩形 21">
+              <a:extLst>
+                <a:ext uri="{FF2B5EF4-FFF2-40B4-BE49-F238E27FC236}">
+                  <a16:creationId xmlns:a16="http://schemas.microsoft.com/office/drawing/2014/main" id="{FA295468-9DE1-479C-A77F-BA7D890E3F31}"/>
+                </a:ext>
+              </a:extLst>
+            </p:cNvPr>
+            <p:cNvSpPr/>
+            <p:nvPr/>
+          </p:nvSpPr>
+          <p:spPr>
+            <a:xfrm>
+              <a:off x="2339130" y="3360822"/>
+              <a:ext cx="4230112" cy="473242"/>
+            </a:xfrm>
+            <a:prstGeom prst="rect">
+              <a:avLst/>
+            </a:prstGeom>
+            <a:noFill/>
+            <a:ln w="38100">
+              <a:solidFill>
+                <a:srgbClr val="FF0000"/>
+              </a:solidFill>
+            </a:ln>
+          </p:spPr>
+          <p:style>
+            <a:lnRef idx="2">
+              <a:schemeClr val="accent1">
+                <a:shade val="50000"/>
+              </a:schemeClr>
+            </a:lnRef>
+            <a:fillRef idx="1">
+              <a:schemeClr val="accent1"/>
+            </a:fillRef>
+            <a:effectRef idx="0">
+              <a:schemeClr val="accent1"/>
+            </a:effectRef>
+            <a:fontRef idx="minor">
+              <a:schemeClr val="lt1"/>
+            </a:fontRef>
+          </p:style>
+          <p:txBody>
+            <a:bodyPr rtlCol="0" anchor="ctr"/>
+            <a:lstStyle/>
+            <a:p>
+              <a:pPr algn="ctr"/>
+              <a:endParaRPr lang="zh-CN" altLang="en-US"/>
+            </a:p>
+          </p:txBody>
+        </p:sp>
+        <p:sp>
+          <p:nvSpPr>
+            <p:cNvPr id="23" name="矩形 22">
+              <a:extLst>
+                <a:ext uri="{FF2B5EF4-FFF2-40B4-BE49-F238E27FC236}">
+                  <a16:creationId xmlns:a16="http://schemas.microsoft.com/office/drawing/2014/main" id="{13455B0B-DED3-43B7-8472-EF0102799CEB}"/>
+                </a:ext>
+              </a:extLst>
+            </p:cNvPr>
+            <p:cNvSpPr/>
+            <p:nvPr/>
+          </p:nvSpPr>
+          <p:spPr>
+            <a:xfrm>
+              <a:off x="2339130" y="3836376"/>
+              <a:ext cx="4230112" cy="1834508"/>
+            </a:xfrm>
+            <a:prstGeom prst="rect">
+              <a:avLst/>
+            </a:prstGeom>
+            <a:noFill/>
+            <a:ln w="38100">
+              <a:solidFill>
+                <a:srgbClr val="FF0000"/>
+              </a:solidFill>
+            </a:ln>
+          </p:spPr>
+          <p:style>
+            <a:lnRef idx="2">
+              <a:schemeClr val="accent1">
+                <a:shade val="50000"/>
+              </a:schemeClr>
+            </a:lnRef>
+            <a:fillRef idx="1">
+              <a:schemeClr val="accent1"/>
+            </a:fillRef>
+            <a:effectRef idx="0">
+              <a:schemeClr val="accent1"/>
+            </a:effectRef>
+            <a:fontRef idx="minor">
+              <a:schemeClr val="lt1"/>
+            </a:fontRef>
+          </p:style>
+          <p:txBody>
+            <a:bodyPr rtlCol="0" anchor="ctr"/>
+            <a:lstStyle/>
+            <a:p>
+              <a:pPr algn="ctr"/>
+              <a:endParaRPr lang="zh-CN" altLang="en-US"/>
+            </a:p>
+          </p:txBody>
+        </p:sp>
+        <p:sp>
+          <p:nvSpPr>
+            <p:cNvPr id="24" name="文本框 23">
+              <a:extLst>
+                <a:ext uri="{FF2B5EF4-FFF2-40B4-BE49-F238E27FC236}">
+                  <a16:creationId xmlns:a16="http://schemas.microsoft.com/office/drawing/2014/main" id="{1598B5B0-75EC-4F4C-8E11-1B406E2DE1FE}"/>
+                </a:ext>
+              </a:extLst>
+            </p:cNvPr>
+            <p:cNvSpPr txBox="1"/>
+            <p:nvPr/>
+          </p:nvSpPr>
+          <p:spPr>
+            <a:xfrm>
+              <a:off x="6563028" y="3489721"/>
+              <a:ext cx="962123" cy="261610"/>
+            </a:xfrm>
+            <a:prstGeom prst="rect">
+              <a:avLst/>
+            </a:prstGeom>
+            <a:noFill/>
+          </p:spPr>
+          <p:txBody>
+            <a:bodyPr wrap="none" rtlCol="0">
+              <a:spAutoFit/>
+            </a:bodyPr>
+            <a:lstStyle/>
+            <a:p>
+              <a:r>
+                <a:rPr lang="en-US" altLang="zh-CN" sz="1100" b="1">
+                  <a:solidFill>
+                    <a:srgbClr val="FF0000"/>
+                  </a:solidFill>
+                  <a:latin typeface="Arial" panose="020B0604020202020204" pitchFamily="34" charset="0"/>
+                  <a:cs typeface="Arial" panose="020B0604020202020204" pitchFamily="34" charset="0"/>
+                </a:rPr>
+                <a:t>UFloat CSR</a:t>
+              </a:r>
+              <a:endParaRPr lang="zh-CN" altLang="en-US" sz="1100" b="1">
+                <a:solidFill>
+                  <a:srgbClr val="FF0000"/>
+                </a:solidFill>
+                <a:latin typeface="Arial" panose="020B0604020202020204" pitchFamily="34" charset="0"/>
+                <a:cs typeface="Arial" panose="020B0604020202020204" pitchFamily="34" charset="0"/>
+              </a:endParaRPr>
+            </a:p>
+          </p:txBody>
+        </p:sp>
+        <p:sp>
+          <p:nvSpPr>
+            <p:cNvPr id="25" name="文本框 24">
+              <a:extLst>
+                <a:ext uri="{FF2B5EF4-FFF2-40B4-BE49-F238E27FC236}">
+                  <a16:creationId xmlns:a16="http://schemas.microsoft.com/office/drawing/2014/main" id="{07997669-9427-4C34-AFFC-E99E7DADA333}"/>
+                </a:ext>
+              </a:extLst>
+            </p:cNvPr>
+            <p:cNvSpPr txBox="1"/>
+            <p:nvPr/>
+          </p:nvSpPr>
+          <p:spPr>
+            <a:xfrm>
+              <a:off x="6563028" y="4669938"/>
+              <a:ext cx="1167307" cy="261610"/>
+            </a:xfrm>
+            <a:prstGeom prst="rect">
+              <a:avLst/>
+            </a:prstGeom>
+            <a:noFill/>
+          </p:spPr>
+          <p:txBody>
+            <a:bodyPr wrap="none" rtlCol="0">
+              <a:spAutoFit/>
+            </a:bodyPr>
+            <a:lstStyle/>
+            <a:p>
+              <a:r>
+                <a:rPr lang="en-US" altLang="zh-CN" sz="1100" b="1">
+                  <a:solidFill>
+                    <a:srgbClr val="FF0000"/>
+                  </a:solidFill>
+                  <a:latin typeface="Arial" panose="020B0604020202020204" pitchFamily="34" charset="0"/>
+                  <a:cs typeface="Arial" panose="020B0604020202020204" pitchFamily="34" charset="0"/>
+                </a:rPr>
+                <a:t>UCounter CSR</a:t>
+              </a:r>
+              <a:endParaRPr lang="zh-CN" altLang="en-US" sz="1100" b="1">
+                <a:solidFill>
+                  <a:srgbClr val="FF0000"/>
+                </a:solidFill>
+                <a:latin typeface="Arial" panose="020B0604020202020204" pitchFamily="34" charset="0"/>
+                <a:cs typeface="Arial" panose="020B0604020202020204" pitchFamily="34" charset="0"/>
+              </a:endParaRPr>
+            </a:p>
+          </p:txBody>
+        </p:sp>
+        <p:sp>
+          <p:nvSpPr>
+            <p:cNvPr id="121" name="文本框 120">
+              <a:extLst>
+                <a:ext uri="{FF2B5EF4-FFF2-40B4-BE49-F238E27FC236}">
+                  <a16:creationId xmlns:a16="http://schemas.microsoft.com/office/drawing/2014/main" id="{852BE37E-C305-43ED-89A3-F184FAB410FC}"/>
+                </a:ext>
+              </a:extLst>
+            </p:cNvPr>
+            <p:cNvSpPr txBox="1"/>
+            <p:nvPr/>
+          </p:nvSpPr>
+          <p:spPr>
+            <a:xfrm>
+              <a:off x="6563028" y="2649092"/>
+              <a:ext cx="931665" cy="261610"/>
+            </a:xfrm>
+            <a:prstGeom prst="rect">
+              <a:avLst/>
+            </a:prstGeom>
+            <a:noFill/>
+          </p:spPr>
+          <p:txBody>
+            <a:bodyPr wrap="none" rtlCol="0">
+              <a:spAutoFit/>
+            </a:bodyPr>
+            <a:lstStyle/>
+            <a:p>
+              <a:r>
+                <a:rPr lang="en-US" altLang="zh-CN" sz="1100" b="1">
+                  <a:solidFill>
+                    <a:srgbClr val="FF0000"/>
+                  </a:solidFill>
+                  <a:latin typeface="Arial" panose="020B0604020202020204" pitchFamily="34" charset="0"/>
+                  <a:cs typeface="Arial" panose="020B0604020202020204" pitchFamily="34" charset="0"/>
+                </a:rPr>
+                <a:t>UTrap CSR</a:t>
+              </a:r>
+              <a:endParaRPr lang="zh-CN" altLang="en-US" sz="1100" b="1">
+                <a:solidFill>
+                  <a:srgbClr val="FF0000"/>
+                </a:solidFill>
+                <a:latin typeface="Arial" panose="020B0604020202020204" pitchFamily="34" charset="0"/>
+                <a:cs typeface="Arial" panose="020B0604020202020204" pitchFamily="34" charset="0"/>
+              </a:endParaRPr>
+            </a:p>
+          </p:txBody>
+        </p:sp>
+      </p:grpSp>
+    </p:spTree>
+    <p:extLst>
+      <p:ext uri="{BB962C8B-B14F-4D97-AF65-F5344CB8AC3E}">
+        <p14:creationId xmlns:p14="http://schemas.microsoft.com/office/powerpoint/2010/main" val="3250809794"/>
+      </p:ext>
+    </p:extLst>
+  </p:cSld>
+  <p:clrMapOvr>
+    <a:masterClrMapping/>
+  </p:clrMapOvr>
+</p:sld>
+</file>
+
+<file path=ppt/slides/slide17.xml><?xml version="1.0" encoding="utf-8"?>
+<p:sld xmlns:a="http://schemas.openxmlformats.org/drawingml/2006/main" xmlns:r="http://schemas.openxmlformats.org/officeDocument/2006/relationships" xmlns:p="http://schemas.openxmlformats.org/presentationml/2006/main">
+  <p:cSld>
+    <p:spTree>
+      <p:nvGrpSpPr>
+        <p:cNvPr id="1" name=""/>
+        <p:cNvGrpSpPr/>
+        <p:nvPr/>
+      </p:nvGrpSpPr>
+      <p:grpSpPr>
+        <a:xfrm>
+          <a:off x="0" y="0"/>
+          <a:ext cx="0" cy="0"/>
+          <a:chOff x="0" y="0"/>
+          <a:chExt cx="0" cy="0"/>
+        </a:xfrm>
+      </p:grpSpPr>
+      <p:pic>
+        <p:nvPicPr>
+          <p:cNvPr id="4" name="图片 3">
+            <a:extLst>
+              <a:ext uri="{FF2B5EF4-FFF2-40B4-BE49-F238E27FC236}">
+                <a16:creationId xmlns:a16="http://schemas.microsoft.com/office/drawing/2014/main" id="{557243EC-6245-4CD3-ABA7-C64392CC0896}"/>
+              </a:ext>
+            </a:extLst>
+          </p:cNvPr>
+          <p:cNvPicPr>
+            <a:picLocks noChangeAspect="1"/>
+          </p:cNvPicPr>
+          <p:nvPr/>
+        </p:nvPicPr>
+        <p:blipFill>
+          <a:blip r:embed="rId2"/>
+          <a:stretch>
+            <a:fillRect/>
+          </a:stretch>
+        </p:blipFill>
+        <p:spPr>
+          <a:xfrm>
+            <a:off x="1836820" y="1745381"/>
+            <a:ext cx="3136232" cy="4554740"/>
+          </a:xfrm>
+          <a:prstGeom prst="rect">
+            <a:avLst/>
+          </a:prstGeom>
+        </p:spPr>
+      </p:pic>
+      <p:sp>
+        <p:nvSpPr>
+          <p:cNvPr id="5" name="标题 1">
+            <a:extLst>
+              <a:ext uri="{FF2B5EF4-FFF2-40B4-BE49-F238E27FC236}">
+                <a16:creationId xmlns:a16="http://schemas.microsoft.com/office/drawing/2014/main" id="{64B14159-B1DC-4E1E-BD0C-C3467B347DDC}"/>
+              </a:ext>
+            </a:extLst>
+          </p:cNvPr>
+          <p:cNvSpPr>
+            <a:spLocks noGrp="1"/>
+          </p:cNvSpPr>
+          <p:nvPr>
+            <p:ph type="title"/>
+          </p:nvPr>
+        </p:nvSpPr>
+        <p:spPr>
+          <a:xfrm>
+            <a:off x="1097280" y="286603"/>
+            <a:ext cx="10058400" cy="1450757"/>
+          </a:xfrm>
+        </p:spPr>
+        <p:txBody>
+          <a:bodyPr>
+            <a:normAutofit/>
+          </a:bodyPr>
+          <a:lstStyle/>
+          <a:p>
+            <a:r>
+              <a:rPr lang="en-US" altLang="zh-CN" sz="4400"/>
+              <a:t>Interrupt &amp; Exception List</a:t>
+            </a:r>
+            <a:endParaRPr lang="zh-CN" altLang="en-US" sz="4400" dirty="0"/>
+          </a:p>
+        </p:txBody>
+      </p:sp>
+      <p:pic>
+        <p:nvPicPr>
+          <p:cNvPr id="6" name="图片 5">
+            <a:extLst>
+              <a:ext uri="{FF2B5EF4-FFF2-40B4-BE49-F238E27FC236}">
+                <a16:creationId xmlns:a16="http://schemas.microsoft.com/office/drawing/2014/main" id="{9632F482-7EBC-41AE-8EFD-D6B83830E953}"/>
+              </a:ext>
+            </a:extLst>
+          </p:cNvPr>
+          <p:cNvPicPr>
+            <a:picLocks noChangeAspect="1"/>
+          </p:cNvPicPr>
+          <p:nvPr/>
+        </p:nvPicPr>
+        <p:blipFill>
+          <a:blip r:embed="rId3"/>
+          <a:stretch>
+            <a:fillRect/>
+          </a:stretch>
+        </p:blipFill>
+        <p:spPr>
+          <a:xfrm>
+            <a:off x="5871410" y="2626444"/>
+            <a:ext cx="3712143" cy="2494197"/>
+          </a:xfrm>
+          <a:prstGeom prst="rect">
+            <a:avLst/>
+          </a:prstGeom>
+        </p:spPr>
+      </p:pic>
+    </p:spTree>
+    <p:extLst>
+      <p:ext uri="{BB962C8B-B14F-4D97-AF65-F5344CB8AC3E}">
+        <p14:creationId xmlns:p14="http://schemas.microsoft.com/office/powerpoint/2010/main" val="2997169671"/>
+      </p:ext>
+    </p:extLst>
+  </p:cSld>
+  <p:clrMapOvr>
+    <a:masterClrMapping/>
+  </p:clrMapOvr>
+</p:sld>
+</file>
+
+<file path=ppt/slides/slide18.xml><?xml version="1.0" encoding="utf-8"?>
+<p:sld xmlns:a="http://schemas.openxmlformats.org/drawingml/2006/main" xmlns:r="http://schemas.openxmlformats.org/officeDocument/2006/relationships" xmlns:p="http://schemas.openxmlformats.org/presentationml/2006/main">
+  <p:cSld>
+    <p:spTree>
+      <p:nvGrpSpPr>
+        <p:cNvPr id="1" name=""/>
+        <p:cNvGrpSpPr/>
+        <p:nvPr/>
+      </p:nvGrpSpPr>
+      <p:grpSpPr>
+        <a:xfrm>
+          <a:off x="0" y="0"/>
+          <a:ext cx="0" cy="0"/>
+          <a:chOff x="0" y="0"/>
+          <a:chExt cx="0" cy="0"/>
+        </a:xfrm>
+      </p:grpSpPr>
+      <p:sp>
+        <p:nvSpPr>
+          <p:cNvPr id="2" name="矩形 1">
+            <a:extLst>
+              <a:ext uri="{FF2B5EF4-FFF2-40B4-BE49-F238E27FC236}">
+                <a16:creationId xmlns:a16="http://schemas.microsoft.com/office/drawing/2014/main" id="{A5F8D89D-7AA1-47C6-BE33-30E04BD4DE11}"/>
+              </a:ext>
+            </a:extLst>
+          </p:cNvPr>
+          <p:cNvSpPr/>
+          <p:nvPr/>
+        </p:nvSpPr>
+        <p:spPr>
+          <a:xfrm>
+            <a:off x="7881360" y="1744911"/>
+            <a:ext cx="1183337" cy="3274366"/>
+          </a:xfrm>
+          <a:prstGeom prst="rect">
+            <a:avLst/>
+          </a:prstGeom>
+          <a:solidFill>
+            <a:schemeClr val="bg1">
+              <a:lumMod val="95000"/>
+            </a:schemeClr>
+          </a:solidFill>
+          <a:ln>
+            <a:noFill/>
+          </a:ln>
+        </p:spPr>
+        <p:style>
+          <a:lnRef idx="2">
+            <a:schemeClr val="accent1">
+              <a:shade val="50000"/>
+            </a:schemeClr>
+          </a:lnRef>
+          <a:fillRef idx="1">
+            <a:schemeClr val="accent1"/>
+          </a:fillRef>
+          <a:effectRef idx="0">
+            <a:schemeClr val="accent1"/>
+          </a:effectRef>
+          <a:fontRef idx="minor">
+            <a:schemeClr val="lt1"/>
+          </a:fontRef>
+        </p:style>
+        <p:txBody>
+          <a:bodyPr rtlCol="0" anchor="ctr"/>
+          <a:lstStyle/>
+          <a:p>
+            <a:pPr algn="ctr"/>
+            <a:endParaRPr lang="zh-CN" altLang="en-US"/>
+          </a:p>
+        </p:txBody>
+      </p:sp>
+      <p:sp>
+        <p:nvSpPr>
+          <p:cNvPr id="1048599" name="标题 1"/>
+          <p:cNvSpPr>
+            <a:spLocks noGrp="1"/>
+          </p:cNvSpPr>
+          <p:nvPr>
+            <p:ph type="title"/>
+          </p:nvPr>
+        </p:nvSpPr>
+        <p:spPr/>
+        <p:txBody>
+          <a:bodyPr/>
+          <a:lstStyle/>
+          <a:p>
+            <a:r>
+              <a:rPr lang="en-US" altLang="zh-CN"/>
+              <a:t>CSR</a:t>
+            </a:r>
+            <a:r>
+              <a:rPr lang="zh-CN" altLang="en-US"/>
+              <a:t>设计：异常处理</a:t>
+            </a:r>
+            <a:endParaRPr lang="zh-CN" altLang="en-US" dirty="0"/>
+          </a:p>
+        </p:txBody>
+      </p:sp>
+      <p:sp>
+        <p:nvSpPr>
+          <p:cNvPr id="28" name="矩形 27">
+            <a:extLst>
+              <a:ext uri="{FF2B5EF4-FFF2-40B4-BE49-F238E27FC236}">
+                <a16:creationId xmlns:a16="http://schemas.microsoft.com/office/drawing/2014/main" id="{93157375-6B26-4E63-A960-638130AD5726}"/>
+              </a:ext>
+            </a:extLst>
+          </p:cNvPr>
+          <p:cNvSpPr/>
+          <p:nvPr/>
+        </p:nvSpPr>
+        <p:spPr>
+          <a:xfrm>
+            <a:off x="1097280" y="1972818"/>
+            <a:ext cx="6610952" cy="1600438"/>
+          </a:xfrm>
+          <a:prstGeom prst="rect">
+            <a:avLst/>
+          </a:prstGeom>
+        </p:spPr>
+        <p:txBody>
+          <a:bodyPr wrap="square">
+            <a:spAutoFit/>
+          </a:bodyPr>
+          <a:lstStyle/>
+          <a:p>
+            <a:r>
+              <a:rPr lang="zh-CN" altLang="en-US" sz="1400"/>
+              <a:t>各模块直接拉出判断自身功能发生异常所需的</a:t>
+            </a:r>
+            <a:r>
+              <a:rPr lang="en-US" altLang="zh-CN" sz="1400"/>
+              <a:t>CSR(</a:t>
+            </a:r>
+            <a:r>
+              <a:rPr lang="zh-CN" altLang="en-US" sz="1400"/>
+              <a:t>不需要就不拉</a:t>
+            </a:r>
+            <a:r>
+              <a:rPr lang="en-US" altLang="zh-CN" sz="1400"/>
+              <a:t>)</a:t>
+            </a:r>
+            <a:r>
+              <a:rPr lang="zh-CN" altLang="en-US" sz="1400"/>
+              <a:t>，</a:t>
+            </a:r>
+            <a:endParaRPr lang="en-US" altLang="zh-CN" sz="1400"/>
+          </a:p>
+          <a:p>
+            <a:r>
+              <a:rPr lang="zh-CN" altLang="en-US" sz="1400"/>
+              <a:t>在各自内部进行计算后将异常信号提供给</a:t>
+            </a:r>
+            <a:r>
+              <a:rPr lang="en-US" altLang="zh-CN" sz="1400"/>
+              <a:t>CSRHub</a:t>
+            </a:r>
+            <a:r>
+              <a:rPr lang="zh-CN" altLang="en-US" sz="1400"/>
+              <a:t>。</a:t>
+            </a:r>
+            <a:endParaRPr lang="en-US" altLang="zh-CN" sz="1400"/>
+          </a:p>
+          <a:p>
+            <a:r>
+              <a:rPr lang="zh-CN" altLang="en-US" sz="1400"/>
+              <a:t>一个模块正常功能必须先判断不发生异常。</a:t>
+            </a:r>
+            <a:endParaRPr lang="en-US" altLang="zh-CN" sz="1400"/>
+          </a:p>
+          <a:p>
+            <a:r>
+              <a:rPr lang="en-US" altLang="zh-CN" sz="1400"/>
+              <a:t>CSRHub</a:t>
+            </a:r>
+            <a:r>
+              <a:rPr lang="zh-CN" altLang="en-US" sz="1400"/>
+              <a:t>完成以下功能：</a:t>
+            </a:r>
+            <a:endParaRPr lang="en-US" altLang="zh-CN" sz="1400"/>
+          </a:p>
+          <a:p>
+            <a:pPr marL="285750" indent="-285750">
+              <a:buFont typeface="Arial" panose="020B0604020202020204" pitchFamily="34" charset="0"/>
+              <a:buChar char="•"/>
+            </a:pPr>
+            <a:r>
+              <a:rPr lang="zh-CN" altLang="en-US" sz="1400"/>
+              <a:t>对当前时刻同时发生的</a:t>
+            </a:r>
+            <a:r>
+              <a:rPr lang="en-US" altLang="zh-CN" sz="1400"/>
+              <a:t>Exception</a:t>
+            </a:r>
+            <a:r>
+              <a:rPr lang="zh-CN" altLang="en-US" sz="1400"/>
+              <a:t>和</a:t>
+            </a:r>
+            <a:r>
+              <a:rPr lang="en-US" altLang="zh-CN" sz="1400"/>
+              <a:t>Interrupt</a:t>
+            </a:r>
+            <a:r>
+              <a:rPr lang="zh-CN" altLang="en-US" sz="1400"/>
+              <a:t>进行优先级裁决</a:t>
+            </a:r>
+            <a:endParaRPr lang="en-US" altLang="zh-CN" sz="1400"/>
+          </a:p>
+          <a:p>
+            <a:pPr marL="285750" indent="-285750">
+              <a:buFont typeface="Arial" panose="020B0604020202020204" pitchFamily="34" charset="0"/>
+              <a:buChar char="•"/>
+            </a:pPr>
+            <a:r>
+              <a:rPr lang="zh-CN" altLang="en-US" sz="1400"/>
+              <a:t>根据当前</a:t>
+            </a:r>
+            <a:r>
+              <a:rPr lang="en-US" altLang="zh-CN" sz="1400"/>
+              <a:t>Mode</a:t>
+            </a:r>
+            <a:r>
+              <a:rPr lang="zh-CN" altLang="en-US" sz="1400"/>
+              <a:t>，准备好各</a:t>
+            </a:r>
+            <a:r>
+              <a:rPr lang="en-US" altLang="zh-CN" sz="1400"/>
+              <a:t>*Trap CSR(</a:t>
+            </a:r>
+            <a:r>
+              <a:rPr lang="zh-CN" altLang="en-US" sz="1400"/>
+              <a:t>例如</a:t>
+            </a:r>
+            <a:r>
+              <a:rPr lang="en-US" altLang="zh-CN" sz="1400"/>
+              <a:t>mcause)</a:t>
+            </a:r>
+          </a:p>
+          <a:p>
+            <a:pPr marL="285750" indent="-285750">
+              <a:buFont typeface="Arial" panose="020B0604020202020204" pitchFamily="34" charset="0"/>
+              <a:buChar char="•"/>
+            </a:pPr>
+            <a:r>
+              <a:rPr lang="zh-CN" altLang="en-US" sz="1400"/>
+              <a:t>向</a:t>
+            </a:r>
+            <a:r>
+              <a:rPr lang="en-US" altLang="zh-CN" sz="1400"/>
+              <a:t>IFU</a:t>
+            </a:r>
+            <a:r>
+              <a:rPr lang="zh-CN" altLang="en-US" sz="1400"/>
+              <a:t>发出</a:t>
+            </a:r>
+            <a:r>
+              <a:rPr lang="en-US" altLang="zh-CN" sz="1400"/>
+              <a:t>trap_occur</a:t>
+            </a:r>
+            <a:r>
+              <a:rPr lang="zh-CN" altLang="en-US" sz="1400"/>
+              <a:t>信号，指示下一个</a:t>
+            </a:r>
+            <a:r>
+              <a:rPr lang="en-US" altLang="zh-CN" sz="1400"/>
+              <a:t>PC</a:t>
+            </a:r>
+            <a:r>
+              <a:rPr lang="zh-CN" altLang="en-US" sz="1400"/>
+              <a:t>采用*</a:t>
+            </a:r>
+            <a:r>
+              <a:rPr lang="en-US" altLang="zh-CN" sz="1400"/>
+              <a:t>tvec(</a:t>
+            </a:r>
+            <a:r>
+              <a:rPr lang="zh-CN" altLang="en-US" sz="1400"/>
+              <a:t>如</a:t>
+            </a:r>
+            <a:r>
+              <a:rPr lang="en-US" altLang="zh-CN" sz="1400"/>
+              <a:t>mtvec)</a:t>
+            </a:r>
+            <a:r>
+              <a:rPr lang="zh-CN" altLang="en-US" sz="1400"/>
+              <a:t>值</a:t>
+            </a:r>
+            <a:endParaRPr lang="en-US" altLang="zh-CN" sz="1400"/>
+          </a:p>
+        </p:txBody>
+      </p:sp>
+      <p:grpSp>
+        <p:nvGrpSpPr>
+          <p:cNvPr id="5" name="组合 4">
+            <a:extLst>
+              <a:ext uri="{FF2B5EF4-FFF2-40B4-BE49-F238E27FC236}">
+                <a16:creationId xmlns:a16="http://schemas.microsoft.com/office/drawing/2014/main" id="{2813C8F3-3F0E-416A-8A88-11DAD523683C}"/>
+              </a:ext>
+            </a:extLst>
+          </p:cNvPr>
+          <p:cNvGrpSpPr/>
+          <p:nvPr/>
+        </p:nvGrpSpPr>
+        <p:grpSpPr>
+          <a:xfrm>
+            <a:off x="7961598" y="1821816"/>
+            <a:ext cx="986410" cy="3111669"/>
+            <a:chOff x="4321251" y="2481639"/>
+            <a:chExt cx="1229525" cy="3878587"/>
+          </a:xfrm>
+        </p:grpSpPr>
+        <p:sp>
+          <p:nvSpPr>
+            <p:cNvPr id="4" name="矩形 3">
+              <a:extLst>
+                <a:ext uri="{FF2B5EF4-FFF2-40B4-BE49-F238E27FC236}">
+                  <a16:creationId xmlns:a16="http://schemas.microsoft.com/office/drawing/2014/main" id="{2A010AAE-229C-4D44-959A-54668DE96933}"/>
+                </a:ext>
+              </a:extLst>
+            </p:cNvPr>
+            <p:cNvSpPr/>
+            <p:nvPr/>
+          </p:nvSpPr>
+          <p:spPr>
+            <a:xfrm>
+              <a:off x="4321251" y="2481639"/>
+              <a:ext cx="1229525" cy="275019"/>
+            </a:xfrm>
+            <a:prstGeom prst="rect">
+              <a:avLst/>
+            </a:prstGeom>
+            <a:solidFill>
+              <a:schemeClr val="accent2"/>
+            </a:solidFill>
+            <a:ln>
+              <a:noFill/>
+            </a:ln>
+          </p:spPr>
+          <p:style>
+            <a:lnRef idx="2">
+              <a:schemeClr val="accent1">
+                <a:shade val="50000"/>
+              </a:schemeClr>
+            </a:lnRef>
+            <a:fillRef idx="1">
+              <a:schemeClr val="accent1"/>
+            </a:fillRef>
+            <a:effectRef idx="0">
+              <a:schemeClr val="accent1"/>
+            </a:effectRef>
+            <a:fontRef idx="minor">
+              <a:schemeClr val="lt1"/>
+            </a:fontRef>
+          </p:style>
+          <p:txBody>
+            <a:bodyPr rtlCol="0" anchor="ctr"/>
+            <a:lstStyle/>
+            <a:p>
+              <a:pPr algn="ctr"/>
+              <a:r>
+                <a:rPr lang="en-US" altLang="zh-CN" sz="1000"/>
+                <a:t>MInfo CSR</a:t>
+              </a:r>
+              <a:endParaRPr lang="zh-CN" altLang="en-US" sz="1000"/>
+            </a:p>
+          </p:txBody>
+        </p:sp>
+        <p:sp>
+          <p:nvSpPr>
+            <p:cNvPr id="36" name="矩形 35">
+              <a:extLst>
+                <a:ext uri="{FF2B5EF4-FFF2-40B4-BE49-F238E27FC236}">
+                  <a16:creationId xmlns:a16="http://schemas.microsoft.com/office/drawing/2014/main" id="{C0AD4A2F-DDE8-4959-87FC-EE515F1FABCA}"/>
+                </a:ext>
+              </a:extLst>
+            </p:cNvPr>
+            <p:cNvSpPr/>
+            <p:nvPr/>
+          </p:nvSpPr>
+          <p:spPr>
+            <a:xfrm>
+              <a:off x="4321251" y="2882035"/>
+              <a:ext cx="1229525" cy="275019"/>
+            </a:xfrm>
+            <a:prstGeom prst="rect">
+              <a:avLst/>
+            </a:prstGeom>
+            <a:solidFill>
+              <a:schemeClr val="accent2"/>
+            </a:solidFill>
+            <a:ln>
+              <a:noFill/>
+            </a:ln>
+          </p:spPr>
+          <p:style>
+            <a:lnRef idx="2">
+              <a:schemeClr val="accent1">
+                <a:shade val="50000"/>
+              </a:schemeClr>
+            </a:lnRef>
+            <a:fillRef idx="1">
+              <a:schemeClr val="accent1"/>
+            </a:fillRef>
+            <a:effectRef idx="0">
+              <a:schemeClr val="accent1"/>
+            </a:effectRef>
+            <a:fontRef idx="minor">
+              <a:schemeClr val="lt1"/>
+            </a:fontRef>
+          </p:style>
+          <p:txBody>
+            <a:bodyPr rtlCol="0" anchor="ctr"/>
+            <a:lstStyle/>
+            <a:p>
+              <a:pPr algn="ctr"/>
+              <a:r>
+                <a:rPr lang="en-US" altLang="zh-CN" sz="1000"/>
+                <a:t>MTrap CSR</a:t>
+              </a:r>
+              <a:endParaRPr lang="zh-CN" altLang="en-US" sz="1000"/>
+            </a:p>
+          </p:txBody>
+        </p:sp>
+        <p:sp>
+          <p:nvSpPr>
+            <p:cNvPr id="37" name="矩形 36">
+              <a:extLst>
+                <a:ext uri="{FF2B5EF4-FFF2-40B4-BE49-F238E27FC236}">
+                  <a16:creationId xmlns:a16="http://schemas.microsoft.com/office/drawing/2014/main" id="{2B9FD217-4421-4204-8018-994FF13E4EB0}"/>
+                </a:ext>
+              </a:extLst>
+            </p:cNvPr>
+            <p:cNvSpPr/>
+            <p:nvPr/>
+          </p:nvSpPr>
+          <p:spPr>
+            <a:xfrm>
+              <a:off x="4321251" y="3282431"/>
+              <a:ext cx="1229525" cy="275019"/>
+            </a:xfrm>
+            <a:prstGeom prst="rect">
+              <a:avLst/>
+            </a:prstGeom>
+            <a:solidFill>
+              <a:schemeClr val="accent2"/>
+            </a:solidFill>
+            <a:ln>
+              <a:noFill/>
+            </a:ln>
+          </p:spPr>
+          <p:style>
+            <a:lnRef idx="2">
+              <a:schemeClr val="accent1">
+                <a:shade val="50000"/>
+              </a:schemeClr>
+            </a:lnRef>
+            <a:fillRef idx="1">
+              <a:schemeClr val="accent1"/>
+            </a:fillRef>
+            <a:effectRef idx="0">
+              <a:schemeClr val="accent1"/>
+            </a:effectRef>
+            <a:fontRef idx="minor">
+              <a:schemeClr val="lt1"/>
+            </a:fontRef>
+          </p:style>
+          <p:txBody>
+            <a:bodyPr rtlCol="0" anchor="ctr"/>
+            <a:lstStyle/>
+            <a:p>
+              <a:pPr algn="ctr"/>
+              <a:r>
+                <a:rPr lang="en-US" altLang="zh-CN" sz="1000"/>
+                <a:t>MMemory CSR</a:t>
+              </a:r>
+              <a:endParaRPr lang="zh-CN" altLang="en-US" sz="1000"/>
+            </a:p>
+          </p:txBody>
+        </p:sp>
+        <p:sp>
+          <p:nvSpPr>
+            <p:cNvPr id="38" name="矩形 37">
+              <a:extLst>
+                <a:ext uri="{FF2B5EF4-FFF2-40B4-BE49-F238E27FC236}">
+                  <a16:creationId xmlns:a16="http://schemas.microsoft.com/office/drawing/2014/main" id="{8DE917CE-1B68-402F-8E95-27360DF2F526}"/>
+                </a:ext>
+              </a:extLst>
+            </p:cNvPr>
+            <p:cNvSpPr/>
+            <p:nvPr/>
+          </p:nvSpPr>
+          <p:spPr>
+            <a:xfrm>
+              <a:off x="4321251" y="3682827"/>
+              <a:ext cx="1229525" cy="275019"/>
+            </a:xfrm>
+            <a:prstGeom prst="rect">
+              <a:avLst/>
+            </a:prstGeom>
+            <a:solidFill>
+              <a:schemeClr val="accent2"/>
+            </a:solidFill>
+            <a:ln>
+              <a:noFill/>
+            </a:ln>
+          </p:spPr>
+          <p:style>
+            <a:lnRef idx="2">
+              <a:schemeClr val="accent1">
+                <a:shade val="50000"/>
+              </a:schemeClr>
+            </a:lnRef>
+            <a:fillRef idx="1">
+              <a:schemeClr val="accent1"/>
+            </a:fillRef>
+            <a:effectRef idx="0">
+              <a:schemeClr val="accent1"/>
+            </a:effectRef>
+            <a:fontRef idx="minor">
+              <a:schemeClr val="lt1"/>
+            </a:fontRef>
+          </p:style>
+          <p:txBody>
+            <a:bodyPr rtlCol="0" anchor="ctr"/>
+            <a:lstStyle/>
+            <a:p>
+              <a:pPr algn="ctr"/>
+              <a:r>
+                <a:rPr lang="en-US" altLang="zh-CN" sz="1000"/>
+                <a:t>MCounter CSR</a:t>
+              </a:r>
+              <a:endParaRPr lang="zh-CN" altLang="en-US" sz="1000"/>
+            </a:p>
+          </p:txBody>
+        </p:sp>
+        <p:sp>
+          <p:nvSpPr>
+            <p:cNvPr id="57" name="矩形 56">
+              <a:extLst>
+                <a:ext uri="{FF2B5EF4-FFF2-40B4-BE49-F238E27FC236}">
+                  <a16:creationId xmlns:a16="http://schemas.microsoft.com/office/drawing/2014/main" id="{538B43CD-7AEB-4263-93D6-2C1C818FF798}"/>
+                </a:ext>
+              </a:extLst>
+            </p:cNvPr>
+            <p:cNvSpPr/>
+            <p:nvPr/>
+          </p:nvSpPr>
+          <p:spPr>
+            <a:xfrm>
+              <a:off x="4321251" y="4483619"/>
+              <a:ext cx="1229525" cy="275019"/>
+            </a:xfrm>
+            <a:prstGeom prst="rect">
+              <a:avLst/>
+            </a:prstGeom>
+            <a:solidFill>
+              <a:schemeClr val="accent3"/>
+            </a:solidFill>
+            <a:ln>
+              <a:noFill/>
+            </a:ln>
+          </p:spPr>
+          <p:style>
+            <a:lnRef idx="2">
+              <a:schemeClr val="accent1">
+                <a:shade val="50000"/>
+              </a:schemeClr>
+            </a:lnRef>
+            <a:fillRef idx="1">
+              <a:schemeClr val="accent1"/>
+            </a:fillRef>
+            <a:effectRef idx="0">
+              <a:schemeClr val="accent1"/>
+            </a:effectRef>
+            <a:fontRef idx="minor">
+              <a:schemeClr val="lt1"/>
+            </a:fontRef>
+          </p:style>
+          <p:txBody>
+            <a:bodyPr rtlCol="0" anchor="ctr"/>
+            <a:lstStyle/>
+            <a:p>
+              <a:pPr algn="ctr"/>
+              <a:r>
+                <a:rPr lang="en-US" altLang="zh-CN" sz="1000"/>
+                <a:t>STrap CSR</a:t>
+              </a:r>
+              <a:endParaRPr lang="zh-CN" altLang="en-US" sz="1000"/>
+            </a:p>
+          </p:txBody>
+        </p:sp>
+        <p:sp>
+          <p:nvSpPr>
+            <p:cNvPr id="59" name="矩形 58">
+              <a:extLst>
+                <a:ext uri="{FF2B5EF4-FFF2-40B4-BE49-F238E27FC236}">
+                  <a16:creationId xmlns:a16="http://schemas.microsoft.com/office/drawing/2014/main" id="{D470EBA4-F19F-4A6C-8C7A-99784114F15F}"/>
+                </a:ext>
+              </a:extLst>
+            </p:cNvPr>
+            <p:cNvSpPr/>
+            <p:nvPr/>
+          </p:nvSpPr>
+          <p:spPr>
+            <a:xfrm>
+              <a:off x="4321251" y="4884015"/>
+              <a:ext cx="1229525" cy="275019"/>
+            </a:xfrm>
+            <a:prstGeom prst="rect">
+              <a:avLst/>
+            </a:prstGeom>
+            <a:solidFill>
+              <a:schemeClr val="accent3"/>
+            </a:solidFill>
+            <a:ln>
+              <a:noFill/>
+            </a:ln>
+          </p:spPr>
+          <p:style>
+            <a:lnRef idx="2">
+              <a:schemeClr val="accent1">
+                <a:shade val="50000"/>
+              </a:schemeClr>
+            </a:lnRef>
+            <a:fillRef idx="1">
+              <a:schemeClr val="accent1"/>
+            </a:fillRef>
+            <a:effectRef idx="0">
+              <a:schemeClr val="accent1"/>
+            </a:effectRef>
+            <a:fontRef idx="minor">
+              <a:schemeClr val="lt1"/>
+            </a:fontRef>
+          </p:style>
+          <p:txBody>
+            <a:bodyPr rtlCol="0" anchor="ctr"/>
+            <a:lstStyle/>
+            <a:p>
+              <a:pPr algn="ctr"/>
+              <a:r>
+                <a:rPr lang="en-US" altLang="zh-CN" sz="1000"/>
+                <a:t>SAddress CSR</a:t>
+              </a:r>
+              <a:endParaRPr lang="zh-CN" altLang="en-US" sz="1000"/>
+            </a:p>
+          </p:txBody>
+        </p:sp>
+        <p:sp>
+          <p:nvSpPr>
+            <p:cNvPr id="60" name="矩形 59">
+              <a:extLst>
+                <a:ext uri="{FF2B5EF4-FFF2-40B4-BE49-F238E27FC236}">
+                  <a16:creationId xmlns:a16="http://schemas.microsoft.com/office/drawing/2014/main" id="{E125EC2C-750E-4B79-BB43-ADD145240116}"/>
+                </a:ext>
+              </a:extLst>
+            </p:cNvPr>
+            <p:cNvSpPr/>
+            <p:nvPr/>
+          </p:nvSpPr>
+          <p:spPr>
+            <a:xfrm>
+              <a:off x="4321251" y="5684807"/>
+              <a:ext cx="1229525" cy="275019"/>
+            </a:xfrm>
+            <a:prstGeom prst="rect">
+              <a:avLst/>
+            </a:prstGeom>
+            <a:solidFill>
+              <a:schemeClr val="accent6"/>
+            </a:solidFill>
+            <a:ln>
+              <a:noFill/>
+            </a:ln>
+          </p:spPr>
+          <p:style>
+            <a:lnRef idx="2">
+              <a:schemeClr val="accent1">
+                <a:shade val="50000"/>
+              </a:schemeClr>
+            </a:lnRef>
+            <a:fillRef idx="1">
+              <a:schemeClr val="accent1"/>
+            </a:fillRef>
+            <a:effectRef idx="0">
+              <a:schemeClr val="accent1"/>
+            </a:effectRef>
+            <a:fontRef idx="minor">
+              <a:schemeClr val="lt1"/>
+            </a:fontRef>
+          </p:style>
+          <p:txBody>
+            <a:bodyPr rtlCol="0" anchor="ctr"/>
+            <a:lstStyle/>
+            <a:p>
+              <a:pPr algn="ctr"/>
+              <a:r>
+                <a:rPr lang="en-US" altLang="zh-CN" sz="1000"/>
+                <a:t>UFloat CSR</a:t>
+              </a:r>
+              <a:endParaRPr lang="zh-CN" altLang="en-US" sz="1000"/>
+            </a:p>
+          </p:txBody>
+        </p:sp>
+        <p:sp>
+          <p:nvSpPr>
+            <p:cNvPr id="63" name="矩形 62">
+              <a:extLst>
+                <a:ext uri="{FF2B5EF4-FFF2-40B4-BE49-F238E27FC236}">
+                  <a16:creationId xmlns:a16="http://schemas.microsoft.com/office/drawing/2014/main" id="{8450D0A3-95F3-4059-9B50-21BD9716DE48}"/>
+                </a:ext>
+              </a:extLst>
+            </p:cNvPr>
+            <p:cNvSpPr/>
+            <p:nvPr/>
+          </p:nvSpPr>
+          <p:spPr>
+            <a:xfrm>
+              <a:off x="4321251" y="4083223"/>
+              <a:ext cx="1229525" cy="275019"/>
+            </a:xfrm>
+            <a:prstGeom prst="rect">
+              <a:avLst/>
+            </a:prstGeom>
+            <a:solidFill>
+              <a:schemeClr val="accent2"/>
+            </a:solidFill>
+            <a:ln>
+              <a:noFill/>
+            </a:ln>
+          </p:spPr>
+          <p:style>
+            <a:lnRef idx="2">
+              <a:schemeClr val="accent1">
+                <a:shade val="50000"/>
+              </a:schemeClr>
+            </a:lnRef>
+            <a:fillRef idx="1">
+              <a:schemeClr val="accent1"/>
+            </a:fillRef>
+            <a:effectRef idx="0">
+              <a:schemeClr val="accent1"/>
+            </a:effectRef>
+            <a:fontRef idx="minor">
+              <a:schemeClr val="lt1"/>
+            </a:fontRef>
+          </p:style>
+          <p:txBody>
+            <a:bodyPr rtlCol="0" anchor="ctr"/>
+            <a:lstStyle/>
+            <a:p>
+              <a:pPr algn="ctr"/>
+              <a:r>
+                <a:rPr lang="en-US" altLang="zh-CN" sz="1000"/>
+                <a:t>MDebug CSR</a:t>
+              </a:r>
+              <a:endParaRPr lang="zh-CN" altLang="en-US" sz="1000"/>
+            </a:p>
+          </p:txBody>
+        </p:sp>
+        <p:sp>
+          <p:nvSpPr>
+            <p:cNvPr id="67" name="矩形 66">
+              <a:extLst>
+                <a:ext uri="{FF2B5EF4-FFF2-40B4-BE49-F238E27FC236}">
+                  <a16:creationId xmlns:a16="http://schemas.microsoft.com/office/drawing/2014/main" id="{9C881C42-13D6-4246-938F-EBC4ACD514D6}"/>
+                </a:ext>
+              </a:extLst>
+            </p:cNvPr>
+            <p:cNvSpPr/>
+            <p:nvPr/>
+          </p:nvSpPr>
+          <p:spPr>
+            <a:xfrm>
+              <a:off x="4321251" y="6085207"/>
+              <a:ext cx="1229525" cy="275019"/>
+            </a:xfrm>
+            <a:prstGeom prst="rect">
+              <a:avLst/>
+            </a:prstGeom>
+            <a:solidFill>
+              <a:schemeClr val="accent6"/>
+            </a:solidFill>
+            <a:ln>
+              <a:noFill/>
+            </a:ln>
+          </p:spPr>
+          <p:style>
+            <a:lnRef idx="2">
+              <a:schemeClr val="accent1">
+                <a:shade val="50000"/>
+              </a:schemeClr>
+            </a:lnRef>
+            <a:fillRef idx="1">
+              <a:schemeClr val="accent1"/>
+            </a:fillRef>
+            <a:effectRef idx="0">
+              <a:schemeClr val="accent1"/>
+            </a:effectRef>
+            <a:fontRef idx="minor">
+              <a:schemeClr val="lt1"/>
+            </a:fontRef>
+          </p:style>
+          <p:txBody>
+            <a:bodyPr rtlCol="0" anchor="ctr"/>
+            <a:lstStyle/>
+            <a:p>
+              <a:pPr algn="ctr"/>
+              <a:r>
+                <a:rPr lang="en-US" altLang="zh-CN" sz="1000"/>
+                <a:t>UCounter CSR</a:t>
+              </a:r>
+              <a:endParaRPr lang="zh-CN" altLang="en-US" sz="1000"/>
+            </a:p>
+          </p:txBody>
+        </p:sp>
+        <p:sp>
+          <p:nvSpPr>
+            <p:cNvPr id="68" name="矩形 67">
+              <a:extLst>
+                <a:ext uri="{FF2B5EF4-FFF2-40B4-BE49-F238E27FC236}">
+                  <a16:creationId xmlns:a16="http://schemas.microsoft.com/office/drawing/2014/main" id="{AB880C3D-35DD-405F-9729-06398B3E309B}"/>
+                </a:ext>
+              </a:extLst>
+            </p:cNvPr>
+            <p:cNvSpPr/>
+            <p:nvPr/>
+          </p:nvSpPr>
+          <p:spPr>
+            <a:xfrm>
+              <a:off x="4321251" y="5284411"/>
+              <a:ext cx="1229525" cy="275019"/>
+            </a:xfrm>
+            <a:prstGeom prst="rect">
+              <a:avLst/>
+            </a:prstGeom>
+            <a:solidFill>
+              <a:schemeClr val="accent6"/>
+            </a:solidFill>
+            <a:ln>
+              <a:noFill/>
+            </a:ln>
+          </p:spPr>
+          <p:style>
+            <a:lnRef idx="2">
+              <a:schemeClr val="accent1">
+                <a:shade val="50000"/>
+              </a:schemeClr>
+            </a:lnRef>
+            <a:fillRef idx="1">
+              <a:schemeClr val="accent1"/>
+            </a:fillRef>
+            <a:effectRef idx="0">
+              <a:schemeClr val="accent1"/>
+            </a:effectRef>
+            <a:fontRef idx="minor">
+              <a:schemeClr val="lt1"/>
+            </a:fontRef>
+          </p:style>
+          <p:txBody>
+            <a:bodyPr rtlCol="0" anchor="ctr"/>
+            <a:lstStyle/>
+            <a:p>
+              <a:pPr algn="ctr"/>
+              <a:r>
+                <a:rPr lang="en-US" altLang="zh-CN" sz="1000"/>
+                <a:t>UTrap CSR</a:t>
+              </a:r>
+              <a:endParaRPr lang="zh-CN" altLang="en-US" sz="1000"/>
+            </a:p>
+          </p:txBody>
+        </p:sp>
+      </p:grpSp>
+      <p:sp>
+        <p:nvSpPr>
+          <p:cNvPr id="25" name="文本框 24">
+            <a:extLst>
+              <a:ext uri="{FF2B5EF4-FFF2-40B4-BE49-F238E27FC236}">
+                <a16:creationId xmlns:a16="http://schemas.microsoft.com/office/drawing/2014/main" id="{8614A17D-A57F-46DD-8837-B607B3C9E493}"/>
+              </a:ext>
+            </a:extLst>
+          </p:cNvPr>
+          <p:cNvSpPr txBox="1"/>
+          <p:nvPr/>
+        </p:nvSpPr>
+        <p:spPr>
+          <a:xfrm>
+            <a:off x="9357217" y="1916848"/>
+            <a:ext cx="2798010" cy="276999"/>
+          </a:xfrm>
+          <a:prstGeom prst="rect">
+            <a:avLst/>
+          </a:prstGeom>
+          <a:noFill/>
+        </p:spPr>
+        <p:txBody>
+          <a:bodyPr wrap="none" rtlCol="0">
+            <a:spAutoFit/>
+          </a:bodyPr>
+          <a:lstStyle/>
+          <a:p>
+            <a:r>
+              <a:rPr lang="en-US" altLang="zh-CN" sz="1200"/>
+              <a:t>Instruction Fetch Misalign </a:t>
+            </a:r>
+            <a:r>
+              <a:rPr lang="en-US" altLang="zh-CN" sz="1200" b="1"/>
+              <a:t>Exception </a:t>
+            </a:r>
+            <a:r>
+              <a:rPr lang="zh-CN" altLang="en-US" sz="1200"/>
+              <a:t>图示</a:t>
+            </a:r>
+          </a:p>
+        </p:txBody>
+      </p:sp>
+      <p:sp>
+        <p:nvSpPr>
+          <p:cNvPr id="87" name="矩形 86">
+            <a:extLst>
+              <a:ext uri="{FF2B5EF4-FFF2-40B4-BE49-F238E27FC236}">
+                <a16:creationId xmlns:a16="http://schemas.microsoft.com/office/drawing/2014/main" id="{176E4EE3-5E3D-415F-ADBE-80262420A2F3}"/>
+              </a:ext>
+            </a:extLst>
+          </p:cNvPr>
+          <p:cNvSpPr/>
+          <p:nvPr/>
+        </p:nvSpPr>
+        <p:spPr>
+          <a:xfrm>
+            <a:off x="5769021" y="4823165"/>
+            <a:ext cx="986411" cy="535453"/>
+          </a:xfrm>
+          <a:prstGeom prst="rect">
+            <a:avLst/>
+          </a:prstGeom>
+        </p:spPr>
+        <p:style>
+          <a:lnRef idx="2">
+            <a:schemeClr val="accent1">
+              <a:shade val="50000"/>
+            </a:schemeClr>
+          </a:lnRef>
+          <a:fillRef idx="1">
+            <a:schemeClr val="accent1"/>
+          </a:fillRef>
+          <a:effectRef idx="0">
+            <a:schemeClr val="accent1"/>
+          </a:effectRef>
+          <a:fontRef idx="minor">
+            <a:schemeClr val="lt1"/>
+          </a:fontRef>
+        </p:style>
+        <p:txBody>
+          <a:bodyPr rtlCol="0" anchor="ctr"/>
+          <a:lstStyle/>
+          <a:p>
+            <a:pPr algn="ctr"/>
+            <a:r>
+              <a:rPr lang="en-US" altLang="zh-CN"/>
+              <a:t>IFU</a:t>
+            </a:r>
+            <a:endParaRPr lang="zh-CN" altLang="en-US"/>
+          </a:p>
+        </p:txBody>
+      </p:sp>
+      <p:sp>
+        <p:nvSpPr>
+          <p:cNvPr id="88" name="矩形 87">
+            <a:extLst>
+              <a:ext uri="{FF2B5EF4-FFF2-40B4-BE49-F238E27FC236}">
+                <a16:creationId xmlns:a16="http://schemas.microsoft.com/office/drawing/2014/main" id="{499577B1-14CD-4E84-AA7F-13DFEA51E934}"/>
+              </a:ext>
+            </a:extLst>
+          </p:cNvPr>
+          <p:cNvSpPr/>
+          <p:nvPr/>
+        </p:nvSpPr>
+        <p:spPr>
+          <a:xfrm>
+            <a:off x="7961598" y="5713501"/>
+            <a:ext cx="986411" cy="535453"/>
+          </a:xfrm>
+          <a:prstGeom prst="rect">
+            <a:avLst/>
+          </a:prstGeom>
+        </p:spPr>
+        <p:style>
+          <a:lnRef idx="2">
+            <a:schemeClr val="accent1">
+              <a:shade val="50000"/>
+            </a:schemeClr>
+          </a:lnRef>
+          <a:fillRef idx="1">
+            <a:schemeClr val="accent1"/>
+          </a:fillRef>
+          <a:effectRef idx="0">
+            <a:schemeClr val="accent1"/>
+          </a:effectRef>
+          <a:fontRef idx="minor">
+            <a:schemeClr val="lt1"/>
+          </a:fontRef>
+        </p:style>
+        <p:txBody>
+          <a:bodyPr rtlCol="0" anchor="ctr"/>
+          <a:lstStyle/>
+          <a:p>
+            <a:pPr algn="ctr"/>
+            <a:r>
+              <a:rPr lang="en-US" altLang="zh-CN"/>
+              <a:t>THU</a:t>
+            </a:r>
+            <a:endParaRPr lang="zh-CN" altLang="en-US"/>
+          </a:p>
+        </p:txBody>
+      </p:sp>
+      <p:cxnSp>
+        <p:nvCxnSpPr>
+          <p:cNvPr id="7" name="直接箭头连接符 6">
+            <a:extLst>
+              <a:ext uri="{FF2B5EF4-FFF2-40B4-BE49-F238E27FC236}">
+                <a16:creationId xmlns:a16="http://schemas.microsoft.com/office/drawing/2014/main" id="{2A82068C-B224-4AA3-80FA-0FF5B79CEDA3}"/>
+              </a:ext>
+            </a:extLst>
+          </p:cNvPr>
+          <p:cNvCxnSpPr>
+            <a:stCxn id="87" idx="3"/>
+            <a:endCxn id="88" idx="1"/>
+          </p:cNvCxnSpPr>
+          <p:nvPr/>
+        </p:nvCxnSpPr>
+        <p:spPr>
+          <a:xfrm>
+            <a:off x="6755432" y="5090892"/>
+            <a:ext cx="1206166" cy="890336"/>
+          </a:xfrm>
+          <a:prstGeom prst="straightConnector1">
+            <a:avLst/>
+          </a:prstGeom>
+          <a:ln>
+            <a:solidFill>
+              <a:srgbClr val="7030A0"/>
+            </a:solidFill>
+            <a:tailEnd type="triangle"/>
+          </a:ln>
+        </p:spPr>
+        <p:style>
+          <a:lnRef idx="1">
+            <a:schemeClr val="accent1"/>
+          </a:lnRef>
+          <a:fillRef idx="0">
+            <a:schemeClr val="accent1"/>
+          </a:fillRef>
+          <a:effectRef idx="0">
+            <a:schemeClr val="accent1"/>
+          </a:effectRef>
+          <a:fontRef idx="minor">
+            <a:schemeClr val="tx1"/>
+          </a:fontRef>
+        </p:style>
+      </p:cxnSp>
+      <p:cxnSp>
+        <p:nvCxnSpPr>
+          <p:cNvPr id="10" name="连接符: 肘形 9">
+            <a:extLst>
+              <a:ext uri="{FF2B5EF4-FFF2-40B4-BE49-F238E27FC236}">
+                <a16:creationId xmlns:a16="http://schemas.microsoft.com/office/drawing/2014/main" id="{7E3ED8E3-3611-4BAC-B479-CC8486EE450F}"/>
+              </a:ext>
+            </a:extLst>
+          </p:cNvPr>
+          <p:cNvCxnSpPr>
+            <a:stCxn id="88" idx="0"/>
+            <a:endCxn id="36" idx="1"/>
+          </p:cNvCxnSpPr>
+          <p:nvPr/>
+        </p:nvCxnSpPr>
+        <p:spPr>
+          <a:xfrm rot="16200000" flipV="1">
+            <a:off x="6478131" y="3736828"/>
+            <a:ext cx="3460140" cy="493206"/>
+          </a:xfrm>
+          <a:prstGeom prst="bentConnector4">
+            <a:avLst>
+              <a:gd name="adj1" fmla="val 13170"/>
+              <a:gd name="adj2" fmla="val 146350"/>
+            </a:avLst>
+          </a:prstGeom>
+          <a:ln>
+            <a:solidFill>
+              <a:srgbClr val="7030A0"/>
+            </a:solidFill>
+            <a:tailEnd type="triangle"/>
+          </a:ln>
+        </p:spPr>
+        <p:style>
+          <a:lnRef idx="1">
+            <a:schemeClr val="accent1"/>
+          </a:lnRef>
+          <a:fillRef idx="0">
+            <a:schemeClr val="accent1"/>
+          </a:fillRef>
+          <a:effectRef idx="0">
+            <a:schemeClr val="accent1"/>
+          </a:effectRef>
+          <a:fontRef idx="minor">
+            <a:schemeClr val="tx1"/>
+          </a:fontRef>
+        </p:style>
+      </p:cxnSp>
+      <p:cxnSp>
+        <p:nvCxnSpPr>
+          <p:cNvPr id="14" name="连接符: 肘形 13">
+            <a:extLst>
+              <a:ext uri="{FF2B5EF4-FFF2-40B4-BE49-F238E27FC236}">
+                <a16:creationId xmlns:a16="http://schemas.microsoft.com/office/drawing/2014/main" id="{34460EDB-CCAF-4A3E-9C64-385FF0C3CE5F}"/>
+              </a:ext>
+            </a:extLst>
+          </p:cNvPr>
+          <p:cNvCxnSpPr>
+            <a:stCxn id="88" idx="0"/>
+            <a:endCxn id="57" idx="1"/>
+          </p:cNvCxnSpPr>
+          <p:nvPr/>
+        </p:nvCxnSpPr>
+        <p:spPr>
+          <a:xfrm rot="16200000" flipV="1">
+            <a:off x="7120582" y="4379279"/>
+            <a:ext cx="2175239" cy="493206"/>
+          </a:xfrm>
+          <a:prstGeom prst="bentConnector4">
+            <a:avLst>
+              <a:gd name="adj1" fmla="val 21283"/>
+              <a:gd name="adj2" fmla="val 146350"/>
+            </a:avLst>
+          </a:prstGeom>
+          <a:ln>
+            <a:solidFill>
+              <a:srgbClr val="7030A0"/>
+            </a:solidFill>
+            <a:tailEnd type="triangle"/>
+          </a:ln>
+        </p:spPr>
+        <p:style>
+          <a:lnRef idx="1">
+            <a:schemeClr val="accent1"/>
+          </a:lnRef>
+          <a:fillRef idx="0">
+            <a:schemeClr val="accent1"/>
+          </a:fillRef>
+          <a:effectRef idx="0">
+            <a:schemeClr val="accent1"/>
+          </a:effectRef>
+          <a:fontRef idx="minor">
+            <a:schemeClr val="tx1"/>
+          </a:fontRef>
+        </p:style>
+      </p:cxnSp>
+      <p:cxnSp>
+        <p:nvCxnSpPr>
+          <p:cNvPr id="18" name="连接符: 肘形 17">
+            <a:extLst>
+              <a:ext uri="{FF2B5EF4-FFF2-40B4-BE49-F238E27FC236}">
+                <a16:creationId xmlns:a16="http://schemas.microsoft.com/office/drawing/2014/main" id="{D7B8B94C-EFF2-4CA6-BB75-6943E2EEC33E}"/>
+              </a:ext>
+            </a:extLst>
+          </p:cNvPr>
+          <p:cNvCxnSpPr>
+            <a:stCxn id="88" idx="0"/>
+            <a:endCxn id="68" idx="1"/>
+          </p:cNvCxnSpPr>
+          <p:nvPr/>
+        </p:nvCxnSpPr>
+        <p:spPr>
+          <a:xfrm rot="16200000" flipV="1">
+            <a:off x="7441807" y="4700504"/>
+            <a:ext cx="1532789" cy="493206"/>
+          </a:xfrm>
+          <a:prstGeom prst="bentConnector4">
+            <a:avLst>
+              <a:gd name="adj1" fmla="val 29655"/>
+              <a:gd name="adj2" fmla="val 146350"/>
+            </a:avLst>
+          </a:prstGeom>
+          <a:ln>
+            <a:solidFill>
+              <a:srgbClr val="7030A0"/>
+            </a:solidFill>
+            <a:tailEnd type="triangle"/>
+          </a:ln>
+        </p:spPr>
+        <p:style>
+          <a:lnRef idx="1">
+            <a:schemeClr val="accent1"/>
+          </a:lnRef>
+          <a:fillRef idx="0">
+            <a:schemeClr val="accent1"/>
+          </a:fillRef>
+          <a:effectRef idx="0">
+            <a:schemeClr val="accent1"/>
+          </a:effectRef>
+          <a:fontRef idx="minor">
+            <a:schemeClr val="tx1"/>
+          </a:fontRef>
+        </p:style>
+      </p:cxnSp>
+      <p:cxnSp>
+        <p:nvCxnSpPr>
+          <p:cNvPr id="27" name="连接符: 肘形 26">
+            <a:extLst>
+              <a:ext uri="{FF2B5EF4-FFF2-40B4-BE49-F238E27FC236}">
+                <a16:creationId xmlns:a16="http://schemas.microsoft.com/office/drawing/2014/main" id="{0B419E6D-C155-4AC9-AFAB-762EC7068F06}"/>
+              </a:ext>
+            </a:extLst>
+          </p:cNvPr>
+          <p:cNvCxnSpPr>
+            <a:stCxn id="36" idx="3"/>
+            <a:endCxn id="88" idx="3"/>
+          </p:cNvCxnSpPr>
+          <p:nvPr/>
+        </p:nvCxnSpPr>
+        <p:spPr>
+          <a:xfrm>
+            <a:off x="8948008" y="2253361"/>
+            <a:ext cx="1" cy="3727867"/>
+          </a:xfrm>
+          <a:prstGeom prst="bentConnector3">
+            <a:avLst>
+              <a:gd name="adj1" fmla="val 22860100000"/>
+            </a:avLst>
+          </a:prstGeom>
+          <a:ln>
+            <a:tailEnd type="triangle"/>
+          </a:ln>
+        </p:spPr>
+        <p:style>
+          <a:lnRef idx="1">
+            <a:schemeClr val="accent1"/>
+          </a:lnRef>
+          <a:fillRef idx="0">
+            <a:schemeClr val="accent1"/>
+          </a:fillRef>
+          <a:effectRef idx="0">
+            <a:schemeClr val="accent1"/>
+          </a:effectRef>
+          <a:fontRef idx="minor">
+            <a:schemeClr val="tx1"/>
+          </a:fontRef>
+        </p:style>
+      </p:cxnSp>
+      <p:sp>
+        <p:nvSpPr>
+          <p:cNvPr id="92" name="文本框 91">
+            <a:extLst>
+              <a:ext uri="{FF2B5EF4-FFF2-40B4-BE49-F238E27FC236}">
+                <a16:creationId xmlns:a16="http://schemas.microsoft.com/office/drawing/2014/main" id="{FFAA7278-37E3-40B8-A469-E266FE2CF61C}"/>
+              </a:ext>
+            </a:extLst>
+          </p:cNvPr>
+          <p:cNvSpPr txBox="1"/>
+          <p:nvPr/>
+        </p:nvSpPr>
+        <p:spPr>
+          <a:xfrm>
+            <a:off x="9137385" y="5242840"/>
+            <a:ext cx="1989647" cy="415498"/>
+          </a:xfrm>
+          <a:prstGeom prst="rect">
+            <a:avLst/>
+          </a:prstGeom>
+          <a:noFill/>
+        </p:spPr>
+        <p:txBody>
+          <a:bodyPr wrap="none" rtlCol="0">
+            <a:spAutoFit/>
+          </a:bodyPr>
+          <a:lstStyle/>
+          <a:p>
+            <a:r>
+              <a:rPr lang="zh-CN" altLang="en-US" sz="1050"/>
+              <a:t>获取当前</a:t>
+            </a:r>
+            <a:r>
+              <a:rPr lang="en-US" altLang="zh-CN" sz="1050"/>
+              <a:t>Mode</a:t>
+            </a:r>
+            <a:r>
+              <a:rPr lang="zh-CN" altLang="en-US" sz="1050"/>
+              <a:t>，决定信息写入</a:t>
+            </a:r>
+            <a:endParaRPr lang="en-US" altLang="zh-CN" sz="1050"/>
+          </a:p>
+          <a:p>
+            <a:r>
+              <a:rPr lang="en-US" altLang="zh-CN" sz="1050"/>
+              <a:t>MTrap </a:t>
+            </a:r>
+            <a:r>
+              <a:rPr lang="zh-CN" altLang="en-US" sz="1050"/>
+              <a:t>或者 </a:t>
+            </a:r>
+            <a:r>
+              <a:rPr lang="en-US" altLang="zh-CN" sz="1050"/>
+              <a:t>STrap </a:t>
+            </a:r>
+            <a:r>
+              <a:rPr lang="zh-CN" altLang="en-US" sz="1050"/>
+              <a:t>或者 </a:t>
+            </a:r>
+            <a:r>
+              <a:rPr lang="en-US" altLang="zh-CN" sz="1050"/>
+              <a:t>UTrap</a:t>
+            </a:r>
+            <a:endParaRPr lang="zh-CN" altLang="en-US" sz="1050"/>
+          </a:p>
+        </p:txBody>
+      </p:sp>
+      <p:sp>
+        <p:nvSpPr>
+          <p:cNvPr id="93" name="文本框 92">
+            <a:extLst>
+              <a:ext uri="{FF2B5EF4-FFF2-40B4-BE49-F238E27FC236}">
+                <a16:creationId xmlns:a16="http://schemas.microsoft.com/office/drawing/2014/main" id="{1B63FA57-CA42-4CBC-A12D-06B36B201F86}"/>
+              </a:ext>
+            </a:extLst>
+          </p:cNvPr>
+          <p:cNvSpPr txBox="1"/>
+          <p:nvPr/>
+        </p:nvSpPr>
+        <p:spPr>
+          <a:xfrm>
+            <a:off x="6665088" y="5412117"/>
+            <a:ext cx="1383712" cy="246221"/>
+          </a:xfrm>
+          <a:prstGeom prst="rect">
+            <a:avLst/>
+          </a:prstGeom>
+          <a:noFill/>
+        </p:spPr>
+        <p:txBody>
+          <a:bodyPr wrap="none" rtlCol="0">
+            <a:spAutoFit/>
+          </a:bodyPr>
+          <a:lstStyle/>
+          <a:p>
+            <a:r>
+              <a:rPr lang="en-US" altLang="zh-CN" sz="1000"/>
+              <a:t>exception_misalign==1</a:t>
+            </a:r>
+            <a:endParaRPr lang="zh-CN" altLang="en-US" sz="1000"/>
+          </a:p>
+        </p:txBody>
+      </p:sp>
+      <p:cxnSp>
+        <p:nvCxnSpPr>
+          <p:cNvPr id="95" name="连接符: 肘形 94">
+            <a:extLst>
+              <a:ext uri="{FF2B5EF4-FFF2-40B4-BE49-F238E27FC236}">
+                <a16:creationId xmlns:a16="http://schemas.microsoft.com/office/drawing/2014/main" id="{102D4EC9-4F30-4586-AAFD-AB7986CDAD4B}"/>
+              </a:ext>
+            </a:extLst>
+          </p:cNvPr>
+          <p:cNvCxnSpPr>
+            <a:stCxn id="88" idx="1"/>
+            <a:endCxn id="87" idx="2"/>
+          </p:cNvCxnSpPr>
+          <p:nvPr/>
+        </p:nvCxnSpPr>
+        <p:spPr>
+          <a:xfrm rot="10800000">
+            <a:off x="6262228" y="5358618"/>
+            <a:ext cx="1699371" cy="622610"/>
+          </a:xfrm>
+          <a:prstGeom prst="bentConnector2">
+            <a:avLst/>
+          </a:prstGeom>
+          <a:ln>
+            <a:solidFill>
+              <a:srgbClr val="7030A0"/>
+            </a:solidFill>
+            <a:tailEnd type="triangle"/>
+          </a:ln>
+        </p:spPr>
+        <p:style>
+          <a:lnRef idx="1">
+            <a:schemeClr val="accent1"/>
+          </a:lnRef>
+          <a:fillRef idx="0">
+            <a:schemeClr val="accent1"/>
+          </a:fillRef>
+          <a:effectRef idx="0">
+            <a:schemeClr val="accent1"/>
+          </a:effectRef>
+          <a:fontRef idx="minor">
+            <a:schemeClr val="tx1"/>
+          </a:fontRef>
+        </p:style>
+      </p:cxnSp>
+      <p:sp>
+        <p:nvSpPr>
+          <p:cNvPr id="96" name="文本框 95">
+            <a:extLst>
+              <a:ext uri="{FF2B5EF4-FFF2-40B4-BE49-F238E27FC236}">
+                <a16:creationId xmlns:a16="http://schemas.microsoft.com/office/drawing/2014/main" id="{B73ED56D-1E05-4EAB-AF84-01D4DDEA61B7}"/>
+              </a:ext>
+            </a:extLst>
+          </p:cNvPr>
+          <p:cNvSpPr txBox="1"/>
+          <p:nvPr/>
+        </p:nvSpPr>
+        <p:spPr>
+          <a:xfrm>
+            <a:off x="6435513" y="5933734"/>
+            <a:ext cx="1021433" cy="261610"/>
+          </a:xfrm>
+          <a:prstGeom prst="rect">
+            <a:avLst/>
+          </a:prstGeom>
+          <a:noFill/>
+        </p:spPr>
+        <p:txBody>
+          <a:bodyPr wrap="none" rtlCol="0">
+            <a:spAutoFit/>
+          </a:bodyPr>
+          <a:lstStyle/>
+          <a:p>
+            <a:r>
+              <a:rPr lang="en-US" altLang="zh-CN" sz="1050"/>
+              <a:t>trap_occur==1</a:t>
+            </a:r>
+            <a:endParaRPr lang="zh-CN" altLang="en-US" sz="1050"/>
+          </a:p>
+        </p:txBody>
+      </p:sp>
+      <p:cxnSp>
+        <p:nvCxnSpPr>
+          <p:cNvPr id="98" name="直接箭头连接符 97">
+            <a:extLst>
+              <a:ext uri="{FF2B5EF4-FFF2-40B4-BE49-F238E27FC236}">
+                <a16:creationId xmlns:a16="http://schemas.microsoft.com/office/drawing/2014/main" id="{34D11796-EBAA-4F8C-BF48-D2E79A500E62}"/>
+              </a:ext>
+            </a:extLst>
+          </p:cNvPr>
+          <p:cNvCxnSpPr>
+            <a:cxnSpLocks/>
+          </p:cNvCxnSpPr>
+          <p:nvPr/>
+        </p:nvCxnSpPr>
+        <p:spPr>
+          <a:xfrm flipH="1">
+            <a:off x="6755432" y="2350168"/>
+            <a:ext cx="1233536" cy="2472997"/>
+          </a:xfrm>
+          <a:prstGeom prst="straightConnector1">
+            <a:avLst/>
+          </a:prstGeom>
+          <a:ln>
+            <a:tailEnd type="triangle"/>
+          </a:ln>
+        </p:spPr>
+        <p:style>
+          <a:lnRef idx="1">
+            <a:schemeClr val="accent1"/>
+          </a:lnRef>
+          <a:fillRef idx="0">
+            <a:schemeClr val="accent1"/>
+          </a:fillRef>
+          <a:effectRef idx="0">
+            <a:schemeClr val="accent1"/>
+          </a:effectRef>
+          <a:fontRef idx="minor">
+            <a:schemeClr val="tx1"/>
+          </a:fontRef>
+        </p:style>
+      </p:cxnSp>
+      <p:sp>
+        <p:nvSpPr>
+          <p:cNvPr id="101" name="文本框 100">
+            <a:extLst>
+              <a:ext uri="{FF2B5EF4-FFF2-40B4-BE49-F238E27FC236}">
+                <a16:creationId xmlns:a16="http://schemas.microsoft.com/office/drawing/2014/main" id="{48CCC1D8-B1C5-466C-8E8D-D8D688F8C40E}"/>
+              </a:ext>
+            </a:extLst>
+          </p:cNvPr>
+          <p:cNvSpPr txBox="1"/>
+          <p:nvPr/>
+        </p:nvSpPr>
+        <p:spPr>
+          <a:xfrm>
+            <a:off x="6874042" y="3983431"/>
+            <a:ext cx="705642" cy="230832"/>
+          </a:xfrm>
+          <a:prstGeom prst="rect">
+            <a:avLst/>
+          </a:prstGeom>
+          <a:noFill/>
+        </p:spPr>
+        <p:txBody>
+          <a:bodyPr wrap="none" rtlCol="0">
+            <a:spAutoFit/>
+          </a:bodyPr>
+          <a:lstStyle/>
+          <a:p>
+            <a:r>
+              <a:rPr lang="zh-CN" altLang="en-US" sz="900"/>
+              <a:t>获取</a:t>
+            </a:r>
+            <a:r>
+              <a:rPr lang="en-US" altLang="zh-CN" sz="900"/>
+              <a:t>mtvec</a:t>
+            </a:r>
+            <a:endParaRPr lang="zh-CN" altLang="en-US" sz="900"/>
+          </a:p>
+        </p:txBody>
+      </p:sp>
+      <p:cxnSp>
+        <p:nvCxnSpPr>
+          <p:cNvPr id="103" name="直接箭头连接符 102">
+            <a:extLst>
+              <a:ext uri="{FF2B5EF4-FFF2-40B4-BE49-F238E27FC236}">
+                <a16:creationId xmlns:a16="http://schemas.microsoft.com/office/drawing/2014/main" id="{3EA62344-A252-469E-BFB2-29FA5044880A}"/>
+              </a:ext>
+            </a:extLst>
+          </p:cNvPr>
+          <p:cNvCxnSpPr/>
+          <p:nvPr/>
+        </p:nvCxnSpPr>
+        <p:spPr>
+          <a:xfrm flipH="1">
+            <a:off x="6785811" y="3649579"/>
+            <a:ext cx="1211178" cy="1203158"/>
+          </a:xfrm>
+          <a:prstGeom prst="straightConnector1">
+            <a:avLst/>
+          </a:prstGeom>
+          <a:ln>
+            <a:tailEnd type="triangle"/>
+          </a:ln>
+        </p:spPr>
+        <p:style>
+          <a:lnRef idx="1">
+            <a:schemeClr val="accent1"/>
+          </a:lnRef>
+          <a:fillRef idx="0">
+            <a:schemeClr val="accent1"/>
+          </a:fillRef>
+          <a:effectRef idx="0">
+            <a:schemeClr val="accent1"/>
+          </a:effectRef>
+          <a:fontRef idx="minor">
+            <a:schemeClr val="tx1"/>
+          </a:fontRef>
+        </p:style>
+      </p:cxnSp>
+      <p:cxnSp>
+        <p:nvCxnSpPr>
+          <p:cNvPr id="105" name="直接箭头连接符 104">
+            <a:extLst>
+              <a:ext uri="{FF2B5EF4-FFF2-40B4-BE49-F238E27FC236}">
+                <a16:creationId xmlns:a16="http://schemas.microsoft.com/office/drawing/2014/main" id="{50B20D70-275F-433C-9ABC-3F9F621ABB6B}"/>
+              </a:ext>
+            </a:extLst>
+          </p:cNvPr>
+          <p:cNvCxnSpPr/>
+          <p:nvPr/>
+        </p:nvCxnSpPr>
+        <p:spPr>
+          <a:xfrm flipH="1">
+            <a:off x="6825916" y="4299284"/>
+            <a:ext cx="1219200" cy="593558"/>
+          </a:xfrm>
+          <a:prstGeom prst="straightConnector1">
+            <a:avLst/>
+          </a:prstGeom>
+          <a:ln>
+            <a:tailEnd type="triangle"/>
+          </a:ln>
+        </p:spPr>
+        <p:style>
+          <a:lnRef idx="1">
+            <a:schemeClr val="accent1"/>
+          </a:lnRef>
+          <a:fillRef idx="0">
+            <a:schemeClr val="accent1"/>
+          </a:fillRef>
+          <a:effectRef idx="0">
+            <a:schemeClr val="accent1"/>
+          </a:effectRef>
+          <a:fontRef idx="minor">
+            <a:schemeClr val="tx1"/>
+          </a:fontRef>
+        </p:style>
+      </p:cxnSp>
+      <p:sp>
+        <p:nvSpPr>
+          <p:cNvPr id="107" name="文本框 106">
+            <a:extLst>
+              <a:ext uri="{FF2B5EF4-FFF2-40B4-BE49-F238E27FC236}">
+                <a16:creationId xmlns:a16="http://schemas.microsoft.com/office/drawing/2014/main" id="{2E862789-C179-417A-9922-045E03A0E9EB}"/>
+              </a:ext>
+            </a:extLst>
+          </p:cNvPr>
+          <p:cNvSpPr txBox="1"/>
+          <p:nvPr/>
+        </p:nvSpPr>
+        <p:spPr>
+          <a:xfrm>
+            <a:off x="6966456" y="4324021"/>
+            <a:ext cx="761747" cy="261610"/>
+          </a:xfrm>
+          <a:prstGeom prst="rect">
+            <a:avLst/>
+          </a:prstGeom>
+          <a:noFill/>
+        </p:spPr>
+        <p:txBody>
+          <a:bodyPr wrap="none" rtlCol="0">
+            <a:spAutoFit/>
+          </a:bodyPr>
+          <a:lstStyle/>
+          <a:p>
+            <a:r>
+              <a:rPr lang="zh-CN" altLang="en-US" sz="1100"/>
+              <a:t>获取</a:t>
+            </a:r>
+            <a:r>
+              <a:rPr lang="en-US" altLang="zh-CN" sz="1100"/>
+              <a:t>stvec</a:t>
+            </a:r>
+            <a:endParaRPr lang="zh-CN" altLang="en-US" sz="1100"/>
+          </a:p>
+        </p:txBody>
+      </p:sp>
+      <p:sp>
+        <p:nvSpPr>
+          <p:cNvPr id="108" name="文本框 107">
+            <a:extLst>
+              <a:ext uri="{FF2B5EF4-FFF2-40B4-BE49-F238E27FC236}">
+                <a16:creationId xmlns:a16="http://schemas.microsoft.com/office/drawing/2014/main" id="{2ADE9B8F-5C9A-440C-8566-77B5B42287E9}"/>
+              </a:ext>
+            </a:extLst>
+          </p:cNvPr>
+          <p:cNvSpPr txBox="1"/>
+          <p:nvPr/>
+        </p:nvSpPr>
+        <p:spPr>
+          <a:xfrm>
+            <a:off x="6966456" y="4594644"/>
+            <a:ext cx="780983" cy="261610"/>
+          </a:xfrm>
+          <a:prstGeom prst="rect">
+            <a:avLst/>
+          </a:prstGeom>
+          <a:noFill/>
+        </p:spPr>
+        <p:txBody>
+          <a:bodyPr wrap="none" rtlCol="0">
+            <a:spAutoFit/>
+          </a:bodyPr>
+          <a:lstStyle/>
+          <a:p>
+            <a:r>
+              <a:rPr lang="zh-CN" altLang="en-US" sz="1100"/>
+              <a:t>获取</a:t>
+            </a:r>
+            <a:r>
+              <a:rPr lang="en-US" altLang="zh-CN" sz="1100"/>
+              <a:t>utvec</a:t>
+            </a:r>
+            <a:endParaRPr lang="zh-CN" altLang="en-US" sz="1100"/>
+          </a:p>
+        </p:txBody>
+      </p:sp>
+      <p:sp>
+        <p:nvSpPr>
+          <p:cNvPr id="106" name="文本框 105">
+            <a:extLst>
+              <a:ext uri="{FF2B5EF4-FFF2-40B4-BE49-F238E27FC236}">
+                <a16:creationId xmlns:a16="http://schemas.microsoft.com/office/drawing/2014/main" id="{60ADC6B3-E87A-4D46-8E96-274F979B7D9A}"/>
+              </a:ext>
+            </a:extLst>
+          </p:cNvPr>
+          <p:cNvSpPr txBox="1"/>
+          <p:nvPr/>
+        </p:nvSpPr>
+        <p:spPr>
+          <a:xfrm>
+            <a:off x="6880535" y="5166243"/>
+            <a:ext cx="325730" cy="261610"/>
+          </a:xfrm>
+          <a:prstGeom prst="rect">
+            <a:avLst/>
+          </a:prstGeom>
+          <a:noFill/>
+        </p:spPr>
+        <p:txBody>
+          <a:bodyPr wrap="none" rtlCol="0">
+            <a:spAutoFit/>
+          </a:bodyPr>
+          <a:lstStyle/>
+          <a:p>
+            <a:r>
+              <a:rPr lang="zh-CN" altLang="en-US" sz="1100"/>
+              <a:t>①</a:t>
+            </a:r>
+          </a:p>
+        </p:txBody>
+      </p:sp>
+      <p:sp>
+        <p:nvSpPr>
+          <p:cNvPr id="110" name="文本框 109">
+            <a:extLst>
+              <a:ext uri="{FF2B5EF4-FFF2-40B4-BE49-F238E27FC236}">
+                <a16:creationId xmlns:a16="http://schemas.microsoft.com/office/drawing/2014/main" id="{CBA4DBAD-944A-4702-9B7A-8AD9DCF2CDFF}"/>
+              </a:ext>
+            </a:extLst>
+          </p:cNvPr>
+          <p:cNvSpPr txBox="1"/>
+          <p:nvPr/>
+        </p:nvSpPr>
+        <p:spPr>
+          <a:xfrm>
+            <a:off x="7995773" y="5046026"/>
+            <a:ext cx="325730" cy="261610"/>
+          </a:xfrm>
+          <a:prstGeom prst="rect">
+            <a:avLst/>
+          </a:prstGeom>
+          <a:noFill/>
+        </p:spPr>
+        <p:txBody>
+          <a:bodyPr wrap="none" rtlCol="0">
+            <a:spAutoFit/>
+          </a:bodyPr>
+          <a:lstStyle/>
+          <a:p>
+            <a:r>
+              <a:rPr lang="zh-CN" altLang="en-US" sz="1100"/>
+              <a:t>②</a:t>
+            </a:r>
+          </a:p>
+        </p:txBody>
+      </p:sp>
+      <p:sp>
+        <p:nvSpPr>
+          <p:cNvPr id="111" name="文本框 110">
+            <a:extLst>
+              <a:ext uri="{FF2B5EF4-FFF2-40B4-BE49-F238E27FC236}">
+                <a16:creationId xmlns:a16="http://schemas.microsoft.com/office/drawing/2014/main" id="{DDF81EE0-CC35-4EE6-8DCF-1E05E4C6B699}"/>
+              </a:ext>
+            </a:extLst>
+          </p:cNvPr>
+          <p:cNvSpPr txBox="1"/>
+          <p:nvPr/>
+        </p:nvSpPr>
+        <p:spPr>
+          <a:xfrm>
+            <a:off x="6269743" y="5947939"/>
+            <a:ext cx="325730" cy="261610"/>
+          </a:xfrm>
+          <a:prstGeom prst="rect">
+            <a:avLst/>
+          </a:prstGeom>
+          <a:noFill/>
+        </p:spPr>
+        <p:txBody>
+          <a:bodyPr wrap="none" rtlCol="0">
+            <a:spAutoFit/>
+          </a:bodyPr>
+          <a:lstStyle/>
+          <a:p>
+            <a:r>
+              <a:rPr lang="zh-CN" altLang="en-US" sz="1100"/>
+              <a:t>③</a:t>
+            </a:r>
+          </a:p>
+        </p:txBody>
+      </p:sp>
+      <p:sp>
+        <p:nvSpPr>
+          <p:cNvPr id="39" name="文本框 38">
+            <a:extLst>
+              <a:ext uri="{FF2B5EF4-FFF2-40B4-BE49-F238E27FC236}">
+                <a16:creationId xmlns:a16="http://schemas.microsoft.com/office/drawing/2014/main" id="{E815F4E4-1DE5-44C5-BA5D-9925021D30BC}"/>
+              </a:ext>
+            </a:extLst>
+          </p:cNvPr>
+          <p:cNvSpPr txBox="1"/>
+          <p:nvPr/>
+        </p:nvSpPr>
+        <p:spPr>
+          <a:xfrm>
+            <a:off x="8116409" y="1524289"/>
+            <a:ext cx="676788" cy="276999"/>
+          </a:xfrm>
+          <a:prstGeom prst="rect">
+            <a:avLst/>
+          </a:prstGeom>
+          <a:noFill/>
+        </p:spPr>
+        <p:txBody>
+          <a:bodyPr wrap="none" rtlCol="0">
+            <a:spAutoFit/>
+          </a:bodyPr>
+          <a:lstStyle/>
+          <a:p>
+            <a:r>
+              <a:rPr lang="en-US" altLang="zh-CN" sz="1200"/>
+              <a:t>CSRHub</a:t>
+            </a:r>
+            <a:endParaRPr lang="zh-CN" altLang="en-US" sz="1200"/>
+          </a:p>
+        </p:txBody>
+      </p:sp>
+    </p:spTree>
+    <p:extLst>
+      <p:ext uri="{BB962C8B-B14F-4D97-AF65-F5344CB8AC3E}">
+        <p14:creationId xmlns:p14="http://schemas.microsoft.com/office/powerpoint/2010/main" val="2648784301"/>
+      </p:ext>
+    </p:extLst>
   </p:cSld>
   <p:clrMapOvr>
     <a:masterClrMapping/>
@@ -12270,7 +15980,7 @@
           <p:spPr>
             <a:xfrm>
               <a:off x="10250825" y="3265923"/>
-              <a:ext cx="519694" cy="215444"/>
+              <a:ext cx="699230" cy="215444"/>
             </a:xfrm>
             <a:prstGeom prst="rect">
               <a:avLst/>
@@ -12289,7 +15999,7 @@
                     <a:srgbClr val="FF0000"/>
                   </a:solidFill>
                 </a:rPr>
-                <a:t>OP_CSR</a:t>
+                <a:t>OP_SYSTEM</a:t>
               </a:r>
               <a:endParaRPr lang="zh-CN" altLang="en-US" sz="800" b="1">
                 <a:solidFill>
@@ -12499,6 +16209,45 @@
           </p:txBody>
         </p:sp>
       </p:grpSp>
+      <p:sp>
+        <p:nvSpPr>
+          <p:cNvPr id="2" name="文本框 1">
+            <a:extLst>
+              <a:ext uri="{FF2B5EF4-FFF2-40B4-BE49-F238E27FC236}">
+                <a16:creationId xmlns:a16="http://schemas.microsoft.com/office/drawing/2014/main" id="{30F33D35-9FFF-4AB2-85DB-643B85879C37}"/>
+              </a:ext>
+            </a:extLst>
+          </p:cNvPr>
+          <p:cNvSpPr txBox="1"/>
+          <p:nvPr/>
+        </p:nvSpPr>
+        <p:spPr>
+          <a:xfrm>
+            <a:off x="8842267" y="1765667"/>
+            <a:ext cx="1663276" cy="369332"/>
+          </a:xfrm>
+          <a:prstGeom prst="rect">
+            <a:avLst/>
+          </a:prstGeom>
+          <a:noFill/>
+        </p:spPr>
+        <p:txBody>
+          <a:bodyPr wrap="none" rtlCol="0">
+            <a:spAutoFit/>
+          </a:bodyPr>
+          <a:lstStyle/>
+          <a:p>
+            <a:r>
+              <a:rPr lang="en-US" altLang="zh-CN"/>
+              <a:t>Instruction</a:t>
+            </a:r>
+            <a:r>
+              <a:rPr lang="zh-CN" altLang="en-US"/>
+              <a:t>分类</a:t>
+            </a:r>
+          </a:p>
+        </p:txBody>
+      </p:sp>
     </p:spTree>
     <p:extLst>
       <p:ext uri="{BB962C8B-B14F-4D97-AF65-F5344CB8AC3E}">
@@ -12960,6 +16709,298 @@
       </p:grpSpPr>
       <p:sp>
         <p:nvSpPr>
+          <p:cNvPr id="1048605" name="标题 1"/>
+          <p:cNvSpPr>
+            <a:spLocks noGrp="1"/>
+          </p:cNvSpPr>
+          <p:nvPr>
+            <p:ph type="title"/>
+          </p:nvPr>
+        </p:nvSpPr>
+        <p:spPr/>
+        <p:txBody>
+          <a:bodyPr/>
+          <a:lstStyle/>
+          <a:p>
+            <a:r>
+              <a:rPr lang="zh-CN" altLang="en-US"/>
+              <a:t>如何规范个人的</a:t>
+            </a:r>
+            <a:r>
+              <a:rPr lang="en-US" altLang="zh-CN"/>
+              <a:t>Verilog</a:t>
+            </a:r>
+            <a:r>
+              <a:rPr lang="zh-CN" altLang="en-US"/>
+              <a:t>写法</a:t>
+            </a:r>
+            <a:endParaRPr lang="zh-CN" altLang="en-US" dirty="0"/>
+          </a:p>
+        </p:txBody>
+      </p:sp>
+      <p:sp>
+        <p:nvSpPr>
+          <p:cNvPr id="1048606" name="内容占位符 2"/>
+          <p:cNvSpPr>
+            <a:spLocks noGrp="1"/>
+          </p:cNvSpPr>
+          <p:nvPr>
+            <p:ph idx="1"/>
+          </p:nvPr>
+        </p:nvSpPr>
+        <p:spPr>
+          <a:xfrm>
+            <a:off x="1097280" y="1845732"/>
+            <a:ext cx="6241983" cy="4634089"/>
+          </a:xfrm>
+        </p:spPr>
+        <p:txBody>
+          <a:bodyPr>
+            <a:noAutofit/>
+          </a:bodyPr>
+          <a:lstStyle/>
+          <a:p>
+            <a:pPr>
+              <a:lnSpc>
+                <a:spcPct val="100000"/>
+              </a:lnSpc>
+              <a:buFont typeface="Wingdings" panose="05000000000000000000" pitchFamily="2" charset="2"/>
+              <a:buChar char="l"/>
+            </a:pPr>
+            <a:r>
+              <a:rPr lang="en-US" altLang="zh-CN" sz="1600"/>
+              <a:t> </a:t>
+            </a:r>
+            <a:r>
+              <a:rPr lang="zh-CN" altLang="en-US" sz="1600"/>
+              <a:t>输入 </a:t>
+            </a:r>
+            <a:r>
+              <a:rPr lang="en-US" altLang="zh-CN" sz="1600"/>
+              <a:t>inputs, </a:t>
+            </a:r>
+            <a:r>
+              <a:rPr lang="zh-CN" altLang="en-US" sz="1600"/>
+              <a:t>输出 </a:t>
+            </a:r>
+            <a:r>
+              <a:rPr lang="en-US" altLang="zh-CN" sz="1600"/>
+              <a:t>outputs</a:t>
+            </a:r>
+          </a:p>
+          <a:p>
+            <a:pPr>
+              <a:lnSpc>
+                <a:spcPct val="100000"/>
+              </a:lnSpc>
+              <a:buFont typeface="Wingdings" panose="05000000000000000000" pitchFamily="2" charset="2"/>
+              <a:buChar char="l"/>
+            </a:pPr>
+            <a:r>
+              <a:rPr lang="en-US" altLang="zh-CN" sz="1600"/>
+              <a:t> </a:t>
+            </a:r>
+            <a:r>
+              <a:rPr lang="zh-CN" altLang="en-US" sz="1600"/>
+              <a:t>从 </a:t>
+            </a:r>
+            <a:r>
+              <a:rPr lang="en-US" altLang="zh-CN" sz="1600"/>
+              <a:t>inputs </a:t>
+            </a:r>
+            <a:r>
+              <a:rPr lang="zh-CN" altLang="en-US" sz="1600"/>
+              <a:t>展开所有实现该模块功能需要的各种 </a:t>
+            </a:r>
+            <a:r>
+              <a:rPr lang="en-US" altLang="zh-CN" sz="1600"/>
+              <a:t>signals</a:t>
+            </a:r>
+          </a:p>
+          <a:p>
+            <a:pPr>
+              <a:lnSpc>
+                <a:spcPct val="100000"/>
+              </a:lnSpc>
+              <a:buFont typeface="Wingdings" panose="05000000000000000000" pitchFamily="2" charset="2"/>
+              <a:buChar char="l"/>
+            </a:pPr>
+            <a:r>
+              <a:rPr lang="en-US" altLang="zh-CN" sz="1600"/>
+              <a:t> </a:t>
+            </a:r>
+            <a:r>
+              <a:rPr lang="zh-CN" altLang="en-US" sz="1600"/>
+              <a:t>从 </a:t>
+            </a:r>
+            <a:r>
+              <a:rPr lang="en-US" altLang="zh-CN" sz="1600"/>
+              <a:t>inputs </a:t>
+            </a:r>
+            <a:r>
+              <a:rPr lang="zh-CN" altLang="en-US" sz="1600"/>
+              <a:t>展开所有需要的 </a:t>
+            </a:r>
+            <a:r>
+              <a:rPr lang="en-US" altLang="zh-CN" sz="1600"/>
+              <a:t>databus</a:t>
+            </a:r>
+          </a:p>
+          <a:p>
+            <a:pPr>
+              <a:lnSpc>
+                <a:spcPct val="100000"/>
+              </a:lnSpc>
+              <a:buFont typeface="Wingdings" panose="05000000000000000000" pitchFamily="2" charset="2"/>
+              <a:buChar char="l"/>
+            </a:pPr>
+            <a:r>
+              <a:rPr lang="en-US" altLang="zh-CN" sz="1600"/>
+              <a:t> </a:t>
+            </a:r>
+            <a:r>
+              <a:rPr lang="zh-CN" altLang="en-US" sz="1600"/>
+              <a:t>用 </a:t>
+            </a:r>
+            <a:r>
+              <a:rPr lang="en-US" altLang="zh-CN" sz="1600"/>
+              <a:t>signals </a:t>
+            </a:r>
+            <a:r>
+              <a:rPr lang="zh-CN" altLang="en-US" sz="1600"/>
+              <a:t>和 </a:t>
+            </a:r>
+            <a:r>
+              <a:rPr lang="en-US" altLang="zh-CN" sz="1600"/>
+              <a:t>databus </a:t>
+            </a:r>
+            <a:r>
+              <a:rPr lang="zh-CN" altLang="en-US" sz="1600"/>
+              <a:t>得到 </a:t>
+            </a:r>
+            <a:r>
+              <a:rPr lang="en-US" altLang="zh-CN" sz="1600"/>
+              <a:t>outputs</a:t>
+            </a:r>
+          </a:p>
+          <a:p>
+            <a:pPr>
+              <a:lnSpc>
+                <a:spcPct val="100000"/>
+              </a:lnSpc>
+              <a:buFont typeface="Wingdings" panose="05000000000000000000" pitchFamily="2" charset="2"/>
+              <a:buChar char="l"/>
+            </a:pPr>
+            <a:endParaRPr lang="en-US" altLang="zh-CN" sz="1600"/>
+          </a:p>
+          <a:p>
+            <a:pPr>
+              <a:lnSpc>
+                <a:spcPct val="100000"/>
+              </a:lnSpc>
+              <a:buFont typeface="Wingdings" panose="05000000000000000000" pitchFamily="2" charset="2"/>
+              <a:buChar char="l"/>
+            </a:pPr>
+            <a:r>
+              <a:rPr lang="en-US" altLang="zh-CN" sz="1600"/>
+              <a:t> </a:t>
+            </a:r>
+            <a:r>
+              <a:rPr lang="zh-CN" altLang="en-US" sz="1600"/>
+              <a:t>心中有电路，脑中有实现</a:t>
+            </a:r>
+            <a:endParaRPr lang="en-US" altLang="zh-CN" sz="1600"/>
+          </a:p>
+          <a:p>
+            <a:pPr>
+              <a:lnSpc>
+                <a:spcPct val="100000"/>
+              </a:lnSpc>
+              <a:buFont typeface="Wingdings" panose="05000000000000000000" pitchFamily="2" charset="2"/>
+              <a:buChar char="l"/>
+            </a:pPr>
+            <a:r>
+              <a:rPr lang="en-US" altLang="zh-CN" sz="1600"/>
+              <a:t> </a:t>
+            </a:r>
+            <a:r>
+              <a:rPr lang="zh-CN" altLang="en-US" sz="1600" b="1"/>
+              <a:t>硬件描述语言</a:t>
+            </a:r>
+            <a:r>
+              <a:rPr lang="zh-CN" altLang="en-US" sz="1600"/>
+              <a:t>的各种「变量」都是实体存在的，不存在临时变量的说法：</a:t>
+            </a:r>
+            <a:r>
+              <a:rPr lang="zh-CN" altLang="en-US" sz="1600" b="1"/>
+              <a:t>不能用高级编程语言的「流式」思维去实现硬件</a:t>
+            </a:r>
+            <a:endParaRPr lang="en-US" altLang="zh-CN" sz="1600" b="1"/>
+          </a:p>
+        </p:txBody>
+      </p:sp>
+      <p:pic>
+        <p:nvPicPr>
+          <p:cNvPr id="5" name="图片 4">
+            <a:extLst>
+              <a:ext uri="{FF2B5EF4-FFF2-40B4-BE49-F238E27FC236}">
+                <a16:creationId xmlns:a16="http://schemas.microsoft.com/office/drawing/2014/main" id="{3108FDF4-0AEC-4CBF-9A69-80F8E157AAD5}"/>
+              </a:ext>
+            </a:extLst>
+          </p:cNvPr>
+          <p:cNvPicPr>
+            <a:picLocks noChangeAspect="1"/>
+          </p:cNvPicPr>
+          <p:nvPr/>
+        </p:nvPicPr>
+        <p:blipFill>
+          <a:blip r:embed="rId2"/>
+          <a:stretch>
+            <a:fillRect/>
+          </a:stretch>
+        </p:blipFill>
+        <p:spPr>
+          <a:xfrm>
+            <a:off x="7467600" y="1737360"/>
+            <a:ext cx="3688080" cy="4602264"/>
+          </a:xfrm>
+          <a:prstGeom prst="rect">
+            <a:avLst/>
+          </a:prstGeom>
+        </p:spPr>
+      </p:pic>
+    </p:spTree>
+    <p:extLst>
+      <p:ext uri="{BB962C8B-B14F-4D97-AF65-F5344CB8AC3E}">
+        <p14:creationId xmlns:p14="http://schemas.microsoft.com/office/powerpoint/2010/main" val="3038112636"/>
+      </p:ext>
+    </p:extLst>
+  </p:cSld>
+  <p:clrMapOvr>
+    <a:masterClrMapping/>
+  </p:clrMapOvr>
+</p:sld>
+</file>
+
+<file path=ppt/slides/slide9.xml><?xml version="1.0" encoding="utf-8"?>
+<p:sld xmlns:a="http://schemas.openxmlformats.org/drawingml/2006/main" xmlns:r="http://schemas.openxmlformats.org/officeDocument/2006/relationships" xmlns:p="http://schemas.openxmlformats.org/presentationml/2006/main">
+  <p:cSld>
+    <p:spTree>
+      <p:nvGrpSpPr>
+        <p:cNvPr id="1" name=""/>
+        <p:cNvGrpSpPr/>
+        <p:nvPr/>
+      </p:nvGrpSpPr>
+      <p:grpSpPr>
+        <a:xfrm>
+          <a:off x="0" y="0"/>
+          <a:ext cx="0" cy="0"/>
+          <a:chOff x="0" y="0"/>
+          <a:chExt cx="0" cy="0"/>
+        </a:xfrm>
+      </p:grpSpPr>
+      <p:sp>
+        <p:nvSpPr>
           <p:cNvPr id="2" name="标题 1">
             <a:extLst>
               <a:ext uri="{FF2B5EF4-FFF2-40B4-BE49-F238E27FC236}">
@@ -13181,117 +17222,6 @@
         <p14:creationId xmlns:p14="http://schemas.microsoft.com/office/powerpoint/2010/main" val="3780362829"/>
       </p:ext>
     </p:extLst>
-  </p:cSld>
-  <p:clrMapOvr>
-    <a:masterClrMapping/>
-  </p:clrMapOvr>
-</p:sld>
-</file>
-
-<file path=ppt/slides/slide9.xml><?xml version="1.0" encoding="utf-8"?>
-<p:sld xmlns:a="http://schemas.openxmlformats.org/drawingml/2006/main" xmlns:r="http://schemas.openxmlformats.org/officeDocument/2006/relationships" xmlns:p="http://schemas.openxmlformats.org/presentationml/2006/main">
-  <p:cSld>
-    <p:spTree>
-      <p:nvGrpSpPr>
-        <p:cNvPr id="1" name=""/>
-        <p:cNvGrpSpPr/>
-        <p:nvPr/>
-      </p:nvGrpSpPr>
-      <p:grpSpPr>
-        <a:xfrm>
-          <a:off x="0" y="0"/>
-          <a:ext cx="0" cy="0"/>
-          <a:chOff x="0" y="0"/>
-          <a:chExt cx="0" cy="0"/>
-        </a:xfrm>
-      </p:grpSpPr>
-      <p:sp>
-        <p:nvSpPr>
-          <p:cNvPr id="1048597" name="标题 1"/>
-          <p:cNvSpPr>
-            <a:spLocks noGrp="1"/>
-          </p:cNvSpPr>
-          <p:nvPr>
-            <p:ph type="title"/>
-          </p:nvPr>
-        </p:nvSpPr>
-        <p:spPr/>
-        <p:txBody>
-          <a:bodyPr/>
-          <a:lstStyle/>
-          <a:p>
-            <a:r>
-              <a:rPr lang="zh-CN" altLang="en-US"/>
-              <a:t>设计</a:t>
-            </a:r>
-            <a:r>
-              <a:rPr lang="en-US" altLang="zh-CN"/>
-              <a:t>…? No these!</a:t>
-            </a:r>
-            <a:endParaRPr lang="zh-CN" altLang="en-US" dirty="0"/>
-          </a:p>
-        </p:txBody>
-      </p:sp>
-      <p:pic>
-        <p:nvPicPr>
-          <p:cNvPr id="61" name="图片 60">
-            <a:extLst>
-              <a:ext uri="{FF2B5EF4-FFF2-40B4-BE49-F238E27FC236}">
-                <a16:creationId xmlns:a16="http://schemas.microsoft.com/office/drawing/2014/main" id="{D5A6697C-52E0-4C03-AC3E-0902EC7E21E7}"/>
-              </a:ext>
-            </a:extLst>
-          </p:cNvPr>
-          <p:cNvPicPr>
-            <a:picLocks noChangeAspect="1"/>
-          </p:cNvPicPr>
-          <p:nvPr/>
-        </p:nvPicPr>
-        <p:blipFill>
-          <a:blip r:embed="rId2"/>
-          <a:stretch>
-            <a:fillRect/>
-          </a:stretch>
-        </p:blipFill>
-        <p:spPr>
-          <a:xfrm>
-            <a:off x="1371624" y="1855432"/>
-            <a:ext cx="6128501" cy="4175168"/>
-          </a:xfrm>
-          <a:prstGeom prst="rect">
-            <a:avLst/>
-          </a:prstGeom>
-        </p:spPr>
-      </p:pic>
-      <p:pic>
-        <p:nvPicPr>
-          <p:cNvPr id="4" name="图片 3">
-            <a:extLst>
-              <a:ext uri="{FF2B5EF4-FFF2-40B4-BE49-F238E27FC236}">
-                <a16:creationId xmlns:a16="http://schemas.microsoft.com/office/drawing/2014/main" id="{B1722A2B-230B-4826-9468-21966D363124}"/>
-              </a:ext>
-            </a:extLst>
-          </p:cNvPr>
-          <p:cNvPicPr>
-            <a:picLocks noChangeAspect="1"/>
-          </p:cNvPicPr>
-          <p:nvPr/>
-        </p:nvPicPr>
-        <p:blipFill rotWithShape="1">
-          <a:blip r:embed="rId3"/>
-          <a:srcRect l="25549" t="47378" r="35444" b="28415"/>
-          <a:stretch/>
-        </p:blipFill>
-        <p:spPr>
-          <a:xfrm>
-            <a:off x="7648138" y="2273128"/>
-            <a:ext cx="3368956" cy="2787589"/>
-          </a:xfrm>
-          <a:prstGeom prst="rect">
-            <a:avLst/>
-          </a:prstGeom>
-        </p:spPr>
-      </p:pic>
-    </p:spTree>
   </p:cSld>
   <p:clrMapOvr>
     <a:masterClrMapping/>
